--- a/docs/presentations/day 2/13-15--15-30_basic plots tables/intro M&E plots.pptx
+++ b/docs/presentations/day 2/13-15--15-30_basic plots tables/intro M&E plots.pptx
@@ -5,53 +5,23 @@
     <p:sldMasterId id="2147483648" r:id="rId1"/>
   </p:sldMasterIdLst>
   <p:notesMasterIdLst>
-    <p:notesMasterId r:id="rId46"/>
+    <p:notesMasterId r:id="rId16"/>
   </p:notesMasterIdLst>
   <p:sldIdLst>
     <p:sldId id="256" r:id="rId2"/>
-    <p:sldId id="277" r:id="rId3"/>
-    <p:sldId id="278" r:id="rId4"/>
-    <p:sldId id="300" r:id="rId5"/>
-    <p:sldId id="297" r:id="rId6"/>
-    <p:sldId id="280" r:id="rId7"/>
-    <p:sldId id="279" r:id="rId8"/>
-    <p:sldId id="298" r:id="rId9"/>
-    <p:sldId id="281" r:id="rId10"/>
-    <p:sldId id="299" r:id="rId11"/>
-    <p:sldId id="282" r:id="rId12"/>
-    <p:sldId id="283" r:id="rId13"/>
-    <p:sldId id="284" r:id="rId14"/>
-    <p:sldId id="285" r:id="rId15"/>
-    <p:sldId id="286" r:id="rId16"/>
-    <p:sldId id="287" r:id="rId17"/>
-    <p:sldId id="288" r:id="rId18"/>
-    <p:sldId id="289" r:id="rId19"/>
-    <p:sldId id="290" r:id="rId20"/>
-    <p:sldId id="291" r:id="rId21"/>
-    <p:sldId id="292" r:id="rId22"/>
-    <p:sldId id="293" r:id="rId23"/>
-    <p:sldId id="294" r:id="rId24"/>
-    <p:sldId id="295" r:id="rId25"/>
-    <p:sldId id="296" r:id="rId26"/>
-    <p:sldId id="258" r:id="rId27"/>
-    <p:sldId id="259" r:id="rId28"/>
-    <p:sldId id="260" r:id="rId29"/>
-    <p:sldId id="261" r:id="rId30"/>
-    <p:sldId id="262" r:id="rId31"/>
-    <p:sldId id="263" r:id="rId32"/>
-    <p:sldId id="264" r:id="rId33"/>
-    <p:sldId id="265" r:id="rId34"/>
-    <p:sldId id="266" r:id="rId35"/>
-    <p:sldId id="267" r:id="rId36"/>
-    <p:sldId id="268" r:id="rId37"/>
-    <p:sldId id="269" r:id="rId38"/>
-    <p:sldId id="270" r:id="rId39"/>
-    <p:sldId id="271" r:id="rId40"/>
-    <p:sldId id="272" r:id="rId41"/>
-    <p:sldId id="273" r:id="rId42"/>
-    <p:sldId id="274" r:id="rId43"/>
-    <p:sldId id="275" r:id="rId44"/>
-    <p:sldId id="276" r:id="rId45"/>
+    <p:sldId id="300" r:id="rId3"/>
+    <p:sldId id="297" r:id="rId4"/>
+    <p:sldId id="280" r:id="rId5"/>
+    <p:sldId id="279" r:id="rId6"/>
+    <p:sldId id="298" r:id="rId7"/>
+    <p:sldId id="281" r:id="rId8"/>
+    <p:sldId id="299" r:id="rId9"/>
+    <p:sldId id="282" r:id="rId10"/>
+    <p:sldId id="258" r:id="rId11"/>
+    <p:sldId id="259" r:id="rId12"/>
+    <p:sldId id="260" r:id="rId13"/>
+    <p:sldId id="261" r:id="rId14"/>
+    <p:sldId id="262" r:id="rId15"/>
   </p:sldIdLst>
   <p:sldSz cx="12192000" cy="6858000"/>
   <p:notesSz cx="6858000" cy="9144000"/>
@@ -3584,7 +3554,7 @@
           <a:p>
             <a:fld id="{58E44F28-E194-470D-A181-1C526E20D2AE}" type="datetimeFigureOut">
               <a:rPr lang="en-GB" smtClean="0"/>
-              <a:t>12/09/2019</a:t>
+              <a:t>17/09/2019</a:t>
             </a:fld>
             <a:endParaRPr lang="en-GB"/>
           </a:p>
@@ -3903,7 +3873,7 @@
                 <a:latin typeface="Arial" charset="0"/>
               </a:rPr>
               <a:pPr algn="r"/>
-              <a:t>5</a:t>
+              <a:t>3</a:t>
             </a:fld>
             <a:endParaRPr lang="en-US" sz="1200">
               <a:latin typeface="Arial" charset="0"/>
@@ -4117,7 +4087,7 @@
           <a:p>
             <a:fld id="{A6CB86E0-3870-46A6-8113-22913825A688}" type="datetimeFigureOut">
               <a:rPr lang="en-GB" smtClean="0"/>
-              <a:t>12/09/2019</a:t>
+              <a:t>17/09/2019</a:t>
             </a:fld>
             <a:endParaRPr lang="en-GB"/>
           </a:p>
@@ -4317,7 +4287,7 @@
           <a:p>
             <a:fld id="{A6CB86E0-3870-46A6-8113-22913825A688}" type="datetimeFigureOut">
               <a:rPr lang="en-GB" smtClean="0"/>
-              <a:t>12/09/2019</a:t>
+              <a:t>17/09/2019</a:t>
             </a:fld>
             <a:endParaRPr lang="en-GB"/>
           </a:p>
@@ -4527,7 +4497,7 @@
           <a:p>
             <a:fld id="{A6CB86E0-3870-46A6-8113-22913825A688}" type="datetimeFigureOut">
               <a:rPr lang="en-GB" smtClean="0"/>
-              <a:t>12/09/2019</a:t>
+              <a:t>17/09/2019</a:t>
             </a:fld>
             <a:endParaRPr lang="en-GB"/>
           </a:p>
@@ -4727,7 +4697,7 @@
           <a:p>
             <a:fld id="{A6CB86E0-3870-46A6-8113-22913825A688}" type="datetimeFigureOut">
               <a:rPr lang="en-GB" smtClean="0"/>
-              <a:t>12/09/2019</a:t>
+              <a:t>17/09/2019</a:t>
             </a:fld>
             <a:endParaRPr lang="en-GB"/>
           </a:p>
@@ -5003,7 +4973,7 @@
           <a:p>
             <a:fld id="{A6CB86E0-3870-46A6-8113-22913825A688}" type="datetimeFigureOut">
               <a:rPr lang="en-GB" smtClean="0"/>
-              <a:t>12/09/2019</a:t>
+              <a:t>17/09/2019</a:t>
             </a:fld>
             <a:endParaRPr lang="en-GB"/>
           </a:p>
@@ -5271,7 +5241,7 @@
           <a:p>
             <a:fld id="{A6CB86E0-3870-46A6-8113-22913825A688}" type="datetimeFigureOut">
               <a:rPr lang="en-GB" smtClean="0"/>
-              <a:t>12/09/2019</a:t>
+              <a:t>17/09/2019</a:t>
             </a:fld>
             <a:endParaRPr lang="en-GB"/>
           </a:p>
@@ -5686,7 +5656,7 @@
           <a:p>
             <a:fld id="{A6CB86E0-3870-46A6-8113-22913825A688}" type="datetimeFigureOut">
               <a:rPr lang="en-GB" smtClean="0"/>
-              <a:t>12/09/2019</a:t>
+              <a:t>17/09/2019</a:t>
             </a:fld>
             <a:endParaRPr lang="en-GB"/>
           </a:p>
@@ -5828,7 +5798,7 @@
           <a:p>
             <a:fld id="{A6CB86E0-3870-46A6-8113-22913825A688}" type="datetimeFigureOut">
               <a:rPr lang="en-GB" smtClean="0"/>
-              <a:t>12/09/2019</a:t>
+              <a:t>17/09/2019</a:t>
             </a:fld>
             <a:endParaRPr lang="en-GB"/>
           </a:p>
@@ -5941,7 +5911,7 @@
           <a:p>
             <a:fld id="{A6CB86E0-3870-46A6-8113-22913825A688}" type="datetimeFigureOut">
               <a:rPr lang="en-GB" smtClean="0"/>
-              <a:t>12/09/2019</a:t>
+              <a:t>17/09/2019</a:t>
             </a:fld>
             <a:endParaRPr lang="en-GB"/>
           </a:p>
@@ -6254,7 +6224,7 @@
           <a:p>
             <a:fld id="{A6CB86E0-3870-46A6-8113-22913825A688}" type="datetimeFigureOut">
               <a:rPr lang="en-GB" smtClean="0"/>
-              <a:t>12/09/2019</a:t>
+              <a:t>17/09/2019</a:t>
             </a:fld>
             <a:endParaRPr lang="en-GB"/>
           </a:p>
@@ -6543,7 +6513,7 @@
           <a:p>
             <a:fld id="{A6CB86E0-3870-46A6-8113-22913825A688}" type="datetimeFigureOut">
               <a:rPr lang="en-GB" smtClean="0"/>
-              <a:t>12/09/2019</a:t>
+              <a:t>17/09/2019</a:t>
             </a:fld>
             <a:endParaRPr lang="en-GB"/>
           </a:p>
@@ -6786,7 +6756,7 @@
           <a:p>
             <a:fld id="{A6CB86E0-3870-46A6-8113-22913825A688}" type="datetimeFigureOut">
               <a:rPr lang="en-GB" smtClean="0"/>
-              <a:t>12/09/2019</a:t>
+              <a:t>17/09/2019</a:t>
             </a:fld>
             <a:endParaRPr lang="en-GB"/>
           </a:p>
@@ -7290,6 +7260,1563 @@
           <a:chExt cx="0" cy="0"/>
         </a:xfrm>
       </p:grpSpPr>
+      <p:sp>
+        <p:nvSpPr>
+          <p:cNvPr id="2" name="Title 1">
+            <a:extLst>
+              <a:ext uri="{FF2B5EF4-FFF2-40B4-BE49-F238E27FC236}">
+                <a16:creationId xmlns:a16="http://schemas.microsoft.com/office/drawing/2014/main" id="{5E7EDC7E-EDE8-4F88-A277-B87BC8DF2154}"/>
+              </a:ext>
+            </a:extLst>
+          </p:cNvPr>
+          <p:cNvSpPr>
+            <a:spLocks noGrp="1"/>
+          </p:cNvSpPr>
+          <p:nvPr>
+            <p:ph type="title"/>
+          </p:nvPr>
+        </p:nvSpPr>
+        <p:spPr/>
+        <p:txBody>
+          <a:bodyPr/>
+          <a:lstStyle/>
+          <a:p>
+            <a:r>
+              <a:rPr lang="en-GB" dirty="0"/>
+              <a:t>Exporting (saving) figures in file</a:t>
+            </a:r>
+          </a:p>
+        </p:txBody>
+      </p:sp>
+      <p:sp>
+        <p:nvSpPr>
+          <p:cNvPr id="3" name="Content Placeholder 2">
+            <a:extLst>
+              <a:ext uri="{FF2B5EF4-FFF2-40B4-BE49-F238E27FC236}">
+                <a16:creationId xmlns:a16="http://schemas.microsoft.com/office/drawing/2014/main" id="{BC553207-7F88-4E7C-9E65-D5EF2F0FF598}"/>
+              </a:ext>
+            </a:extLst>
+          </p:cNvPr>
+          <p:cNvSpPr>
+            <a:spLocks noGrp="1"/>
+          </p:cNvSpPr>
+          <p:nvPr>
+            <p:ph idx="1"/>
+          </p:nvPr>
+        </p:nvSpPr>
+        <p:spPr/>
+        <p:txBody>
+          <a:bodyPr>
+            <a:normAutofit/>
+          </a:bodyPr>
+          <a:lstStyle/>
+          <a:p>
+            <a:r>
+              <a:rPr lang="en-GB" dirty="0"/>
+              <a:t>There are two ways in which figures and plots can be output to a file (rather than simply displaying on screen).</a:t>
+            </a:r>
+          </a:p>
+          <a:p>
+            <a:pPr marL="0" indent="0">
+              <a:buNone/>
+            </a:pPr>
+            <a:r>
+              <a:rPr lang="en-GB" dirty="0"/>
+              <a:t>1. (easiest) is to export directly from the RStudio ‘Plots’ panel, by clicking on Export when the image is plotted. This will give you the option of </a:t>
+            </a:r>
+            <a:r>
+              <a:rPr lang="en-GB" dirty="0" err="1"/>
+              <a:t>png</a:t>
+            </a:r>
+            <a:r>
+              <a:rPr lang="en-GB" dirty="0"/>
+              <a:t> or pdf and selecting the directory to which you wish to save it to. It will also give you options to dictate the size and resolution of the output image.</a:t>
+            </a:r>
+          </a:p>
+        </p:txBody>
+      </p:sp>
+    </p:spTree>
+    <p:extLst>
+      <p:ext uri="{BB962C8B-B14F-4D97-AF65-F5344CB8AC3E}">
+        <p14:creationId xmlns:p14="http://schemas.microsoft.com/office/powerpoint/2010/main" val="1328726575"/>
+      </p:ext>
+    </p:extLst>
+  </p:cSld>
+  <p:clrMapOvr>
+    <a:masterClrMapping/>
+  </p:clrMapOvr>
+</p:sld>
+</file>
+
+<file path=ppt/slides/slide11.xml><?xml version="1.0" encoding="utf-8"?>
+<p:sld xmlns:a="http://schemas.openxmlformats.org/drawingml/2006/main" xmlns:r="http://schemas.openxmlformats.org/officeDocument/2006/relationships" xmlns:p="http://schemas.openxmlformats.org/presentationml/2006/main">
+  <p:cSld>
+    <p:spTree>
+      <p:nvGrpSpPr>
+        <p:cNvPr id="1" name=""/>
+        <p:cNvGrpSpPr/>
+        <p:nvPr/>
+      </p:nvGrpSpPr>
+      <p:grpSpPr>
+        <a:xfrm>
+          <a:off x="0" y="0"/>
+          <a:ext cx="0" cy="0"/>
+          <a:chOff x="0" y="0"/>
+          <a:chExt cx="0" cy="0"/>
+        </a:xfrm>
+      </p:grpSpPr>
+      <p:sp>
+        <p:nvSpPr>
+          <p:cNvPr id="2" name="Title 1">
+            <a:extLst>
+              <a:ext uri="{FF2B5EF4-FFF2-40B4-BE49-F238E27FC236}">
+                <a16:creationId xmlns:a16="http://schemas.microsoft.com/office/drawing/2014/main" id="{FCB4F7C4-0479-4129-960B-467EC7C60762}"/>
+              </a:ext>
+            </a:extLst>
+          </p:cNvPr>
+          <p:cNvSpPr>
+            <a:spLocks noGrp="1"/>
+          </p:cNvSpPr>
+          <p:nvPr>
+            <p:ph type="title"/>
+          </p:nvPr>
+        </p:nvSpPr>
+        <p:spPr/>
+        <p:txBody>
+          <a:bodyPr/>
+          <a:lstStyle/>
+          <a:p>
+            <a:endParaRPr lang="en-GB"/>
+          </a:p>
+        </p:txBody>
+      </p:sp>
+      <p:sp>
+        <p:nvSpPr>
+          <p:cNvPr id="3" name="Content Placeholder 2">
+            <a:extLst>
+              <a:ext uri="{FF2B5EF4-FFF2-40B4-BE49-F238E27FC236}">
+                <a16:creationId xmlns:a16="http://schemas.microsoft.com/office/drawing/2014/main" id="{921A5035-9B53-4F06-94D9-10814B285CDD}"/>
+              </a:ext>
+            </a:extLst>
+          </p:cNvPr>
+          <p:cNvSpPr>
+            <a:spLocks noGrp="1"/>
+          </p:cNvSpPr>
+          <p:nvPr>
+            <p:ph idx="1"/>
+          </p:nvPr>
+        </p:nvSpPr>
+        <p:spPr/>
+        <p:txBody>
+          <a:bodyPr/>
+          <a:lstStyle/>
+          <a:p>
+            <a:pPr marL="0" indent="0">
+              <a:buNone/>
+            </a:pPr>
+            <a:r>
+              <a:rPr lang="en-GB" dirty="0"/>
+              <a:t>2. Use R functions and have the write to file hard-coded in to your script.</a:t>
+            </a:r>
+          </a:p>
+          <a:p>
+            <a:pPr marL="0" indent="0">
+              <a:buNone/>
+            </a:pPr>
+            <a:r>
+              <a:rPr lang="en-GB" dirty="0"/>
+              <a:t>This would allow you to run the script from start to finish and automate the process (not requiring human point-and-click actions to save). In R’s terminology, output is directed to a particular output device and that dictates the output format that will be produced. A device must be created or “opened” in order to receive graphical output and, for devices that create a file on disk, the device must also be closed in order to complete the output.</a:t>
+            </a:r>
+          </a:p>
+          <a:p>
+            <a:endParaRPr lang="en-GB" dirty="0"/>
+          </a:p>
+        </p:txBody>
+      </p:sp>
+    </p:spTree>
+    <p:extLst>
+      <p:ext uri="{BB962C8B-B14F-4D97-AF65-F5344CB8AC3E}">
+        <p14:creationId xmlns:p14="http://schemas.microsoft.com/office/powerpoint/2010/main" val="1294231726"/>
+      </p:ext>
+    </p:extLst>
+  </p:cSld>
+  <p:clrMapOvr>
+    <a:masterClrMapping/>
+  </p:clrMapOvr>
+</p:sld>
+</file>
+
+<file path=ppt/slides/slide12.xml><?xml version="1.0" encoding="utf-8"?>
+<p:sld xmlns:a="http://schemas.openxmlformats.org/drawingml/2006/main" xmlns:r="http://schemas.openxmlformats.org/officeDocument/2006/relationships" xmlns:p="http://schemas.openxmlformats.org/presentationml/2006/main">
+  <p:cSld>
+    <p:spTree>
+      <p:nvGrpSpPr>
+        <p:cNvPr id="1" name=""/>
+        <p:cNvGrpSpPr/>
+        <p:nvPr/>
+      </p:nvGrpSpPr>
+      <p:grpSpPr>
+        <a:xfrm>
+          <a:off x="0" y="0"/>
+          <a:ext cx="0" cy="0"/>
+          <a:chOff x="0" y="0"/>
+          <a:chExt cx="0" cy="0"/>
+        </a:xfrm>
+      </p:grpSpPr>
+      <p:sp>
+        <p:nvSpPr>
+          <p:cNvPr id="2" name="Title 1">
+            <a:extLst>
+              <a:ext uri="{FF2B5EF4-FFF2-40B4-BE49-F238E27FC236}">
+                <a16:creationId xmlns:a16="http://schemas.microsoft.com/office/drawing/2014/main" id="{70B23060-83CA-4475-B412-EBB202948BAC}"/>
+              </a:ext>
+            </a:extLst>
+          </p:cNvPr>
+          <p:cNvSpPr>
+            <a:spLocks noGrp="1"/>
+          </p:cNvSpPr>
+          <p:nvPr>
+            <p:ph type="title"/>
+          </p:nvPr>
+        </p:nvSpPr>
+        <p:spPr/>
+        <p:txBody>
+          <a:bodyPr/>
+          <a:lstStyle/>
+          <a:p>
+            <a:endParaRPr lang="en-GB" dirty="0"/>
+          </a:p>
+        </p:txBody>
+      </p:sp>
+      <p:sp>
+        <p:nvSpPr>
+          <p:cNvPr id="3" name="Content Placeholder 2">
+            <a:extLst>
+              <a:ext uri="{FF2B5EF4-FFF2-40B4-BE49-F238E27FC236}">
+                <a16:creationId xmlns:a16="http://schemas.microsoft.com/office/drawing/2014/main" id="{8176B841-6050-413C-BDEE-EC894C74CF84}"/>
+              </a:ext>
+            </a:extLst>
+          </p:cNvPr>
+          <p:cNvSpPr>
+            <a:spLocks noGrp="1"/>
+          </p:cNvSpPr>
+          <p:nvPr>
+            <p:ph idx="1"/>
+          </p:nvPr>
+        </p:nvSpPr>
+        <p:spPr/>
+        <p:txBody>
+          <a:bodyPr/>
+          <a:lstStyle/>
+          <a:p>
+            <a:r>
+              <a:rPr lang="en-GB" dirty="0"/>
+              <a:t>1. initialize a plot using a function which specifies the graphical format you intend on creating i.e.pdf(), </a:t>
+            </a:r>
+            <a:r>
+              <a:rPr lang="en-GB" dirty="0" err="1"/>
+              <a:t>png</a:t>
+            </a:r>
+            <a:r>
+              <a:rPr lang="en-GB" dirty="0"/>
+              <a:t>(), tiff() etc. Within the function you will need to specify a name for your image, and the with and height (optional). This will open up the device that you wish to write to:</a:t>
+            </a:r>
+          </a:p>
+        </p:txBody>
+      </p:sp>
+      <p:pic>
+        <p:nvPicPr>
+          <p:cNvPr id="4" name="Picture 3">
+            <a:extLst>
+              <a:ext uri="{FF2B5EF4-FFF2-40B4-BE49-F238E27FC236}">
+                <a16:creationId xmlns:a16="http://schemas.microsoft.com/office/drawing/2014/main" id="{B1FFCB7A-ED4C-45B9-B515-62CF9142C075}"/>
+              </a:ext>
+            </a:extLst>
+          </p:cNvPr>
+          <p:cNvPicPr>
+            <a:picLocks noChangeAspect="1"/>
+          </p:cNvPicPr>
+          <p:nvPr/>
+        </p:nvPicPr>
+        <p:blipFill>
+          <a:blip r:embed="rId2"/>
+          <a:stretch>
+            <a:fillRect/>
+          </a:stretch>
+        </p:blipFill>
+        <p:spPr>
+          <a:xfrm>
+            <a:off x="3314688" y="4105102"/>
+            <a:ext cx="5562623" cy="1215044"/>
+          </a:xfrm>
+          <a:prstGeom prst="rect">
+            <a:avLst/>
+          </a:prstGeom>
+        </p:spPr>
+      </p:pic>
+    </p:spTree>
+    <p:extLst>
+      <p:ext uri="{BB962C8B-B14F-4D97-AF65-F5344CB8AC3E}">
+        <p14:creationId xmlns:p14="http://schemas.microsoft.com/office/powerpoint/2010/main" val="2883748674"/>
+      </p:ext>
+    </p:extLst>
+  </p:cSld>
+  <p:clrMapOvr>
+    <a:masterClrMapping/>
+  </p:clrMapOvr>
+</p:sld>
+</file>
+
+<file path=ppt/slides/slide13.xml><?xml version="1.0" encoding="utf-8"?>
+<p:sld xmlns:a="http://schemas.openxmlformats.org/drawingml/2006/main" xmlns:r="http://schemas.openxmlformats.org/officeDocument/2006/relationships" xmlns:p="http://schemas.openxmlformats.org/presentationml/2006/main">
+  <p:cSld>
+    <p:spTree>
+      <p:nvGrpSpPr>
+        <p:cNvPr id="1" name=""/>
+        <p:cNvGrpSpPr/>
+        <p:nvPr/>
+      </p:nvGrpSpPr>
+      <p:grpSpPr>
+        <a:xfrm>
+          <a:off x="0" y="0"/>
+          <a:ext cx="0" cy="0"/>
+          <a:chOff x="0" y="0"/>
+          <a:chExt cx="0" cy="0"/>
+        </a:xfrm>
+      </p:grpSpPr>
+      <p:sp>
+        <p:nvSpPr>
+          <p:cNvPr id="2" name="Title 1">
+            <a:extLst>
+              <a:ext uri="{FF2B5EF4-FFF2-40B4-BE49-F238E27FC236}">
+                <a16:creationId xmlns:a16="http://schemas.microsoft.com/office/drawing/2014/main" id="{6C703A84-CD54-4396-8E82-33181C2D1FC9}"/>
+              </a:ext>
+            </a:extLst>
+          </p:cNvPr>
+          <p:cNvSpPr>
+            <a:spLocks noGrp="1"/>
+          </p:cNvSpPr>
+          <p:nvPr>
+            <p:ph type="title"/>
+          </p:nvPr>
+        </p:nvSpPr>
+        <p:spPr/>
+        <p:txBody>
+          <a:bodyPr/>
+          <a:lstStyle/>
+          <a:p>
+            <a:endParaRPr lang="en-GB"/>
+          </a:p>
+        </p:txBody>
+      </p:sp>
+      <p:sp>
+        <p:nvSpPr>
+          <p:cNvPr id="3" name="Content Placeholder 2">
+            <a:extLst>
+              <a:ext uri="{FF2B5EF4-FFF2-40B4-BE49-F238E27FC236}">
+                <a16:creationId xmlns:a16="http://schemas.microsoft.com/office/drawing/2014/main" id="{B6E2F96B-FCB9-4E84-B09F-F3FC8A4DA0AA}"/>
+              </a:ext>
+            </a:extLst>
+          </p:cNvPr>
+          <p:cNvSpPr>
+            <a:spLocks noGrp="1"/>
+          </p:cNvSpPr>
+          <p:nvPr>
+            <p:ph idx="1"/>
+          </p:nvPr>
+        </p:nvSpPr>
+        <p:spPr/>
+        <p:txBody>
+          <a:bodyPr/>
+          <a:lstStyle/>
+          <a:p>
+            <a:r>
+              <a:rPr lang="en-GB" dirty="0"/>
+              <a:t>If you wish to modify the size and resolution of the image you will need to add in the appropriate parameters as arguments to the function when you initialize. Then we plot the image to the device, using the </a:t>
+            </a:r>
+            <a:r>
+              <a:rPr lang="en-GB" dirty="0" err="1"/>
+              <a:t>ggplot</a:t>
+            </a:r>
+            <a:r>
+              <a:rPr lang="en-GB" dirty="0"/>
+              <a:t> scatterplot that we just created.</a:t>
+            </a:r>
+          </a:p>
+          <a:p>
+            <a:endParaRPr lang="en-GB" dirty="0"/>
+          </a:p>
+          <a:p>
+            <a:r>
+              <a:rPr lang="en-GB" dirty="0" err="1"/>
+              <a:t>Eg</a:t>
+            </a:r>
+            <a:r>
+              <a:rPr lang="en-GB" dirty="0"/>
+              <a:t> plot(</a:t>
+            </a:r>
+            <a:r>
+              <a:rPr lang="en-GB" dirty="0" err="1"/>
+              <a:t>x,y</a:t>
+            </a:r>
+            <a:r>
+              <a:rPr lang="en-GB" dirty="0"/>
+              <a:t>)</a:t>
+            </a:r>
+          </a:p>
+        </p:txBody>
+      </p:sp>
+    </p:spTree>
+    <p:extLst>
+      <p:ext uri="{BB962C8B-B14F-4D97-AF65-F5344CB8AC3E}">
+        <p14:creationId xmlns:p14="http://schemas.microsoft.com/office/powerpoint/2010/main" val="294624296"/>
+      </p:ext>
+    </p:extLst>
+  </p:cSld>
+  <p:clrMapOvr>
+    <a:masterClrMapping/>
+  </p:clrMapOvr>
+</p:sld>
+</file>
+
+<file path=ppt/slides/slide14.xml><?xml version="1.0" encoding="utf-8"?>
+<p:sld xmlns:a="http://schemas.openxmlformats.org/drawingml/2006/main" xmlns:r="http://schemas.openxmlformats.org/officeDocument/2006/relationships" xmlns:p="http://schemas.openxmlformats.org/presentationml/2006/main">
+  <p:cSld>
+    <p:spTree>
+      <p:nvGrpSpPr>
+        <p:cNvPr id="1" name=""/>
+        <p:cNvGrpSpPr/>
+        <p:nvPr/>
+      </p:nvGrpSpPr>
+      <p:grpSpPr>
+        <a:xfrm>
+          <a:off x="0" y="0"/>
+          <a:ext cx="0" cy="0"/>
+          <a:chOff x="0" y="0"/>
+          <a:chExt cx="0" cy="0"/>
+        </a:xfrm>
+      </p:grpSpPr>
+      <p:sp>
+        <p:nvSpPr>
+          <p:cNvPr id="2" name="Title 1">
+            <a:extLst>
+              <a:ext uri="{FF2B5EF4-FFF2-40B4-BE49-F238E27FC236}">
+                <a16:creationId xmlns:a16="http://schemas.microsoft.com/office/drawing/2014/main" id="{771077A6-D14F-4C75-97EC-ED408F3D16E2}"/>
+              </a:ext>
+            </a:extLst>
+          </p:cNvPr>
+          <p:cNvSpPr>
+            <a:spLocks noGrp="1"/>
+          </p:cNvSpPr>
+          <p:nvPr>
+            <p:ph type="title"/>
+          </p:nvPr>
+        </p:nvSpPr>
+        <p:spPr/>
+        <p:txBody>
+          <a:bodyPr/>
+          <a:lstStyle/>
+          <a:p>
+            <a:endParaRPr lang="en-GB"/>
+          </a:p>
+        </p:txBody>
+      </p:sp>
+      <p:sp>
+        <p:nvSpPr>
+          <p:cNvPr id="3" name="Content Placeholder 2">
+            <a:extLst>
+              <a:ext uri="{FF2B5EF4-FFF2-40B4-BE49-F238E27FC236}">
+                <a16:creationId xmlns:a16="http://schemas.microsoft.com/office/drawing/2014/main" id="{4CBD5801-D073-4ECF-8516-7D8FE0696E7D}"/>
+              </a:ext>
+            </a:extLst>
+          </p:cNvPr>
+          <p:cNvSpPr>
+            <a:spLocks noGrp="1"/>
+          </p:cNvSpPr>
+          <p:nvPr>
+            <p:ph idx="1"/>
+          </p:nvPr>
+        </p:nvSpPr>
+        <p:spPr/>
+        <p:txBody>
+          <a:bodyPr/>
+          <a:lstStyle/>
+          <a:p>
+            <a:r>
+              <a:rPr lang="en-GB" dirty="0"/>
+              <a:t>Finally, close the “device”, or file, using the </a:t>
+            </a:r>
+            <a:r>
+              <a:rPr lang="en-GB" dirty="0" err="1"/>
+              <a:t>dev.off</a:t>
+            </a:r>
+            <a:r>
+              <a:rPr lang="en-GB" dirty="0"/>
+              <a:t>() function. There are also bmp, tiff, and jpeg functions, though the jpeg function has proven less stable than the others.</a:t>
+            </a:r>
+          </a:p>
+        </p:txBody>
+      </p:sp>
+      <p:pic>
+        <p:nvPicPr>
+          <p:cNvPr id="7" name="Picture 6">
+            <a:extLst>
+              <a:ext uri="{FF2B5EF4-FFF2-40B4-BE49-F238E27FC236}">
+                <a16:creationId xmlns:a16="http://schemas.microsoft.com/office/drawing/2014/main" id="{DBB6A87D-6C14-4530-9BC4-BEC117D01A12}"/>
+              </a:ext>
+            </a:extLst>
+          </p:cNvPr>
+          <p:cNvPicPr>
+            <a:picLocks noChangeAspect="1"/>
+          </p:cNvPicPr>
+          <p:nvPr/>
+        </p:nvPicPr>
+        <p:blipFill>
+          <a:blip r:embed="rId2"/>
+          <a:stretch>
+            <a:fillRect/>
+          </a:stretch>
+        </p:blipFill>
+        <p:spPr>
+          <a:xfrm>
+            <a:off x="4659977" y="3748953"/>
+            <a:ext cx="2194750" cy="1005927"/>
+          </a:xfrm>
+          <a:prstGeom prst="rect">
+            <a:avLst/>
+          </a:prstGeom>
+        </p:spPr>
+      </p:pic>
+    </p:spTree>
+    <p:extLst>
+      <p:ext uri="{BB962C8B-B14F-4D97-AF65-F5344CB8AC3E}">
+        <p14:creationId xmlns:p14="http://schemas.microsoft.com/office/powerpoint/2010/main" val="2182802393"/>
+      </p:ext>
+    </p:extLst>
+  </p:cSld>
+  <p:clrMapOvr>
+    <a:masterClrMapping/>
+  </p:clrMapOvr>
+</p:sld>
+</file>
+
+<file path=ppt/slides/slide2.xml><?xml version="1.0" encoding="utf-8"?>
+<p:sld xmlns:a="http://schemas.openxmlformats.org/drawingml/2006/main" xmlns:r="http://schemas.openxmlformats.org/officeDocument/2006/relationships" xmlns:p="http://schemas.openxmlformats.org/presentationml/2006/main">
+  <p:cSld>
+    <p:spTree>
+      <p:nvGrpSpPr>
+        <p:cNvPr id="1" name=""/>
+        <p:cNvGrpSpPr/>
+        <p:nvPr/>
+      </p:nvGrpSpPr>
+      <p:grpSpPr>
+        <a:xfrm>
+          <a:off x="0" y="0"/>
+          <a:ext cx="0" cy="0"/>
+          <a:chOff x="0" y="0"/>
+          <a:chExt cx="0" cy="0"/>
+        </a:xfrm>
+      </p:grpSpPr>
+      <p:sp>
+        <p:nvSpPr>
+          <p:cNvPr id="2" name="Title 1">
+            <a:extLst>
+              <a:ext uri="{FF2B5EF4-FFF2-40B4-BE49-F238E27FC236}">
+                <a16:creationId xmlns:a16="http://schemas.microsoft.com/office/drawing/2014/main" id="{2CC447E9-DA9C-41CC-BBCC-06D53CFF5FF2}"/>
+              </a:ext>
+            </a:extLst>
+          </p:cNvPr>
+          <p:cNvSpPr>
+            <a:spLocks noGrp="1"/>
+          </p:cNvSpPr>
+          <p:nvPr>
+            <p:ph type="title"/>
+          </p:nvPr>
+        </p:nvSpPr>
+        <p:spPr/>
+        <p:txBody>
+          <a:bodyPr/>
+          <a:lstStyle/>
+          <a:p>
+            <a:r>
+              <a:rPr lang="en-GB" dirty="0"/>
+              <a:t>Where we will get to…</a:t>
+            </a:r>
+          </a:p>
+        </p:txBody>
+      </p:sp>
+      <p:sp>
+        <p:nvSpPr>
+          <p:cNvPr id="3" name="Content Placeholder 2">
+            <a:extLst>
+              <a:ext uri="{FF2B5EF4-FFF2-40B4-BE49-F238E27FC236}">
+                <a16:creationId xmlns:a16="http://schemas.microsoft.com/office/drawing/2014/main" id="{D1A97173-20B5-4D63-BBDD-B046D5437ACD}"/>
+              </a:ext>
+            </a:extLst>
+          </p:cNvPr>
+          <p:cNvSpPr>
+            <a:spLocks noGrp="1"/>
+          </p:cNvSpPr>
+          <p:nvPr>
+            <p:ph idx="1"/>
+          </p:nvPr>
+        </p:nvSpPr>
+        <p:spPr/>
+        <p:txBody>
+          <a:bodyPr/>
+          <a:lstStyle/>
+          <a:p>
+            <a:endParaRPr lang="en-GB"/>
+          </a:p>
+        </p:txBody>
+      </p:sp>
+    </p:spTree>
+    <p:extLst>
+      <p:ext uri="{BB962C8B-B14F-4D97-AF65-F5344CB8AC3E}">
+        <p14:creationId xmlns:p14="http://schemas.microsoft.com/office/powerpoint/2010/main" val="3011373288"/>
+      </p:ext>
+    </p:extLst>
+  </p:cSld>
+  <p:clrMapOvr>
+    <a:masterClrMapping/>
+  </p:clrMapOvr>
+</p:sld>
+</file>
+
+<file path=ppt/slides/slide3.xml><?xml version="1.0" encoding="utf-8"?>
+<p:sld xmlns:a="http://schemas.openxmlformats.org/drawingml/2006/main" xmlns:r="http://schemas.openxmlformats.org/officeDocument/2006/relationships" xmlns:p="http://schemas.openxmlformats.org/presentationml/2006/main">
+  <p:cSld>
+    <p:spTree>
+      <p:nvGrpSpPr>
+        <p:cNvPr id="1" name=""/>
+        <p:cNvGrpSpPr/>
+        <p:nvPr/>
+      </p:nvGrpSpPr>
+      <p:grpSpPr>
+        <a:xfrm>
+          <a:off x="0" y="0"/>
+          <a:ext cx="0" cy="0"/>
+          <a:chOff x="0" y="0"/>
+          <a:chExt cx="0" cy="0"/>
+        </a:xfrm>
+      </p:grpSpPr>
+      <p:graphicFrame>
+        <p:nvGraphicFramePr>
+          <p:cNvPr id="3" name="Object 2"/>
+          <p:cNvGraphicFramePr>
+            <a:graphicFrameLocks noChangeAspect="1"/>
+          </p:cNvGraphicFramePr>
+          <p:nvPr/>
+        </p:nvGraphicFramePr>
+        <p:xfrm>
+          <a:off x="1819276" y="433537"/>
+          <a:ext cx="8715374" cy="5491162"/>
+        </p:xfrm>
+        <a:graphic>
+          <a:graphicData uri="http://schemas.openxmlformats.org/drawingml/2006/chart">
+            <c:chart xmlns:c="http://schemas.openxmlformats.org/drawingml/2006/chart" xmlns:r="http://schemas.openxmlformats.org/officeDocument/2006/relationships" r:id="rId3"/>
+          </a:graphicData>
+        </a:graphic>
+      </p:graphicFrame>
+      <p:sp>
+        <p:nvSpPr>
+          <p:cNvPr id="5123" name="Text Box 3"/>
+          <p:cNvSpPr txBox="1">
+            <a:spLocks noChangeArrowheads="1"/>
+          </p:cNvSpPr>
+          <p:nvPr/>
+        </p:nvSpPr>
+        <p:spPr bwMode="auto">
+          <a:xfrm>
+            <a:off x="1851235" y="241897"/>
+            <a:ext cx="8427521" cy="312737"/>
+          </a:xfrm>
+          <a:prstGeom prst="rect">
+            <a:avLst/>
+          </a:prstGeom>
+          <a:noFill/>
+          <a:ln w="9525">
+            <a:noFill/>
+            <a:miter lim="800000"/>
+            <a:headEnd/>
+            <a:tailEnd/>
+          </a:ln>
+        </p:spPr>
+        <p:txBody>
+          <a:bodyPr wrap="square">
+            <a:spAutoFit/>
+          </a:bodyPr>
+          <a:lstStyle/>
+          <a:p>
+            <a:pPr algn="ctr">
+              <a:lnSpc>
+                <a:spcPct val="70000"/>
+              </a:lnSpc>
+              <a:spcBef>
+                <a:spcPct val="45000"/>
+              </a:spcBef>
+            </a:pPr>
+            <a:r>
+              <a:rPr lang="en-US" sz="2000" b="1" dirty="0">
+                <a:solidFill>
+                  <a:srgbClr val="008000"/>
+                </a:solidFill>
+                <a:latin typeface="Arial" charset="0"/>
+              </a:rPr>
+              <a:t>Graph 1:Distribution of AFP Cases by Month, Pakistan 2015-2019*</a:t>
+            </a:r>
+          </a:p>
+        </p:txBody>
+      </p:sp>
+      <p:sp>
+        <p:nvSpPr>
+          <p:cNvPr id="5124" name="Text Box 4"/>
+          <p:cNvSpPr txBox="1">
+            <a:spLocks noChangeArrowheads="1"/>
+          </p:cNvSpPr>
+          <p:nvPr/>
+        </p:nvSpPr>
+        <p:spPr bwMode="auto">
+          <a:xfrm rot="16200000">
+            <a:off x="691357" y="3388310"/>
+            <a:ext cx="1981200" cy="338554"/>
+          </a:xfrm>
+          <a:prstGeom prst="rect">
+            <a:avLst/>
+          </a:prstGeom>
+          <a:noFill/>
+          <a:ln w="9525">
+            <a:noFill/>
+            <a:miter lim="800000"/>
+            <a:headEnd/>
+            <a:tailEnd/>
+          </a:ln>
+        </p:spPr>
+        <p:txBody>
+          <a:bodyPr>
+            <a:spAutoFit/>
+          </a:bodyPr>
+          <a:lstStyle/>
+          <a:p>
+            <a:pPr>
+              <a:spcBef>
+                <a:spcPct val="50000"/>
+              </a:spcBef>
+            </a:pPr>
+            <a:r>
+              <a:rPr lang="en-US" sz="1600" b="1" dirty="0">
+                <a:latin typeface="Arial" charset="0"/>
+              </a:rPr>
+              <a:t>           </a:t>
+            </a:r>
+            <a:r>
+              <a:rPr lang="en-US" sz="1400" b="1" dirty="0">
+                <a:latin typeface="Arial" charset="0"/>
+              </a:rPr>
+              <a:t>Cases (n)</a:t>
+            </a:r>
+          </a:p>
+        </p:txBody>
+      </p:sp>
+      <p:sp>
+        <p:nvSpPr>
+          <p:cNvPr id="5131" name="Line 10"/>
+          <p:cNvSpPr>
+            <a:spLocks noChangeShapeType="1"/>
+          </p:cNvSpPr>
+          <p:nvPr/>
+        </p:nvSpPr>
+        <p:spPr bwMode="auto">
+          <a:xfrm flipV="1">
+            <a:off x="4051169" y="697819"/>
+            <a:ext cx="0" cy="4690608"/>
+          </a:xfrm>
+          <a:prstGeom prst="line">
+            <a:avLst/>
+          </a:prstGeom>
+          <a:noFill/>
+          <a:ln w="38100">
+            <a:solidFill>
+              <a:schemeClr val="tx1"/>
+            </a:solidFill>
+            <a:miter lim="800000"/>
+            <a:headEnd/>
+            <a:tailEnd/>
+          </a:ln>
+        </p:spPr>
+        <p:txBody>
+          <a:bodyPr wrap="none"/>
+          <a:lstStyle/>
+          <a:p>
+            <a:endParaRPr lang="en-US"/>
+          </a:p>
+        </p:txBody>
+      </p:sp>
+      <p:sp>
+        <p:nvSpPr>
+          <p:cNvPr id="15" name="Text Box 6"/>
+          <p:cNvSpPr txBox="1">
+            <a:spLocks noChangeArrowheads="1"/>
+          </p:cNvSpPr>
+          <p:nvPr/>
+        </p:nvSpPr>
+        <p:spPr bwMode="auto">
+          <a:xfrm>
+            <a:off x="1664653" y="6559101"/>
+            <a:ext cx="2010487" cy="246221"/>
+          </a:xfrm>
+          <a:prstGeom prst="rect">
+            <a:avLst/>
+          </a:prstGeom>
+          <a:noFill/>
+          <a:ln w="9525">
+            <a:noFill/>
+            <a:miter lim="800000"/>
+            <a:headEnd/>
+            <a:tailEnd/>
+          </a:ln>
+        </p:spPr>
+        <p:txBody>
+          <a:bodyPr wrap="none">
+            <a:spAutoFit/>
+          </a:bodyPr>
+          <a:lstStyle/>
+          <a:p>
+            <a:pPr eaLnBrk="0" hangingPunct="0"/>
+            <a:r>
+              <a:rPr lang="en-US" sz="1000" dirty="0">
+                <a:latin typeface="Arial" charset="0"/>
+              </a:rPr>
+              <a:t>* </a:t>
+            </a:r>
+            <a:r>
+              <a:rPr lang="en-US" sz="1000" dirty="0" err="1">
+                <a:latin typeface="Arial" charset="0"/>
+              </a:rPr>
+              <a:t>Afp.rec</a:t>
+            </a:r>
+            <a:r>
+              <a:rPr lang="en-US" sz="1000" dirty="0">
+                <a:latin typeface="Arial" charset="0"/>
+              </a:rPr>
+              <a:t> Data as of  15-07-2019</a:t>
+            </a:r>
+          </a:p>
+        </p:txBody>
+      </p:sp>
+      <p:sp>
+        <p:nvSpPr>
+          <p:cNvPr id="22" name="TextBox 21"/>
+          <p:cNvSpPr txBox="1"/>
+          <p:nvPr/>
+        </p:nvSpPr>
+        <p:spPr>
+          <a:xfrm>
+            <a:off x="2948312" y="5853123"/>
+            <a:ext cx="550151" cy="307777"/>
+          </a:xfrm>
+          <a:prstGeom prst="rect">
+            <a:avLst/>
+          </a:prstGeom>
+          <a:solidFill>
+            <a:srgbClr val="336600"/>
+          </a:solidFill>
+        </p:spPr>
+        <p:txBody>
+          <a:bodyPr wrap="none" rtlCol="0">
+            <a:spAutoFit/>
+          </a:bodyPr>
+          <a:lstStyle/>
+          <a:p>
+            <a:r>
+              <a:rPr lang="en-US" sz="1400" b="1" dirty="0">
+                <a:solidFill>
+                  <a:schemeClr val="bg1"/>
+                </a:solidFill>
+              </a:rPr>
+              <a:t>2015</a:t>
+            </a:r>
+          </a:p>
+        </p:txBody>
+      </p:sp>
+      <p:sp>
+        <p:nvSpPr>
+          <p:cNvPr id="14" name="Line 17"/>
+          <p:cNvSpPr>
+            <a:spLocks noChangeShapeType="1"/>
+          </p:cNvSpPr>
+          <p:nvPr/>
+        </p:nvSpPr>
+        <p:spPr bwMode="auto">
+          <a:xfrm flipV="1">
+            <a:off x="5862576" y="723139"/>
+            <a:ext cx="0" cy="4665289"/>
+          </a:xfrm>
+          <a:prstGeom prst="line">
+            <a:avLst/>
+          </a:prstGeom>
+          <a:noFill/>
+          <a:ln w="38100">
+            <a:solidFill>
+              <a:schemeClr val="tx1"/>
+            </a:solidFill>
+            <a:miter lim="800000"/>
+            <a:headEnd/>
+            <a:tailEnd/>
+          </a:ln>
+        </p:spPr>
+        <p:txBody>
+          <a:bodyPr wrap="none"/>
+          <a:lstStyle/>
+          <a:p>
+            <a:endParaRPr lang="en-US"/>
+          </a:p>
+        </p:txBody>
+      </p:sp>
+      <p:sp>
+        <p:nvSpPr>
+          <p:cNvPr id="2" name="TextBox 1"/>
+          <p:cNvSpPr txBox="1"/>
+          <p:nvPr/>
+        </p:nvSpPr>
+        <p:spPr>
+          <a:xfrm>
+            <a:off x="4767814" y="5853123"/>
+            <a:ext cx="550151" cy="307777"/>
+          </a:xfrm>
+          <a:prstGeom prst="rect">
+            <a:avLst/>
+          </a:prstGeom>
+          <a:solidFill>
+            <a:srgbClr val="336600"/>
+          </a:solidFill>
+        </p:spPr>
+        <p:txBody>
+          <a:bodyPr wrap="none" rtlCol="0">
+            <a:spAutoFit/>
+          </a:bodyPr>
+          <a:lstStyle>
+            <a:defPPr>
+              <a:defRPr lang="en-US"/>
+            </a:defPPr>
+            <a:lvl1pPr>
+              <a:defRPr sz="1400" b="1">
+                <a:solidFill>
+                  <a:schemeClr val="bg1"/>
+                </a:solidFill>
+                <a:latin typeface="+mn-lt"/>
+                <a:cs typeface="+mn-cs"/>
+              </a:defRPr>
+            </a:lvl1pPr>
+          </a:lstStyle>
+          <a:p>
+            <a:r>
+              <a:rPr lang="en-US" dirty="0"/>
+              <a:t>2016</a:t>
+            </a:r>
+          </a:p>
+        </p:txBody>
+      </p:sp>
+      <p:sp>
+        <p:nvSpPr>
+          <p:cNvPr id="13" name="Line 17"/>
+          <p:cNvSpPr>
+            <a:spLocks noChangeShapeType="1"/>
+          </p:cNvSpPr>
+          <p:nvPr/>
+        </p:nvSpPr>
+        <p:spPr bwMode="auto">
+          <a:xfrm flipV="1">
+            <a:off x="7668475" y="723998"/>
+            <a:ext cx="0" cy="4665289"/>
+          </a:xfrm>
+          <a:prstGeom prst="line">
+            <a:avLst/>
+          </a:prstGeom>
+          <a:noFill/>
+          <a:ln w="38100">
+            <a:solidFill>
+              <a:schemeClr val="tx1"/>
+            </a:solidFill>
+            <a:miter lim="800000"/>
+            <a:headEnd/>
+            <a:tailEnd/>
+          </a:ln>
+        </p:spPr>
+        <p:txBody>
+          <a:bodyPr wrap="none"/>
+          <a:lstStyle/>
+          <a:p>
+            <a:endParaRPr lang="en-US"/>
+          </a:p>
+        </p:txBody>
+      </p:sp>
+      <p:sp>
+        <p:nvSpPr>
+          <p:cNvPr id="17" name="TextBox 16"/>
+          <p:cNvSpPr txBox="1"/>
+          <p:nvPr/>
+        </p:nvSpPr>
+        <p:spPr>
+          <a:xfrm>
+            <a:off x="6547660" y="5853123"/>
+            <a:ext cx="550151" cy="307777"/>
+          </a:xfrm>
+          <a:prstGeom prst="rect">
+            <a:avLst/>
+          </a:prstGeom>
+          <a:solidFill>
+            <a:srgbClr val="336600"/>
+          </a:solidFill>
+        </p:spPr>
+        <p:txBody>
+          <a:bodyPr wrap="none" rtlCol="0">
+            <a:spAutoFit/>
+          </a:bodyPr>
+          <a:lstStyle>
+            <a:defPPr>
+              <a:defRPr lang="en-US"/>
+            </a:defPPr>
+            <a:lvl1pPr>
+              <a:defRPr sz="1400" b="1">
+                <a:solidFill>
+                  <a:schemeClr val="bg1"/>
+                </a:solidFill>
+                <a:latin typeface="+mn-lt"/>
+                <a:cs typeface="+mn-cs"/>
+              </a:defRPr>
+            </a:lvl1pPr>
+          </a:lstStyle>
+          <a:p>
+            <a:r>
+              <a:rPr lang="en-US" dirty="0"/>
+              <a:t>2017</a:t>
+            </a:r>
+          </a:p>
+        </p:txBody>
+      </p:sp>
+      <p:sp>
+        <p:nvSpPr>
+          <p:cNvPr id="18" name="Line 17"/>
+          <p:cNvSpPr>
+            <a:spLocks noChangeShapeType="1"/>
+          </p:cNvSpPr>
+          <p:nvPr/>
+        </p:nvSpPr>
+        <p:spPr bwMode="auto">
+          <a:xfrm flipV="1">
+            <a:off x="9458166" y="709133"/>
+            <a:ext cx="0" cy="4665289"/>
+          </a:xfrm>
+          <a:prstGeom prst="line">
+            <a:avLst/>
+          </a:prstGeom>
+          <a:noFill/>
+          <a:ln w="38100">
+            <a:solidFill>
+              <a:schemeClr val="tx1"/>
+            </a:solidFill>
+            <a:miter lim="800000"/>
+            <a:headEnd/>
+            <a:tailEnd/>
+          </a:ln>
+        </p:spPr>
+        <p:txBody>
+          <a:bodyPr wrap="none"/>
+          <a:lstStyle/>
+          <a:p>
+            <a:endParaRPr lang="en-US"/>
+          </a:p>
+        </p:txBody>
+      </p:sp>
+      <p:sp>
+        <p:nvSpPr>
+          <p:cNvPr id="23" name="TextBox 22"/>
+          <p:cNvSpPr txBox="1"/>
+          <p:nvPr/>
+        </p:nvSpPr>
+        <p:spPr>
+          <a:xfrm>
+            <a:off x="8365920" y="5853123"/>
+            <a:ext cx="550151" cy="307777"/>
+          </a:xfrm>
+          <a:prstGeom prst="rect">
+            <a:avLst/>
+          </a:prstGeom>
+          <a:solidFill>
+            <a:srgbClr val="336600"/>
+          </a:solidFill>
+        </p:spPr>
+        <p:txBody>
+          <a:bodyPr wrap="none" rtlCol="0">
+            <a:spAutoFit/>
+          </a:bodyPr>
+          <a:lstStyle>
+            <a:defPPr>
+              <a:defRPr lang="en-US"/>
+            </a:defPPr>
+            <a:lvl1pPr>
+              <a:defRPr sz="1400" b="1">
+                <a:solidFill>
+                  <a:schemeClr val="bg1"/>
+                </a:solidFill>
+                <a:latin typeface="+mn-lt"/>
+                <a:cs typeface="+mn-cs"/>
+              </a:defRPr>
+            </a:lvl1pPr>
+          </a:lstStyle>
+          <a:p>
+            <a:r>
+              <a:rPr lang="en-US" dirty="0"/>
+              <a:t>2018</a:t>
+            </a:r>
+          </a:p>
+        </p:txBody>
+      </p:sp>
+      <p:sp>
+        <p:nvSpPr>
+          <p:cNvPr id="25" name="TextBox 24"/>
+          <p:cNvSpPr txBox="1"/>
+          <p:nvPr/>
+        </p:nvSpPr>
+        <p:spPr>
+          <a:xfrm>
+            <a:off x="9797154" y="5850775"/>
+            <a:ext cx="550151" cy="307777"/>
+          </a:xfrm>
+          <a:prstGeom prst="rect">
+            <a:avLst/>
+          </a:prstGeom>
+          <a:solidFill>
+            <a:srgbClr val="336600"/>
+          </a:solidFill>
+        </p:spPr>
+        <p:txBody>
+          <a:bodyPr wrap="none" rtlCol="0">
+            <a:spAutoFit/>
+          </a:bodyPr>
+          <a:lstStyle>
+            <a:defPPr>
+              <a:defRPr lang="en-US"/>
+            </a:defPPr>
+            <a:lvl1pPr>
+              <a:defRPr sz="1400" b="1">
+                <a:solidFill>
+                  <a:schemeClr val="bg1"/>
+                </a:solidFill>
+                <a:latin typeface="+mn-lt"/>
+                <a:cs typeface="+mn-cs"/>
+              </a:defRPr>
+            </a:lvl1pPr>
+          </a:lstStyle>
+          <a:p>
+            <a:r>
+              <a:rPr lang="en-US" dirty="0"/>
+              <a:t>2019</a:t>
+            </a:r>
+          </a:p>
+        </p:txBody>
+      </p:sp>
+    </p:spTree>
+    <p:extLst>
+      <p:ext uri="{BB962C8B-B14F-4D97-AF65-F5344CB8AC3E}">
+        <p14:creationId xmlns:p14="http://schemas.microsoft.com/office/powerpoint/2010/main" val="3740107760"/>
+      </p:ext>
+    </p:extLst>
+  </p:cSld>
+  <p:clrMapOvr>
+    <a:masterClrMapping/>
+  </p:clrMapOvr>
+  <p:transition/>
+</p:sld>
+</file>
+
+<file path=ppt/slides/slide4.xml><?xml version="1.0" encoding="utf-8"?>
+<p:sld xmlns:a="http://schemas.openxmlformats.org/drawingml/2006/main" xmlns:r="http://schemas.openxmlformats.org/officeDocument/2006/relationships" xmlns:p="http://schemas.openxmlformats.org/presentationml/2006/main">
+  <p:cSld>
+    <p:spTree>
+      <p:nvGrpSpPr>
+        <p:cNvPr id="1" name=""/>
+        <p:cNvGrpSpPr/>
+        <p:nvPr/>
+      </p:nvGrpSpPr>
+      <p:grpSpPr>
+        <a:xfrm>
+          <a:off x="0" y="0"/>
+          <a:ext cx="0" cy="0"/>
+          <a:chOff x="0" y="0"/>
+          <a:chExt cx="0" cy="0"/>
+        </a:xfrm>
+      </p:grpSpPr>
+      <p:sp>
+        <p:nvSpPr>
+          <p:cNvPr id="2" name="Title 1">
+            <a:extLst>
+              <a:ext uri="{FF2B5EF4-FFF2-40B4-BE49-F238E27FC236}">
+                <a16:creationId xmlns:a16="http://schemas.microsoft.com/office/drawing/2014/main" id="{75ABD6D9-2D21-4C5D-A5F2-2C18C88A2B42}"/>
+              </a:ext>
+            </a:extLst>
+          </p:cNvPr>
+          <p:cNvSpPr>
+            <a:spLocks noGrp="1"/>
+          </p:cNvSpPr>
+          <p:nvPr>
+            <p:ph type="title"/>
+          </p:nvPr>
+        </p:nvSpPr>
+        <p:spPr/>
+        <p:txBody>
+          <a:bodyPr/>
+          <a:lstStyle/>
+          <a:p>
+            <a:endParaRPr lang="en-GB"/>
+          </a:p>
+        </p:txBody>
+      </p:sp>
+      <p:pic>
+        <p:nvPicPr>
+          <p:cNvPr id="5" name="Content Placeholder 4">
+            <a:extLst>
+              <a:ext uri="{FF2B5EF4-FFF2-40B4-BE49-F238E27FC236}">
+                <a16:creationId xmlns:a16="http://schemas.microsoft.com/office/drawing/2014/main" id="{1B51A3E1-CA14-44FE-AA4A-6B1D48D1DB20}"/>
+              </a:ext>
+            </a:extLst>
+          </p:cNvPr>
+          <p:cNvPicPr>
+            <a:picLocks noGrp="1" noChangeAspect="1"/>
+          </p:cNvPicPr>
+          <p:nvPr>
+            <p:ph idx="1"/>
+          </p:nvPr>
+        </p:nvPicPr>
+        <p:blipFill>
+          <a:blip r:embed="rId2">
+            <a:extLst>
+              <a:ext uri="{28A0092B-C50C-407E-A947-70E740481C1C}">
+                <a14:useLocalDpi xmlns:a14="http://schemas.microsoft.com/office/drawing/2010/main" val="0"/>
+              </a:ext>
+            </a:extLst>
+          </a:blip>
+          <a:stretch>
+            <a:fillRect/>
+          </a:stretch>
+        </p:blipFill>
+        <p:spPr>
+          <a:xfrm>
+            <a:off x="134010" y="365125"/>
+            <a:ext cx="11444823" cy="6127750"/>
+          </a:xfrm>
+        </p:spPr>
+      </p:pic>
+    </p:spTree>
+    <p:extLst>
+      <p:ext uri="{BB962C8B-B14F-4D97-AF65-F5344CB8AC3E}">
+        <p14:creationId xmlns:p14="http://schemas.microsoft.com/office/powerpoint/2010/main" val="2383251948"/>
+      </p:ext>
+    </p:extLst>
+  </p:cSld>
+  <p:clrMapOvr>
+    <a:masterClrMapping/>
+  </p:clrMapOvr>
+</p:sld>
+</file>
+
+<file path=ppt/slides/slide5.xml><?xml version="1.0" encoding="utf-8"?>
+<p:sld xmlns:a="http://schemas.openxmlformats.org/drawingml/2006/main" xmlns:r="http://schemas.openxmlformats.org/officeDocument/2006/relationships" xmlns:p="http://schemas.openxmlformats.org/presentationml/2006/main">
+  <p:cSld>
+    <p:spTree>
+      <p:nvGrpSpPr>
+        <p:cNvPr id="1" name=""/>
+        <p:cNvGrpSpPr/>
+        <p:nvPr/>
+      </p:nvGrpSpPr>
+      <p:grpSpPr>
+        <a:xfrm>
+          <a:off x="0" y="0"/>
+          <a:ext cx="0" cy="0"/>
+          <a:chOff x="0" y="0"/>
+          <a:chExt cx="0" cy="0"/>
+        </a:xfrm>
+      </p:grpSpPr>
+      <p:sp>
+        <p:nvSpPr>
+          <p:cNvPr id="2" name="Title 1">
+            <a:extLst>
+              <a:ext uri="{FF2B5EF4-FFF2-40B4-BE49-F238E27FC236}">
+                <a16:creationId xmlns:a16="http://schemas.microsoft.com/office/drawing/2014/main" id="{DE78B6E7-5506-4F62-8562-258DF222F415}"/>
+              </a:ext>
+            </a:extLst>
+          </p:cNvPr>
+          <p:cNvSpPr>
+            <a:spLocks noGrp="1"/>
+          </p:cNvSpPr>
+          <p:nvPr>
+            <p:ph type="title"/>
+          </p:nvPr>
+        </p:nvSpPr>
+        <p:spPr/>
+        <p:txBody>
+          <a:bodyPr/>
+          <a:lstStyle/>
+          <a:p>
+            <a:endParaRPr lang="en-GB"/>
+          </a:p>
+        </p:txBody>
+      </p:sp>
+      <p:pic>
+        <p:nvPicPr>
+          <p:cNvPr id="5" name="Content Placeholder 4" descr="A screenshot of a computer&#10;&#10;Description automatically generated">
+            <a:extLst>
+              <a:ext uri="{FF2B5EF4-FFF2-40B4-BE49-F238E27FC236}">
+                <a16:creationId xmlns:a16="http://schemas.microsoft.com/office/drawing/2014/main" id="{DA595B23-71CE-4720-A56E-2C3C438B6CFC}"/>
+              </a:ext>
+            </a:extLst>
+          </p:cNvPr>
+          <p:cNvPicPr>
+            <a:picLocks noGrp="1" noChangeAspect="1"/>
+          </p:cNvPicPr>
+          <p:nvPr>
+            <p:ph idx="1"/>
+          </p:nvPr>
+        </p:nvPicPr>
+        <p:blipFill>
+          <a:blip r:embed="rId2">
+            <a:extLst>
+              <a:ext uri="{28A0092B-C50C-407E-A947-70E740481C1C}">
+                <a14:useLocalDpi xmlns:a14="http://schemas.microsoft.com/office/drawing/2010/main" val="0"/>
+              </a:ext>
+            </a:extLst>
+          </a:blip>
+          <a:stretch>
+            <a:fillRect/>
+          </a:stretch>
+        </p:blipFill>
+        <p:spPr>
+          <a:xfrm>
+            <a:off x="529464" y="365125"/>
+            <a:ext cx="11133071" cy="5960832"/>
+          </a:xfrm>
+        </p:spPr>
+      </p:pic>
+    </p:spTree>
+    <p:extLst>
+      <p:ext uri="{BB962C8B-B14F-4D97-AF65-F5344CB8AC3E}">
+        <p14:creationId xmlns:p14="http://schemas.microsoft.com/office/powerpoint/2010/main" val="570566165"/>
+      </p:ext>
+    </p:extLst>
+  </p:cSld>
+  <p:clrMapOvr>
+    <a:masterClrMapping/>
+  </p:clrMapOvr>
+</p:sld>
+</file>
+
+<file path=ppt/slides/slide6.xml><?xml version="1.0" encoding="utf-8"?>
+<p:sld xmlns:a="http://schemas.openxmlformats.org/drawingml/2006/main" xmlns:r="http://schemas.openxmlformats.org/officeDocument/2006/relationships" xmlns:p="http://schemas.openxmlformats.org/presentationml/2006/main">
+  <p:cSld>
+    <p:spTree>
+      <p:nvGrpSpPr>
+        <p:cNvPr id="1" name=""/>
+        <p:cNvGrpSpPr/>
+        <p:nvPr/>
+      </p:nvGrpSpPr>
+      <p:grpSpPr>
+        <a:xfrm>
+          <a:off x="0" y="0"/>
+          <a:ext cx="0" cy="0"/>
+          <a:chOff x="0" y="0"/>
+          <a:chExt cx="0" cy="0"/>
+        </a:xfrm>
+      </p:grpSpPr>
+      <p:sp>
+        <p:nvSpPr>
+          <p:cNvPr id="6" name="Title 3"/>
+          <p:cNvSpPr>
+            <a:spLocks noGrp="1"/>
+          </p:cNvSpPr>
+          <p:nvPr/>
+        </p:nvSpPr>
+        <p:spPr>
+          <a:xfrm>
+            <a:off x="1756229" y="50962"/>
+            <a:ext cx="8723085" cy="660197"/>
+          </a:xfrm>
+          <a:prstGeom prst="rect">
+            <a:avLst/>
+          </a:prstGeom>
+        </p:spPr>
+        <p:txBody>
+          <a:bodyPr vert="horz" lIns="91440" tIns="45720" rIns="91440" bIns="45720" rtlCol="0" anchor="ctr">
+            <a:noAutofit/>
+          </a:bodyPr>
+          <a:lstStyle>
+            <a:lvl1pPr algn="r" defTabSz="914354" rtl="0" eaLnBrk="1" latinLnBrk="0" hangingPunct="1">
+              <a:spcBef>
+                <a:spcPct val="0"/>
+              </a:spcBef>
+              <a:buNone/>
+              <a:defRPr lang="en-US" sz="4000" b="1" kern="1200" cap="all" normalizeH="0" baseline="0" dirty="0">
+                <a:solidFill>
+                  <a:srgbClr val="2F3A46"/>
+                </a:solidFill>
+                <a:latin typeface="Open Sans" panose="020B0606030504020204" pitchFamily="34" charset="0"/>
+                <a:ea typeface="Open Sans" panose="020B0606030504020204" pitchFamily="34" charset="0"/>
+                <a:cs typeface="Open Sans" panose="020B0606030504020204" pitchFamily="34" charset="0"/>
+              </a:defRPr>
+            </a:lvl1pPr>
+          </a:lstStyle>
+          <a:p>
+            <a:pPr algn="ctr"/>
+            <a:r>
+              <a:rPr lang="en-US" sz="2400" dirty="0"/>
+              <a:t>Environmental Sampling Results 2015-19*  </a:t>
+            </a:r>
+            <a:r>
+              <a:rPr lang="en-US" sz="2400" dirty="0" err="1"/>
+              <a:t>pakistan</a:t>
+            </a:r>
+            <a:endParaRPr lang="en-US" sz="2400" dirty="0"/>
+          </a:p>
+        </p:txBody>
+      </p:sp>
+      <p:graphicFrame>
+        <p:nvGraphicFramePr>
+          <p:cNvPr id="4" name="Chart 3"/>
+          <p:cNvGraphicFramePr>
+            <a:graphicFrameLocks/>
+          </p:cNvGraphicFramePr>
+          <p:nvPr/>
+        </p:nvGraphicFramePr>
+        <p:xfrm>
+          <a:off x="1756228" y="711159"/>
+          <a:ext cx="8606972" cy="6008955"/>
+        </p:xfrm>
+        <a:graphic>
+          <a:graphicData uri="http://schemas.openxmlformats.org/drawingml/2006/chart">
+            <c:chart xmlns:c="http://schemas.openxmlformats.org/drawingml/2006/chart" xmlns:r="http://schemas.openxmlformats.org/officeDocument/2006/relationships" r:id="rId2"/>
+          </a:graphicData>
+        </a:graphic>
+      </p:graphicFrame>
+    </p:spTree>
+    <p:extLst>
+      <p:ext uri="{BB962C8B-B14F-4D97-AF65-F5344CB8AC3E}">
+        <p14:creationId xmlns:p14="http://schemas.microsoft.com/office/powerpoint/2010/main" val="1302102898"/>
+      </p:ext>
+    </p:extLst>
+  </p:cSld>
+  <p:clrMapOvr>
+    <a:masterClrMapping/>
+  </p:clrMapOvr>
+</p:sld>
+</file>
+
+<file path=ppt/slides/slide7.xml><?xml version="1.0" encoding="utf-8"?>
+<p:sld xmlns:a="http://schemas.openxmlformats.org/drawingml/2006/main" xmlns:r="http://schemas.openxmlformats.org/officeDocument/2006/relationships" xmlns:p="http://schemas.openxmlformats.org/presentationml/2006/main">
+  <p:cSld>
+    <p:spTree>
+      <p:nvGrpSpPr>
+        <p:cNvPr id="1" name=""/>
+        <p:cNvGrpSpPr/>
+        <p:nvPr/>
+      </p:nvGrpSpPr>
+      <p:grpSpPr>
+        <a:xfrm>
+          <a:off x="0" y="0"/>
+          <a:ext cx="0" cy="0"/>
+          <a:chOff x="0" y="0"/>
+          <a:chExt cx="0" cy="0"/>
+        </a:xfrm>
+      </p:grpSpPr>
+      <p:sp>
+        <p:nvSpPr>
+          <p:cNvPr id="2" name="Title 1">
+            <a:extLst>
+              <a:ext uri="{FF2B5EF4-FFF2-40B4-BE49-F238E27FC236}">
+                <a16:creationId xmlns:a16="http://schemas.microsoft.com/office/drawing/2014/main" id="{BC789695-59A0-4670-BDF7-850B8CFABA3A}"/>
+              </a:ext>
+            </a:extLst>
+          </p:cNvPr>
+          <p:cNvSpPr>
+            <a:spLocks noGrp="1"/>
+          </p:cNvSpPr>
+          <p:nvPr>
+            <p:ph type="title"/>
+          </p:nvPr>
+        </p:nvSpPr>
+        <p:spPr/>
+        <p:txBody>
+          <a:bodyPr/>
+          <a:lstStyle/>
+          <a:p>
+            <a:endParaRPr lang="en-GB"/>
+          </a:p>
+        </p:txBody>
+      </p:sp>
+      <p:pic>
+        <p:nvPicPr>
+          <p:cNvPr id="5" name="Content Placeholder 4" descr="A picture containing stationary, writing implement&#10;&#10;Description automatically generated">
+            <a:extLst>
+              <a:ext uri="{FF2B5EF4-FFF2-40B4-BE49-F238E27FC236}">
+                <a16:creationId xmlns:a16="http://schemas.microsoft.com/office/drawing/2014/main" id="{5BD1A9F5-27BC-4E1D-96BC-6CC78F3F59DE}"/>
+              </a:ext>
+            </a:extLst>
+          </p:cNvPr>
+          <p:cNvPicPr>
+            <a:picLocks noGrp="1" noChangeAspect="1"/>
+          </p:cNvPicPr>
+          <p:nvPr>
+            <p:ph idx="1"/>
+          </p:nvPr>
+        </p:nvPicPr>
+        <p:blipFill>
+          <a:blip r:embed="rId2">
+            <a:extLst>
+              <a:ext uri="{28A0092B-C50C-407E-A947-70E740481C1C}">
+                <a14:useLocalDpi xmlns:a14="http://schemas.microsoft.com/office/drawing/2010/main" val="0"/>
+              </a:ext>
+            </a:extLst>
+          </a:blip>
+          <a:stretch>
+            <a:fillRect/>
+          </a:stretch>
+        </p:blipFill>
+        <p:spPr>
+          <a:xfrm>
+            <a:off x="302238" y="215495"/>
+            <a:ext cx="11724287" cy="6277379"/>
+          </a:xfrm>
+        </p:spPr>
+      </p:pic>
+    </p:spTree>
+    <p:extLst>
+      <p:ext uri="{BB962C8B-B14F-4D97-AF65-F5344CB8AC3E}">
+        <p14:creationId xmlns:p14="http://schemas.microsoft.com/office/powerpoint/2010/main" val="1049406885"/>
+      </p:ext>
+    </p:extLst>
+  </p:cSld>
+  <p:clrMapOvr>
+    <a:masterClrMapping/>
+  </p:clrMapOvr>
+</p:sld>
+</file>
+
+<file path=ppt/slides/slide8.xml><?xml version="1.0" encoding="utf-8"?>
+<p:sld xmlns:a="http://schemas.openxmlformats.org/drawingml/2006/main" xmlns:r="http://schemas.openxmlformats.org/officeDocument/2006/relationships" xmlns:p="http://schemas.openxmlformats.org/presentationml/2006/main">
+  <p:cSld>
+    <p:spTree>
+      <p:nvGrpSpPr>
+        <p:cNvPr id="1" name=""/>
+        <p:cNvGrpSpPr/>
+        <p:nvPr/>
+      </p:nvGrpSpPr>
+      <p:grpSpPr>
+        <a:xfrm>
+          <a:off x="0" y="0"/>
+          <a:ext cx="0" cy="0"/>
+          <a:chOff x="0" y="0"/>
+          <a:chExt cx="0" cy="0"/>
+        </a:xfrm>
+      </p:grpSpPr>
       <p:graphicFrame>
         <p:nvGraphicFramePr>
           <p:cNvPr id="9" name="Chart 8"/>
@@ -7699,7 +9226,7 @@
 </p:sld>
 </file>
 
-<file path=ppt/slides/slide11.xml><?xml version="1.0" encoding="utf-8"?>
+<file path=ppt/slides/slide9.xml><?xml version="1.0" encoding="utf-8"?>
 <p:sld xmlns:a="http://schemas.openxmlformats.org/drawingml/2006/main" xmlns:r="http://schemas.openxmlformats.org/officeDocument/2006/relationships" xmlns:p="http://schemas.openxmlformats.org/presentationml/2006/main">
   <p:cSld>
     <p:spTree>
@@ -7780,4431 +9307,6 @@
     <p:extLst>
       <p:ext uri="{BB962C8B-B14F-4D97-AF65-F5344CB8AC3E}">
         <p14:creationId xmlns:p14="http://schemas.microsoft.com/office/powerpoint/2010/main" val="3776978375"/>
-      </p:ext>
-    </p:extLst>
-  </p:cSld>
-  <p:clrMapOvr>
-    <a:masterClrMapping/>
-  </p:clrMapOvr>
-</p:sld>
-</file>
-
-<file path=ppt/slides/slide12.xml><?xml version="1.0" encoding="utf-8"?>
-<p:sld xmlns:a="http://schemas.openxmlformats.org/drawingml/2006/main" xmlns:r="http://schemas.openxmlformats.org/officeDocument/2006/relationships" xmlns:p="http://schemas.openxmlformats.org/presentationml/2006/main">
-  <p:cSld>
-    <p:spTree>
-      <p:nvGrpSpPr>
-        <p:cNvPr id="1" name=""/>
-        <p:cNvGrpSpPr/>
-        <p:nvPr/>
-      </p:nvGrpSpPr>
-      <p:grpSpPr>
-        <a:xfrm>
-          <a:off x="0" y="0"/>
-          <a:ext cx="0" cy="0"/>
-          <a:chOff x="0" y="0"/>
-          <a:chExt cx="0" cy="0"/>
-        </a:xfrm>
-      </p:grpSpPr>
-      <p:sp>
-        <p:nvSpPr>
-          <p:cNvPr id="2" name="Title 1">
-            <a:extLst>
-              <a:ext uri="{FF2B5EF4-FFF2-40B4-BE49-F238E27FC236}">
-                <a16:creationId xmlns:a16="http://schemas.microsoft.com/office/drawing/2014/main" id="{D2150173-6457-484F-92CC-497D68404BF6}"/>
-              </a:ext>
-            </a:extLst>
-          </p:cNvPr>
-          <p:cNvSpPr>
-            <a:spLocks noGrp="1"/>
-          </p:cNvSpPr>
-          <p:nvPr>
-            <p:ph type="title"/>
-          </p:nvPr>
-        </p:nvSpPr>
-        <p:spPr/>
-        <p:txBody>
-          <a:bodyPr/>
-          <a:lstStyle/>
-          <a:p>
-            <a:r>
-              <a:rPr lang="en-GB" dirty="0"/>
-              <a:t>What plot?</a:t>
-            </a:r>
-          </a:p>
-        </p:txBody>
-      </p:sp>
-      <p:graphicFrame>
-        <p:nvGraphicFramePr>
-          <p:cNvPr id="4" name="Table 4">
-            <a:extLst>
-              <a:ext uri="{FF2B5EF4-FFF2-40B4-BE49-F238E27FC236}">
-                <a16:creationId xmlns:a16="http://schemas.microsoft.com/office/drawing/2014/main" id="{1D1E1878-5E31-4886-A4EB-F5F2D98C8980}"/>
-              </a:ext>
-            </a:extLst>
-          </p:cNvPr>
-          <p:cNvGraphicFramePr>
-            <a:graphicFrameLocks noGrp="1"/>
-          </p:cNvGraphicFramePr>
-          <p:nvPr>
-            <p:ph idx="1"/>
-            <p:extLst>
-              <p:ext uri="{D42A27DB-BD31-4B8C-83A1-F6EECF244321}">
-                <p14:modId xmlns:p14="http://schemas.microsoft.com/office/powerpoint/2010/main" val="4236940550"/>
-              </p:ext>
-            </p:extLst>
-          </p:nvPr>
-        </p:nvGraphicFramePr>
-        <p:xfrm>
-          <a:off x="838200" y="1825625"/>
-          <a:ext cx="7886700" cy="1854200"/>
-        </p:xfrm>
-        <a:graphic>
-          <a:graphicData uri="http://schemas.openxmlformats.org/drawingml/2006/table">
-            <a:tbl>
-              <a:tblPr firstRow="1" bandRow="1">
-                <a:tableStyleId>{5C22544A-7EE6-4342-B048-85BDC9FD1C3A}</a:tableStyleId>
-              </a:tblPr>
-              <a:tblGrid>
-                <a:gridCol w="2628900">
-                  <a:extLst>
-                    <a:ext uri="{9D8B030D-6E8A-4147-A177-3AD203B41FA5}">
-                      <a16:colId xmlns:a16="http://schemas.microsoft.com/office/drawing/2014/main" val="875950141"/>
-                    </a:ext>
-                  </a:extLst>
-                </a:gridCol>
-                <a:gridCol w="2628900">
-                  <a:extLst>
-                    <a:ext uri="{9D8B030D-6E8A-4147-A177-3AD203B41FA5}">
-                      <a16:colId xmlns:a16="http://schemas.microsoft.com/office/drawing/2014/main" val="3415861856"/>
-                    </a:ext>
-                  </a:extLst>
-                </a:gridCol>
-                <a:gridCol w="2628900">
-                  <a:extLst>
-                    <a:ext uri="{9D8B030D-6E8A-4147-A177-3AD203B41FA5}">
-                      <a16:colId xmlns:a16="http://schemas.microsoft.com/office/drawing/2014/main" val="1131764797"/>
-                    </a:ext>
-                  </a:extLst>
-                </a:gridCol>
-              </a:tblGrid>
-              <a:tr h="370840">
-                <a:tc>
-                  <a:txBody>
-                    <a:bodyPr/>
-                    <a:lstStyle/>
-                    <a:p>
-                      <a:endParaRPr lang="en-GB"/>
-                    </a:p>
-                  </a:txBody>
-                  <a:tcPr/>
-                </a:tc>
-                <a:tc>
-                  <a:txBody>
-                    <a:bodyPr/>
-                    <a:lstStyle/>
-                    <a:p>
-                      <a:r>
-                        <a:rPr lang="en-GB" dirty="0"/>
-                        <a:t>January </a:t>
-                      </a:r>
-                    </a:p>
-                  </a:txBody>
-                  <a:tcPr/>
-                </a:tc>
-                <a:tc>
-                  <a:txBody>
-                    <a:bodyPr/>
-                    <a:lstStyle/>
-                    <a:p>
-                      <a:r>
-                        <a:rPr lang="en-GB" dirty="0"/>
-                        <a:t>February</a:t>
-                      </a:r>
-                    </a:p>
-                  </a:txBody>
-                  <a:tcPr/>
-                </a:tc>
-                <a:extLst>
-                  <a:ext uri="{0D108BD9-81ED-4DB2-BD59-A6C34878D82A}">
-                    <a16:rowId xmlns:a16="http://schemas.microsoft.com/office/drawing/2014/main" val="2066027495"/>
-                  </a:ext>
-                </a:extLst>
-              </a:tr>
-              <a:tr h="370840">
-                <a:tc>
-                  <a:txBody>
-                    <a:bodyPr/>
-                    <a:lstStyle/>
-                    <a:p>
-                      <a:r>
-                        <a:rPr lang="en-GB" dirty="0"/>
-                        <a:t>North</a:t>
-                      </a:r>
-                    </a:p>
-                  </a:txBody>
-                  <a:tcPr/>
-                </a:tc>
-                <a:tc>
-                  <a:txBody>
-                    <a:bodyPr/>
-                    <a:lstStyle/>
-                    <a:p>
-                      <a:r>
-                        <a:rPr lang="en-GB" dirty="0"/>
-                        <a:t>1</a:t>
-                      </a:r>
-                    </a:p>
-                  </a:txBody>
-                  <a:tcPr/>
-                </a:tc>
-                <a:tc>
-                  <a:txBody>
-                    <a:bodyPr/>
-                    <a:lstStyle/>
-                    <a:p>
-                      <a:r>
-                        <a:rPr lang="en-GB" dirty="0"/>
-                        <a:t>2</a:t>
-                      </a:r>
-                    </a:p>
-                  </a:txBody>
-                  <a:tcPr/>
-                </a:tc>
-                <a:extLst>
-                  <a:ext uri="{0D108BD9-81ED-4DB2-BD59-A6C34878D82A}">
-                    <a16:rowId xmlns:a16="http://schemas.microsoft.com/office/drawing/2014/main" val="682902738"/>
-                  </a:ext>
-                </a:extLst>
-              </a:tr>
-              <a:tr h="370840">
-                <a:tc>
-                  <a:txBody>
-                    <a:bodyPr/>
-                    <a:lstStyle/>
-                    <a:p>
-                      <a:r>
-                        <a:rPr lang="en-GB" dirty="0"/>
-                        <a:t>South</a:t>
-                      </a:r>
-                    </a:p>
-                  </a:txBody>
-                  <a:tcPr/>
-                </a:tc>
-                <a:tc>
-                  <a:txBody>
-                    <a:bodyPr/>
-                    <a:lstStyle/>
-                    <a:p>
-                      <a:r>
-                        <a:rPr lang="en-GB" dirty="0"/>
-                        <a:t>2</a:t>
-                      </a:r>
-                    </a:p>
-                  </a:txBody>
-                  <a:tcPr/>
-                </a:tc>
-                <a:tc>
-                  <a:txBody>
-                    <a:bodyPr/>
-                    <a:lstStyle/>
-                    <a:p>
-                      <a:r>
-                        <a:rPr lang="en-GB" dirty="0"/>
-                        <a:t>2</a:t>
-                      </a:r>
-                    </a:p>
-                  </a:txBody>
-                  <a:tcPr/>
-                </a:tc>
-                <a:extLst>
-                  <a:ext uri="{0D108BD9-81ED-4DB2-BD59-A6C34878D82A}">
-                    <a16:rowId xmlns:a16="http://schemas.microsoft.com/office/drawing/2014/main" val="1448807036"/>
-                  </a:ext>
-                </a:extLst>
-              </a:tr>
-              <a:tr h="370840">
-                <a:tc>
-                  <a:txBody>
-                    <a:bodyPr/>
-                    <a:lstStyle/>
-                    <a:p>
-                      <a:r>
-                        <a:rPr lang="en-GB" dirty="0"/>
-                        <a:t>East</a:t>
-                      </a:r>
-                    </a:p>
-                  </a:txBody>
-                  <a:tcPr/>
-                </a:tc>
-                <a:tc>
-                  <a:txBody>
-                    <a:bodyPr/>
-                    <a:lstStyle/>
-                    <a:p>
-                      <a:r>
-                        <a:rPr lang="en-GB" dirty="0"/>
-                        <a:t>3</a:t>
-                      </a:r>
-                    </a:p>
-                  </a:txBody>
-                  <a:tcPr/>
-                </a:tc>
-                <a:tc>
-                  <a:txBody>
-                    <a:bodyPr/>
-                    <a:lstStyle/>
-                    <a:p>
-                      <a:r>
-                        <a:rPr lang="en-GB" dirty="0"/>
-                        <a:t>3</a:t>
-                      </a:r>
-                    </a:p>
-                  </a:txBody>
-                  <a:tcPr/>
-                </a:tc>
-                <a:extLst>
-                  <a:ext uri="{0D108BD9-81ED-4DB2-BD59-A6C34878D82A}">
-                    <a16:rowId xmlns:a16="http://schemas.microsoft.com/office/drawing/2014/main" val="4058419471"/>
-                  </a:ext>
-                </a:extLst>
-              </a:tr>
-              <a:tr h="370840">
-                <a:tc>
-                  <a:txBody>
-                    <a:bodyPr/>
-                    <a:lstStyle/>
-                    <a:p>
-                      <a:r>
-                        <a:rPr lang="en-GB" dirty="0"/>
-                        <a:t>West</a:t>
-                      </a:r>
-                    </a:p>
-                  </a:txBody>
-                  <a:tcPr/>
-                </a:tc>
-                <a:tc>
-                  <a:txBody>
-                    <a:bodyPr/>
-                    <a:lstStyle/>
-                    <a:p>
-                      <a:r>
-                        <a:rPr lang="en-GB" dirty="0"/>
-                        <a:t>4</a:t>
-                      </a:r>
-                    </a:p>
-                  </a:txBody>
-                  <a:tcPr/>
-                </a:tc>
-                <a:tc>
-                  <a:txBody>
-                    <a:bodyPr/>
-                    <a:lstStyle/>
-                    <a:p>
-                      <a:r>
-                        <a:rPr lang="en-GB" dirty="0"/>
-                        <a:t>3</a:t>
-                      </a:r>
-                    </a:p>
-                  </a:txBody>
-                  <a:tcPr/>
-                </a:tc>
-                <a:extLst>
-                  <a:ext uri="{0D108BD9-81ED-4DB2-BD59-A6C34878D82A}">
-                    <a16:rowId xmlns:a16="http://schemas.microsoft.com/office/drawing/2014/main" val="1399364909"/>
-                  </a:ext>
-                </a:extLst>
-              </a:tr>
-            </a:tbl>
-          </a:graphicData>
-        </a:graphic>
-      </p:graphicFrame>
-    </p:spTree>
-    <p:extLst>
-      <p:ext uri="{BB962C8B-B14F-4D97-AF65-F5344CB8AC3E}">
-        <p14:creationId xmlns:p14="http://schemas.microsoft.com/office/powerpoint/2010/main" val="3927994553"/>
-      </p:ext>
-    </p:extLst>
-  </p:cSld>
-  <p:clrMapOvr>
-    <a:masterClrMapping/>
-  </p:clrMapOvr>
-</p:sld>
-</file>
-
-<file path=ppt/slides/slide13.xml><?xml version="1.0" encoding="utf-8"?>
-<p:sld xmlns:a="http://schemas.openxmlformats.org/drawingml/2006/main" xmlns:r="http://schemas.openxmlformats.org/officeDocument/2006/relationships" xmlns:p="http://schemas.openxmlformats.org/presentationml/2006/main">
-  <p:cSld>
-    <p:spTree>
-      <p:nvGrpSpPr>
-        <p:cNvPr id="1" name=""/>
-        <p:cNvGrpSpPr/>
-        <p:nvPr/>
-      </p:nvGrpSpPr>
-      <p:grpSpPr>
-        <a:xfrm>
-          <a:off x="0" y="0"/>
-          <a:ext cx="0" cy="0"/>
-          <a:chOff x="0" y="0"/>
-          <a:chExt cx="0" cy="0"/>
-        </a:xfrm>
-      </p:grpSpPr>
-      <p:sp>
-        <p:nvSpPr>
-          <p:cNvPr id="2" name="Title 1">
-            <a:extLst>
-              <a:ext uri="{FF2B5EF4-FFF2-40B4-BE49-F238E27FC236}">
-                <a16:creationId xmlns:a16="http://schemas.microsoft.com/office/drawing/2014/main" id="{30BB1681-0FE8-463A-B9EB-D4228E2217B9}"/>
-              </a:ext>
-            </a:extLst>
-          </p:cNvPr>
-          <p:cNvSpPr>
-            <a:spLocks noGrp="1"/>
-          </p:cNvSpPr>
-          <p:nvPr>
-            <p:ph type="title"/>
-          </p:nvPr>
-        </p:nvSpPr>
-        <p:spPr/>
-        <p:txBody>
-          <a:bodyPr/>
-          <a:lstStyle/>
-          <a:p>
-            <a:endParaRPr lang="en-GB"/>
-          </a:p>
-        </p:txBody>
-      </p:sp>
-      <p:sp>
-        <p:nvSpPr>
-          <p:cNvPr id="3" name="Content Placeholder 2">
-            <a:extLst>
-              <a:ext uri="{FF2B5EF4-FFF2-40B4-BE49-F238E27FC236}">
-                <a16:creationId xmlns:a16="http://schemas.microsoft.com/office/drawing/2014/main" id="{8D59AF1A-C890-4EFC-A159-B0730CE0961A}"/>
-              </a:ext>
-            </a:extLst>
-          </p:cNvPr>
-          <p:cNvSpPr>
-            <a:spLocks noGrp="1"/>
-          </p:cNvSpPr>
-          <p:nvPr>
-            <p:ph idx="1"/>
-          </p:nvPr>
-        </p:nvSpPr>
-        <p:spPr/>
-        <p:txBody>
-          <a:bodyPr/>
-          <a:lstStyle/>
-          <a:p>
-            <a:endParaRPr lang="en-GB"/>
-          </a:p>
-        </p:txBody>
-      </p:sp>
-    </p:spTree>
-    <p:extLst>
-      <p:ext uri="{BB962C8B-B14F-4D97-AF65-F5344CB8AC3E}">
-        <p14:creationId xmlns:p14="http://schemas.microsoft.com/office/powerpoint/2010/main" val="3581458293"/>
-      </p:ext>
-    </p:extLst>
-  </p:cSld>
-  <p:clrMapOvr>
-    <a:masterClrMapping/>
-  </p:clrMapOvr>
-</p:sld>
-</file>
-
-<file path=ppt/slides/slide14.xml><?xml version="1.0" encoding="utf-8"?>
-<p:sld xmlns:a="http://schemas.openxmlformats.org/drawingml/2006/main" xmlns:r="http://schemas.openxmlformats.org/officeDocument/2006/relationships" xmlns:p="http://schemas.openxmlformats.org/presentationml/2006/main">
-  <p:cSld>
-    <p:spTree>
-      <p:nvGrpSpPr>
-        <p:cNvPr id="1" name=""/>
-        <p:cNvGrpSpPr/>
-        <p:nvPr/>
-      </p:nvGrpSpPr>
-      <p:grpSpPr>
-        <a:xfrm>
-          <a:off x="0" y="0"/>
-          <a:ext cx="0" cy="0"/>
-          <a:chOff x="0" y="0"/>
-          <a:chExt cx="0" cy="0"/>
-        </a:xfrm>
-      </p:grpSpPr>
-      <p:sp>
-        <p:nvSpPr>
-          <p:cNvPr id="2" name="Title 1">
-            <a:extLst>
-              <a:ext uri="{FF2B5EF4-FFF2-40B4-BE49-F238E27FC236}">
-                <a16:creationId xmlns:a16="http://schemas.microsoft.com/office/drawing/2014/main" id="{16BC8391-D112-4173-9A18-4B2865CE4EBB}"/>
-              </a:ext>
-            </a:extLst>
-          </p:cNvPr>
-          <p:cNvSpPr>
-            <a:spLocks noGrp="1"/>
-          </p:cNvSpPr>
-          <p:nvPr>
-            <p:ph type="title"/>
-          </p:nvPr>
-        </p:nvSpPr>
-        <p:spPr/>
-        <p:txBody>
-          <a:bodyPr/>
-          <a:lstStyle/>
-          <a:p>
-            <a:endParaRPr lang="en-GB"/>
-          </a:p>
-        </p:txBody>
-      </p:sp>
-      <p:sp>
-        <p:nvSpPr>
-          <p:cNvPr id="3" name="Content Placeholder 2">
-            <a:extLst>
-              <a:ext uri="{FF2B5EF4-FFF2-40B4-BE49-F238E27FC236}">
-                <a16:creationId xmlns:a16="http://schemas.microsoft.com/office/drawing/2014/main" id="{E0E74CB5-969C-46D2-9E04-123CCB1F239E}"/>
-              </a:ext>
-            </a:extLst>
-          </p:cNvPr>
-          <p:cNvSpPr>
-            <a:spLocks noGrp="1"/>
-          </p:cNvSpPr>
-          <p:nvPr>
-            <p:ph idx="1"/>
-          </p:nvPr>
-        </p:nvSpPr>
-        <p:spPr/>
-        <p:txBody>
-          <a:bodyPr/>
-          <a:lstStyle/>
-          <a:p>
-            <a:endParaRPr lang="en-GB"/>
-          </a:p>
-        </p:txBody>
-      </p:sp>
-    </p:spTree>
-    <p:extLst>
-      <p:ext uri="{BB962C8B-B14F-4D97-AF65-F5344CB8AC3E}">
-        <p14:creationId xmlns:p14="http://schemas.microsoft.com/office/powerpoint/2010/main" val="3074284051"/>
-      </p:ext>
-    </p:extLst>
-  </p:cSld>
-  <p:clrMapOvr>
-    <a:masterClrMapping/>
-  </p:clrMapOvr>
-</p:sld>
-</file>
-
-<file path=ppt/slides/slide15.xml><?xml version="1.0" encoding="utf-8"?>
-<p:sld xmlns:a="http://schemas.openxmlformats.org/drawingml/2006/main" xmlns:r="http://schemas.openxmlformats.org/officeDocument/2006/relationships" xmlns:p="http://schemas.openxmlformats.org/presentationml/2006/main">
-  <p:cSld>
-    <p:spTree>
-      <p:nvGrpSpPr>
-        <p:cNvPr id="1" name=""/>
-        <p:cNvGrpSpPr/>
-        <p:nvPr/>
-      </p:nvGrpSpPr>
-      <p:grpSpPr>
-        <a:xfrm>
-          <a:off x="0" y="0"/>
-          <a:ext cx="0" cy="0"/>
-          <a:chOff x="0" y="0"/>
-          <a:chExt cx="0" cy="0"/>
-        </a:xfrm>
-      </p:grpSpPr>
-      <p:sp>
-        <p:nvSpPr>
-          <p:cNvPr id="2" name="Title 1">
-            <a:extLst>
-              <a:ext uri="{FF2B5EF4-FFF2-40B4-BE49-F238E27FC236}">
-                <a16:creationId xmlns:a16="http://schemas.microsoft.com/office/drawing/2014/main" id="{0C9B5F4F-6FEC-4C07-855A-519D30E42CF8}"/>
-              </a:ext>
-            </a:extLst>
-          </p:cNvPr>
-          <p:cNvSpPr>
-            <a:spLocks noGrp="1"/>
-          </p:cNvSpPr>
-          <p:nvPr>
-            <p:ph type="title"/>
-          </p:nvPr>
-        </p:nvSpPr>
-        <p:spPr/>
-        <p:txBody>
-          <a:bodyPr/>
-          <a:lstStyle/>
-          <a:p>
-            <a:endParaRPr lang="en-GB"/>
-          </a:p>
-        </p:txBody>
-      </p:sp>
-      <p:sp>
-        <p:nvSpPr>
-          <p:cNvPr id="3" name="Content Placeholder 2">
-            <a:extLst>
-              <a:ext uri="{FF2B5EF4-FFF2-40B4-BE49-F238E27FC236}">
-                <a16:creationId xmlns:a16="http://schemas.microsoft.com/office/drawing/2014/main" id="{9C6EB253-BDF4-4459-A231-DC4CF0582E57}"/>
-              </a:ext>
-            </a:extLst>
-          </p:cNvPr>
-          <p:cNvSpPr>
-            <a:spLocks noGrp="1"/>
-          </p:cNvSpPr>
-          <p:nvPr>
-            <p:ph idx="1"/>
-          </p:nvPr>
-        </p:nvSpPr>
-        <p:spPr/>
-        <p:txBody>
-          <a:bodyPr/>
-          <a:lstStyle/>
-          <a:p>
-            <a:endParaRPr lang="en-GB"/>
-          </a:p>
-        </p:txBody>
-      </p:sp>
-    </p:spTree>
-    <p:extLst>
-      <p:ext uri="{BB962C8B-B14F-4D97-AF65-F5344CB8AC3E}">
-        <p14:creationId xmlns:p14="http://schemas.microsoft.com/office/powerpoint/2010/main" val="2019845542"/>
-      </p:ext>
-    </p:extLst>
-  </p:cSld>
-  <p:clrMapOvr>
-    <a:masterClrMapping/>
-  </p:clrMapOvr>
-</p:sld>
-</file>
-
-<file path=ppt/slides/slide16.xml><?xml version="1.0" encoding="utf-8"?>
-<p:sld xmlns:a="http://schemas.openxmlformats.org/drawingml/2006/main" xmlns:r="http://schemas.openxmlformats.org/officeDocument/2006/relationships" xmlns:p="http://schemas.openxmlformats.org/presentationml/2006/main">
-  <p:cSld>
-    <p:spTree>
-      <p:nvGrpSpPr>
-        <p:cNvPr id="1" name=""/>
-        <p:cNvGrpSpPr/>
-        <p:nvPr/>
-      </p:nvGrpSpPr>
-      <p:grpSpPr>
-        <a:xfrm>
-          <a:off x="0" y="0"/>
-          <a:ext cx="0" cy="0"/>
-          <a:chOff x="0" y="0"/>
-          <a:chExt cx="0" cy="0"/>
-        </a:xfrm>
-      </p:grpSpPr>
-      <p:sp>
-        <p:nvSpPr>
-          <p:cNvPr id="2" name="Title 1">
-            <a:extLst>
-              <a:ext uri="{FF2B5EF4-FFF2-40B4-BE49-F238E27FC236}">
-                <a16:creationId xmlns:a16="http://schemas.microsoft.com/office/drawing/2014/main" id="{CC150F76-F71D-406E-8C18-E7F03FB337D2}"/>
-              </a:ext>
-            </a:extLst>
-          </p:cNvPr>
-          <p:cNvSpPr>
-            <a:spLocks noGrp="1"/>
-          </p:cNvSpPr>
-          <p:nvPr>
-            <p:ph type="title"/>
-          </p:nvPr>
-        </p:nvSpPr>
-        <p:spPr/>
-        <p:txBody>
-          <a:bodyPr/>
-          <a:lstStyle/>
-          <a:p>
-            <a:endParaRPr lang="en-GB"/>
-          </a:p>
-        </p:txBody>
-      </p:sp>
-      <p:sp>
-        <p:nvSpPr>
-          <p:cNvPr id="3" name="Content Placeholder 2">
-            <a:extLst>
-              <a:ext uri="{FF2B5EF4-FFF2-40B4-BE49-F238E27FC236}">
-                <a16:creationId xmlns:a16="http://schemas.microsoft.com/office/drawing/2014/main" id="{70A85C3F-78DF-4372-A4F9-2D7DCC901420}"/>
-              </a:ext>
-            </a:extLst>
-          </p:cNvPr>
-          <p:cNvSpPr>
-            <a:spLocks noGrp="1"/>
-          </p:cNvSpPr>
-          <p:nvPr>
-            <p:ph idx="1"/>
-          </p:nvPr>
-        </p:nvSpPr>
-        <p:spPr/>
-        <p:txBody>
-          <a:bodyPr/>
-          <a:lstStyle/>
-          <a:p>
-            <a:endParaRPr lang="en-GB"/>
-          </a:p>
-        </p:txBody>
-      </p:sp>
-    </p:spTree>
-    <p:extLst>
-      <p:ext uri="{BB962C8B-B14F-4D97-AF65-F5344CB8AC3E}">
-        <p14:creationId xmlns:p14="http://schemas.microsoft.com/office/powerpoint/2010/main" val="1088113001"/>
-      </p:ext>
-    </p:extLst>
-  </p:cSld>
-  <p:clrMapOvr>
-    <a:masterClrMapping/>
-  </p:clrMapOvr>
-</p:sld>
-</file>
-
-<file path=ppt/slides/slide17.xml><?xml version="1.0" encoding="utf-8"?>
-<p:sld xmlns:a="http://schemas.openxmlformats.org/drawingml/2006/main" xmlns:r="http://schemas.openxmlformats.org/officeDocument/2006/relationships" xmlns:p="http://schemas.openxmlformats.org/presentationml/2006/main">
-  <p:cSld>
-    <p:spTree>
-      <p:nvGrpSpPr>
-        <p:cNvPr id="1" name=""/>
-        <p:cNvGrpSpPr/>
-        <p:nvPr/>
-      </p:nvGrpSpPr>
-      <p:grpSpPr>
-        <a:xfrm>
-          <a:off x="0" y="0"/>
-          <a:ext cx="0" cy="0"/>
-          <a:chOff x="0" y="0"/>
-          <a:chExt cx="0" cy="0"/>
-        </a:xfrm>
-      </p:grpSpPr>
-      <p:sp>
-        <p:nvSpPr>
-          <p:cNvPr id="2" name="Title 1">
-            <a:extLst>
-              <a:ext uri="{FF2B5EF4-FFF2-40B4-BE49-F238E27FC236}">
-                <a16:creationId xmlns:a16="http://schemas.microsoft.com/office/drawing/2014/main" id="{92DFEC51-0A46-4908-A0EA-F2E72026CC03}"/>
-              </a:ext>
-            </a:extLst>
-          </p:cNvPr>
-          <p:cNvSpPr>
-            <a:spLocks noGrp="1"/>
-          </p:cNvSpPr>
-          <p:nvPr>
-            <p:ph type="title"/>
-          </p:nvPr>
-        </p:nvSpPr>
-        <p:spPr/>
-        <p:txBody>
-          <a:bodyPr/>
-          <a:lstStyle/>
-          <a:p>
-            <a:endParaRPr lang="en-GB"/>
-          </a:p>
-        </p:txBody>
-      </p:sp>
-      <p:sp>
-        <p:nvSpPr>
-          <p:cNvPr id="3" name="Content Placeholder 2">
-            <a:extLst>
-              <a:ext uri="{FF2B5EF4-FFF2-40B4-BE49-F238E27FC236}">
-                <a16:creationId xmlns:a16="http://schemas.microsoft.com/office/drawing/2014/main" id="{39D42E44-399B-43EF-AAB0-953CBEBF043C}"/>
-              </a:ext>
-            </a:extLst>
-          </p:cNvPr>
-          <p:cNvSpPr>
-            <a:spLocks noGrp="1"/>
-          </p:cNvSpPr>
-          <p:nvPr>
-            <p:ph idx="1"/>
-          </p:nvPr>
-        </p:nvSpPr>
-        <p:spPr/>
-        <p:txBody>
-          <a:bodyPr/>
-          <a:lstStyle/>
-          <a:p>
-            <a:endParaRPr lang="en-GB"/>
-          </a:p>
-        </p:txBody>
-      </p:sp>
-    </p:spTree>
-    <p:extLst>
-      <p:ext uri="{BB962C8B-B14F-4D97-AF65-F5344CB8AC3E}">
-        <p14:creationId xmlns:p14="http://schemas.microsoft.com/office/powerpoint/2010/main" val="588957308"/>
-      </p:ext>
-    </p:extLst>
-  </p:cSld>
-  <p:clrMapOvr>
-    <a:masterClrMapping/>
-  </p:clrMapOvr>
-</p:sld>
-</file>
-
-<file path=ppt/slides/slide18.xml><?xml version="1.0" encoding="utf-8"?>
-<p:sld xmlns:a="http://schemas.openxmlformats.org/drawingml/2006/main" xmlns:r="http://schemas.openxmlformats.org/officeDocument/2006/relationships" xmlns:p="http://schemas.openxmlformats.org/presentationml/2006/main">
-  <p:cSld>
-    <p:spTree>
-      <p:nvGrpSpPr>
-        <p:cNvPr id="1" name=""/>
-        <p:cNvGrpSpPr/>
-        <p:nvPr/>
-      </p:nvGrpSpPr>
-      <p:grpSpPr>
-        <a:xfrm>
-          <a:off x="0" y="0"/>
-          <a:ext cx="0" cy="0"/>
-          <a:chOff x="0" y="0"/>
-          <a:chExt cx="0" cy="0"/>
-        </a:xfrm>
-      </p:grpSpPr>
-      <p:sp>
-        <p:nvSpPr>
-          <p:cNvPr id="2" name="Title 1">
-            <a:extLst>
-              <a:ext uri="{FF2B5EF4-FFF2-40B4-BE49-F238E27FC236}">
-                <a16:creationId xmlns:a16="http://schemas.microsoft.com/office/drawing/2014/main" id="{C8A425BC-9B67-4EAB-80F3-5E39D7C5B5D1}"/>
-              </a:ext>
-            </a:extLst>
-          </p:cNvPr>
-          <p:cNvSpPr>
-            <a:spLocks noGrp="1"/>
-          </p:cNvSpPr>
-          <p:nvPr>
-            <p:ph type="title"/>
-          </p:nvPr>
-        </p:nvSpPr>
-        <p:spPr/>
-        <p:txBody>
-          <a:bodyPr/>
-          <a:lstStyle/>
-          <a:p>
-            <a:endParaRPr lang="en-GB"/>
-          </a:p>
-        </p:txBody>
-      </p:sp>
-      <p:sp>
-        <p:nvSpPr>
-          <p:cNvPr id="3" name="Content Placeholder 2">
-            <a:extLst>
-              <a:ext uri="{FF2B5EF4-FFF2-40B4-BE49-F238E27FC236}">
-                <a16:creationId xmlns:a16="http://schemas.microsoft.com/office/drawing/2014/main" id="{D8B44445-F244-44A3-ADB6-DC2030216FDD}"/>
-              </a:ext>
-            </a:extLst>
-          </p:cNvPr>
-          <p:cNvSpPr>
-            <a:spLocks noGrp="1"/>
-          </p:cNvSpPr>
-          <p:nvPr>
-            <p:ph idx="1"/>
-          </p:nvPr>
-        </p:nvSpPr>
-        <p:spPr/>
-        <p:txBody>
-          <a:bodyPr/>
-          <a:lstStyle/>
-          <a:p>
-            <a:endParaRPr lang="en-GB"/>
-          </a:p>
-        </p:txBody>
-      </p:sp>
-    </p:spTree>
-    <p:extLst>
-      <p:ext uri="{BB962C8B-B14F-4D97-AF65-F5344CB8AC3E}">
-        <p14:creationId xmlns:p14="http://schemas.microsoft.com/office/powerpoint/2010/main" val="2324474424"/>
-      </p:ext>
-    </p:extLst>
-  </p:cSld>
-  <p:clrMapOvr>
-    <a:masterClrMapping/>
-  </p:clrMapOvr>
-</p:sld>
-</file>
-
-<file path=ppt/slides/slide19.xml><?xml version="1.0" encoding="utf-8"?>
-<p:sld xmlns:a="http://schemas.openxmlformats.org/drawingml/2006/main" xmlns:r="http://schemas.openxmlformats.org/officeDocument/2006/relationships" xmlns:p="http://schemas.openxmlformats.org/presentationml/2006/main">
-  <p:cSld>
-    <p:spTree>
-      <p:nvGrpSpPr>
-        <p:cNvPr id="1" name=""/>
-        <p:cNvGrpSpPr/>
-        <p:nvPr/>
-      </p:nvGrpSpPr>
-      <p:grpSpPr>
-        <a:xfrm>
-          <a:off x="0" y="0"/>
-          <a:ext cx="0" cy="0"/>
-          <a:chOff x="0" y="0"/>
-          <a:chExt cx="0" cy="0"/>
-        </a:xfrm>
-      </p:grpSpPr>
-      <p:sp>
-        <p:nvSpPr>
-          <p:cNvPr id="2" name="Title 1">
-            <a:extLst>
-              <a:ext uri="{FF2B5EF4-FFF2-40B4-BE49-F238E27FC236}">
-                <a16:creationId xmlns:a16="http://schemas.microsoft.com/office/drawing/2014/main" id="{FA23F976-72F8-4CC3-9D43-7FDD8BF242A1}"/>
-              </a:ext>
-            </a:extLst>
-          </p:cNvPr>
-          <p:cNvSpPr>
-            <a:spLocks noGrp="1"/>
-          </p:cNvSpPr>
-          <p:nvPr>
-            <p:ph type="title"/>
-          </p:nvPr>
-        </p:nvSpPr>
-        <p:spPr/>
-        <p:txBody>
-          <a:bodyPr/>
-          <a:lstStyle/>
-          <a:p>
-            <a:endParaRPr lang="en-GB"/>
-          </a:p>
-        </p:txBody>
-      </p:sp>
-      <p:sp>
-        <p:nvSpPr>
-          <p:cNvPr id="3" name="Content Placeholder 2">
-            <a:extLst>
-              <a:ext uri="{FF2B5EF4-FFF2-40B4-BE49-F238E27FC236}">
-                <a16:creationId xmlns:a16="http://schemas.microsoft.com/office/drawing/2014/main" id="{FE994DF7-F689-48C6-86CC-82920CD56D43}"/>
-              </a:ext>
-            </a:extLst>
-          </p:cNvPr>
-          <p:cNvSpPr>
-            <a:spLocks noGrp="1"/>
-          </p:cNvSpPr>
-          <p:nvPr>
-            <p:ph idx="1"/>
-          </p:nvPr>
-        </p:nvSpPr>
-        <p:spPr/>
-        <p:txBody>
-          <a:bodyPr/>
-          <a:lstStyle/>
-          <a:p>
-            <a:endParaRPr lang="en-GB"/>
-          </a:p>
-        </p:txBody>
-      </p:sp>
-    </p:spTree>
-    <p:extLst>
-      <p:ext uri="{BB962C8B-B14F-4D97-AF65-F5344CB8AC3E}">
-        <p14:creationId xmlns:p14="http://schemas.microsoft.com/office/powerpoint/2010/main" val="4039488099"/>
-      </p:ext>
-    </p:extLst>
-  </p:cSld>
-  <p:clrMapOvr>
-    <a:masterClrMapping/>
-  </p:clrMapOvr>
-</p:sld>
-</file>
-
-<file path=ppt/slides/slide2.xml><?xml version="1.0" encoding="utf-8"?>
-<p:sld xmlns:a="http://schemas.openxmlformats.org/drawingml/2006/main" xmlns:r="http://schemas.openxmlformats.org/officeDocument/2006/relationships" xmlns:p="http://schemas.openxmlformats.org/presentationml/2006/main">
-  <p:cSld>
-    <p:spTree>
-      <p:nvGrpSpPr>
-        <p:cNvPr id="1" name=""/>
-        <p:cNvGrpSpPr/>
-        <p:nvPr/>
-      </p:nvGrpSpPr>
-      <p:grpSpPr>
-        <a:xfrm>
-          <a:off x="0" y="0"/>
-          <a:ext cx="0" cy="0"/>
-          <a:chOff x="0" y="0"/>
-          <a:chExt cx="0" cy="0"/>
-        </a:xfrm>
-      </p:grpSpPr>
-      <p:sp>
-        <p:nvSpPr>
-          <p:cNvPr id="2" name="Title 1">
-            <a:extLst>
-              <a:ext uri="{FF2B5EF4-FFF2-40B4-BE49-F238E27FC236}">
-                <a16:creationId xmlns:a16="http://schemas.microsoft.com/office/drawing/2014/main" id="{5F561EA3-D386-419F-ADA5-0D5011EB2A99}"/>
-              </a:ext>
-            </a:extLst>
-          </p:cNvPr>
-          <p:cNvSpPr>
-            <a:spLocks noGrp="1"/>
-          </p:cNvSpPr>
-          <p:nvPr>
-            <p:ph type="title"/>
-          </p:nvPr>
-        </p:nvSpPr>
-        <p:spPr/>
-        <p:txBody>
-          <a:bodyPr/>
-          <a:lstStyle/>
-          <a:p>
-            <a:r>
-              <a:rPr lang="en-GB" dirty="0"/>
-              <a:t>Get data</a:t>
-            </a:r>
-          </a:p>
-        </p:txBody>
-      </p:sp>
-      <p:sp>
-        <p:nvSpPr>
-          <p:cNvPr id="3" name="Content Placeholder 2">
-            <a:extLst>
-              <a:ext uri="{FF2B5EF4-FFF2-40B4-BE49-F238E27FC236}">
-                <a16:creationId xmlns:a16="http://schemas.microsoft.com/office/drawing/2014/main" id="{643D9114-2FD8-461F-8ABC-1917EDDB1481}"/>
-              </a:ext>
-            </a:extLst>
-          </p:cNvPr>
-          <p:cNvSpPr>
-            <a:spLocks noGrp="1"/>
-          </p:cNvSpPr>
-          <p:nvPr>
-            <p:ph idx="1"/>
-          </p:nvPr>
-        </p:nvSpPr>
-        <p:spPr/>
-        <p:txBody>
-          <a:bodyPr>
-            <a:normAutofit/>
-          </a:bodyPr>
-          <a:lstStyle/>
-          <a:p>
-            <a:r>
-              <a:rPr lang="en-GB" dirty="0"/>
-              <a:t>Download package with our data in</a:t>
-            </a:r>
-          </a:p>
-          <a:p>
-            <a:pPr marL="0" indent="0">
-              <a:buNone/>
-            </a:pPr>
-            <a:r>
-              <a:rPr lang="en-GB" dirty="0"/>
-              <a:t>	</a:t>
-            </a:r>
-            <a:r>
-              <a:rPr lang="en-GB" sz="2000" dirty="0" err="1">
-                <a:latin typeface="Courier New" panose="02070309020205020404" pitchFamily="49" charset="0"/>
-                <a:cs typeface="Courier New" panose="02070309020205020404" pitchFamily="49" charset="0"/>
-              </a:rPr>
-              <a:t>devtools</a:t>
-            </a:r>
-            <a:r>
-              <a:rPr lang="en-GB" sz="2000" dirty="0">
-                <a:latin typeface="Courier New" panose="02070309020205020404" pitchFamily="49" charset="0"/>
-                <a:cs typeface="Courier New" panose="02070309020205020404" pitchFamily="49" charset="0"/>
-              </a:rPr>
-              <a:t>::</a:t>
-            </a:r>
-            <a:r>
-              <a:rPr lang="en-GB" sz="2000" dirty="0" err="1">
-                <a:latin typeface="Courier New" panose="02070309020205020404" pitchFamily="49" charset="0"/>
-                <a:cs typeface="Courier New" panose="02070309020205020404" pitchFamily="49" charset="0"/>
-              </a:rPr>
-              <a:t>install_github</a:t>
-            </a:r>
-            <a:r>
-              <a:rPr lang="en-GB" sz="2000" dirty="0">
-                <a:latin typeface="Courier New" panose="02070309020205020404" pitchFamily="49" charset="0"/>
-                <a:cs typeface="Courier New" panose="02070309020205020404" pitchFamily="49" charset="0"/>
-              </a:rPr>
-              <a:t>("n8thangreen/</a:t>
-            </a:r>
-            <a:r>
-              <a:rPr lang="en-GB" sz="2000" dirty="0" err="1">
-                <a:latin typeface="Courier New" panose="02070309020205020404" pitchFamily="49" charset="0"/>
-                <a:cs typeface="Courier New" panose="02070309020205020404" pitchFamily="49" charset="0"/>
-              </a:rPr>
-              <a:t>dataPakistan</a:t>
-            </a:r>
-            <a:r>
-              <a:rPr lang="en-GB" sz="2000" dirty="0">
-                <a:latin typeface="Courier New" panose="02070309020205020404" pitchFamily="49" charset="0"/>
-                <a:cs typeface="Courier New" panose="02070309020205020404" pitchFamily="49" charset="0"/>
-              </a:rPr>
-              <a:t>")</a:t>
-            </a:r>
-            <a:endParaRPr lang="en-GB" dirty="0">
-              <a:latin typeface="Courier New" panose="02070309020205020404" pitchFamily="49" charset="0"/>
-              <a:cs typeface="Courier New" panose="02070309020205020404" pitchFamily="49" charset="0"/>
-            </a:endParaRPr>
-          </a:p>
-          <a:p>
-            <a:endParaRPr lang="en-GB" dirty="0"/>
-          </a:p>
-          <a:p>
-            <a:r>
-              <a:rPr lang="en-GB" dirty="0"/>
-              <a:t>Load the package with the data in</a:t>
-            </a:r>
-          </a:p>
-          <a:p>
-            <a:pPr marL="0" indent="0">
-              <a:buNone/>
-            </a:pPr>
-            <a:r>
-              <a:rPr lang="en-GB" dirty="0"/>
-              <a:t>	</a:t>
-            </a:r>
-            <a:r>
-              <a:rPr lang="en-GB" sz="2000" dirty="0">
-                <a:latin typeface="Courier New" panose="02070309020205020404" pitchFamily="49" charset="0"/>
-                <a:cs typeface="Courier New" panose="02070309020205020404" pitchFamily="49" charset="0"/>
-              </a:rPr>
-              <a:t>library(</a:t>
-            </a:r>
-            <a:r>
-              <a:rPr lang="en-GB" sz="2000" dirty="0" err="1">
-                <a:latin typeface="Courier New" panose="02070309020205020404" pitchFamily="49" charset="0"/>
-                <a:cs typeface="Courier New" panose="02070309020205020404" pitchFamily="49" charset="0"/>
-              </a:rPr>
-              <a:t>dataPakistan</a:t>
-            </a:r>
-            <a:r>
-              <a:rPr lang="en-GB" sz="2000" dirty="0">
-                <a:latin typeface="Courier New" panose="02070309020205020404" pitchFamily="49" charset="0"/>
-                <a:cs typeface="Courier New" panose="02070309020205020404" pitchFamily="49" charset="0"/>
-              </a:rPr>
-              <a:t>)</a:t>
-            </a:r>
-          </a:p>
-          <a:p>
-            <a:endParaRPr lang="en-GB" dirty="0"/>
-          </a:p>
-          <a:p>
-            <a:r>
-              <a:rPr lang="en-GB" dirty="0"/>
-              <a:t>Take a look at what data is available</a:t>
-            </a:r>
-          </a:p>
-          <a:p>
-            <a:pPr marL="0" indent="0">
-              <a:buNone/>
-            </a:pPr>
-            <a:r>
-              <a:rPr lang="en-GB" dirty="0"/>
-              <a:t>	</a:t>
-            </a:r>
-            <a:r>
-              <a:rPr lang="en-GB" sz="2000" dirty="0" err="1">
-                <a:latin typeface="Courier New" panose="02070309020205020404" pitchFamily="49" charset="0"/>
-                <a:cs typeface="Courier New" panose="02070309020205020404" pitchFamily="49" charset="0"/>
-              </a:rPr>
-              <a:t>system.file</a:t>
-            </a:r>
-            <a:r>
-              <a:rPr lang="en-GB" sz="2000" dirty="0">
-                <a:latin typeface="Courier New" panose="02070309020205020404" pitchFamily="49" charset="0"/>
-                <a:cs typeface="Courier New" panose="02070309020205020404" pitchFamily="49" charset="0"/>
-              </a:rPr>
-              <a:t>("</a:t>
-            </a:r>
-            <a:r>
-              <a:rPr lang="en-GB" sz="2000" dirty="0" err="1">
-                <a:latin typeface="Courier New" panose="02070309020205020404" pitchFamily="49" charset="0"/>
-                <a:cs typeface="Courier New" panose="02070309020205020404" pitchFamily="49" charset="0"/>
-              </a:rPr>
-              <a:t>extdata</a:t>
-            </a:r>
-            <a:r>
-              <a:rPr lang="en-GB" sz="2000" dirty="0">
-                <a:latin typeface="Courier New" panose="02070309020205020404" pitchFamily="49" charset="0"/>
-                <a:cs typeface="Courier New" panose="02070309020205020404" pitchFamily="49" charset="0"/>
-              </a:rPr>
-              <a:t>", package = "</a:t>
-            </a:r>
-            <a:r>
-              <a:rPr lang="en-GB" sz="2000" dirty="0" err="1">
-                <a:latin typeface="Courier New" panose="02070309020205020404" pitchFamily="49" charset="0"/>
-                <a:cs typeface="Courier New" panose="02070309020205020404" pitchFamily="49" charset="0"/>
-              </a:rPr>
-              <a:t>dataPakistan</a:t>
-            </a:r>
-            <a:r>
-              <a:rPr lang="en-GB" sz="2000" dirty="0">
-                <a:latin typeface="Courier New" panose="02070309020205020404" pitchFamily="49" charset="0"/>
-                <a:cs typeface="Courier New" panose="02070309020205020404" pitchFamily="49" charset="0"/>
-              </a:rPr>
-              <a:t>")</a:t>
-            </a:r>
-          </a:p>
-          <a:p>
-            <a:endParaRPr lang="en-GB" dirty="0"/>
-          </a:p>
-        </p:txBody>
-      </p:sp>
-    </p:spTree>
-    <p:extLst>
-      <p:ext uri="{BB962C8B-B14F-4D97-AF65-F5344CB8AC3E}">
-        <p14:creationId xmlns:p14="http://schemas.microsoft.com/office/powerpoint/2010/main" val="1664442370"/>
-      </p:ext>
-    </p:extLst>
-  </p:cSld>
-  <p:clrMapOvr>
-    <a:masterClrMapping/>
-  </p:clrMapOvr>
-</p:sld>
-</file>
-
-<file path=ppt/slides/slide20.xml><?xml version="1.0" encoding="utf-8"?>
-<p:sld xmlns:a="http://schemas.openxmlformats.org/drawingml/2006/main" xmlns:r="http://schemas.openxmlformats.org/officeDocument/2006/relationships" xmlns:p="http://schemas.openxmlformats.org/presentationml/2006/main">
-  <p:cSld>
-    <p:spTree>
-      <p:nvGrpSpPr>
-        <p:cNvPr id="1" name=""/>
-        <p:cNvGrpSpPr/>
-        <p:nvPr/>
-      </p:nvGrpSpPr>
-      <p:grpSpPr>
-        <a:xfrm>
-          <a:off x="0" y="0"/>
-          <a:ext cx="0" cy="0"/>
-          <a:chOff x="0" y="0"/>
-          <a:chExt cx="0" cy="0"/>
-        </a:xfrm>
-      </p:grpSpPr>
-      <p:sp>
-        <p:nvSpPr>
-          <p:cNvPr id="2" name="Title 1">
-            <a:extLst>
-              <a:ext uri="{FF2B5EF4-FFF2-40B4-BE49-F238E27FC236}">
-                <a16:creationId xmlns:a16="http://schemas.microsoft.com/office/drawing/2014/main" id="{980B2D57-CCBF-4EDC-998F-C72B540C3777}"/>
-              </a:ext>
-            </a:extLst>
-          </p:cNvPr>
-          <p:cNvSpPr>
-            <a:spLocks noGrp="1"/>
-          </p:cNvSpPr>
-          <p:nvPr>
-            <p:ph type="title"/>
-          </p:nvPr>
-        </p:nvSpPr>
-        <p:spPr/>
-        <p:txBody>
-          <a:bodyPr/>
-          <a:lstStyle/>
-          <a:p>
-            <a:endParaRPr lang="en-GB"/>
-          </a:p>
-        </p:txBody>
-      </p:sp>
-      <p:sp>
-        <p:nvSpPr>
-          <p:cNvPr id="3" name="Content Placeholder 2">
-            <a:extLst>
-              <a:ext uri="{FF2B5EF4-FFF2-40B4-BE49-F238E27FC236}">
-                <a16:creationId xmlns:a16="http://schemas.microsoft.com/office/drawing/2014/main" id="{B4AEFC55-265E-4FF8-BA7C-B46705CB55FD}"/>
-              </a:ext>
-            </a:extLst>
-          </p:cNvPr>
-          <p:cNvSpPr>
-            <a:spLocks noGrp="1"/>
-          </p:cNvSpPr>
-          <p:nvPr>
-            <p:ph idx="1"/>
-          </p:nvPr>
-        </p:nvSpPr>
-        <p:spPr/>
-        <p:txBody>
-          <a:bodyPr/>
-          <a:lstStyle/>
-          <a:p>
-            <a:endParaRPr lang="en-GB"/>
-          </a:p>
-        </p:txBody>
-      </p:sp>
-    </p:spTree>
-    <p:extLst>
-      <p:ext uri="{BB962C8B-B14F-4D97-AF65-F5344CB8AC3E}">
-        <p14:creationId xmlns:p14="http://schemas.microsoft.com/office/powerpoint/2010/main" val="1477933798"/>
-      </p:ext>
-    </p:extLst>
-  </p:cSld>
-  <p:clrMapOvr>
-    <a:masterClrMapping/>
-  </p:clrMapOvr>
-</p:sld>
-</file>
-
-<file path=ppt/slides/slide21.xml><?xml version="1.0" encoding="utf-8"?>
-<p:sld xmlns:a="http://schemas.openxmlformats.org/drawingml/2006/main" xmlns:r="http://schemas.openxmlformats.org/officeDocument/2006/relationships" xmlns:p="http://schemas.openxmlformats.org/presentationml/2006/main">
-  <p:cSld>
-    <p:spTree>
-      <p:nvGrpSpPr>
-        <p:cNvPr id="1" name=""/>
-        <p:cNvGrpSpPr/>
-        <p:nvPr/>
-      </p:nvGrpSpPr>
-      <p:grpSpPr>
-        <a:xfrm>
-          <a:off x="0" y="0"/>
-          <a:ext cx="0" cy="0"/>
-          <a:chOff x="0" y="0"/>
-          <a:chExt cx="0" cy="0"/>
-        </a:xfrm>
-      </p:grpSpPr>
-      <p:sp>
-        <p:nvSpPr>
-          <p:cNvPr id="2" name="Title 1">
-            <a:extLst>
-              <a:ext uri="{FF2B5EF4-FFF2-40B4-BE49-F238E27FC236}">
-                <a16:creationId xmlns:a16="http://schemas.microsoft.com/office/drawing/2014/main" id="{743F2512-6428-4A0A-BB0A-100D2B95A804}"/>
-              </a:ext>
-            </a:extLst>
-          </p:cNvPr>
-          <p:cNvSpPr>
-            <a:spLocks noGrp="1"/>
-          </p:cNvSpPr>
-          <p:nvPr>
-            <p:ph type="title"/>
-          </p:nvPr>
-        </p:nvSpPr>
-        <p:spPr/>
-        <p:txBody>
-          <a:bodyPr/>
-          <a:lstStyle/>
-          <a:p>
-            <a:endParaRPr lang="en-GB"/>
-          </a:p>
-        </p:txBody>
-      </p:sp>
-      <p:sp>
-        <p:nvSpPr>
-          <p:cNvPr id="3" name="Content Placeholder 2">
-            <a:extLst>
-              <a:ext uri="{FF2B5EF4-FFF2-40B4-BE49-F238E27FC236}">
-                <a16:creationId xmlns:a16="http://schemas.microsoft.com/office/drawing/2014/main" id="{0C9D1BF1-88D5-4AA7-9599-009A36935B64}"/>
-              </a:ext>
-            </a:extLst>
-          </p:cNvPr>
-          <p:cNvSpPr>
-            <a:spLocks noGrp="1"/>
-          </p:cNvSpPr>
-          <p:nvPr>
-            <p:ph idx="1"/>
-          </p:nvPr>
-        </p:nvSpPr>
-        <p:spPr/>
-        <p:txBody>
-          <a:bodyPr/>
-          <a:lstStyle/>
-          <a:p>
-            <a:endParaRPr lang="en-GB"/>
-          </a:p>
-        </p:txBody>
-      </p:sp>
-    </p:spTree>
-    <p:extLst>
-      <p:ext uri="{BB962C8B-B14F-4D97-AF65-F5344CB8AC3E}">
-        <p14:creationId xmlns:p14="http://schemas.microsoft.com/office/powerpoint/2010/main" val="3185077588"/>
-      </p:ext>
-    </p:extLst>
-  </p:cSld>
-  <p:clrMapOvr>
-    <a:masterClrMapping/>
-  </p:clrMapOvr>
-</p:sld>
-</file>
-
-<file path=ppt/slides/slide22.xml><?xml version="1.0" encoding="utf-8"?>
-<p:sld xmlns:a="http://schemas.openxmlformats.org/drawingml/2006/main" xmlns:r="http://schemas.openxmlformats.org/officeDocument/2006/relationships" xmlns:p="http://schemas.openxmlformats.org/presentationml/2006/main">
-  <p:cSld>
-    <p:spTree>
-      <p:nvGrpSpPr>
-        <p:cNvPr id="1" name=""/>
-        <p:cNvGrpSpPr/>
-        <p:nvPr/>
-      </p:nvGrpSpPr>
-      <p:grpSpPr>
-        <a:xfrm>
-          <a:off x="0" y="0"/>
-          <a:ext cx="0" cy="0"/>
-          <a:chOff x="0" y="0"/>
-          <a:chExt cx="0" cy="0"/>
-        </a:xfrm>
-      </p:grpSpPr>
-      <p:sp>
-        <p:nvSpPr>
-          <p:cNvPr id="2" name="Title 1">
-            <a:extLst>
-              <a:ext uri="{FF2B5EF4-FFF2-40B4-BE49-F238E27FC236}">
-                <a16:creationId xmlns:a16="http://schemas.microsoft.com/office/drawing/2014/main" id="{68E99EA5-142C-45DC-B153-9D60BD29C429}"/>
-              </a:ext>
-            </a:extLst>
-          </p:cNvPr>
-          <p:cNvSpPr>
-            <a:spLocks noGrp="1"/>
-          </p:cNvSpPr>
-          <p:nvPr>
-            <p:ph type="title"/>
-          </p:nvPr>
-        </p:nvSpPr>
-        <p:spPr/>
-        <p:txBody>
-          <a:bodyPr/>
-          <a:lstStyle/>
-          <a:p>
-            <a:endParaRPr lang="en-GB"/>
-          </a:p>
-        </p:txBody>
-      </p:sp>
-      <p:sp>
-        <p:nvSpPr>
-          <p:cNvPr id="3" name="Content Placeholder 2">
-            <a:extLst>
-              <a:ext uri="{FF2B5EF4-FFF2-40B4-BE49-F238E27FC236}">
-                <a16:creationId xmlns:a16="http://schemas.microsoft.com/office/drawing/2014/main" id="{595A0049-23F7-4BA8-BD2B-4135760B1B60}"/>
-              </a:ext>
-            </a:extLst>
-          </p:cNvPr>
-          <p:cNvSpPr>
-            <a:spLocks noGrp="1"/>
-          </p:cNvSpPr>
-          <p:nvPr>
-            <p:ph idx="1"/>
-          </p:nvPr>
-        </p:nvSpPr>
-        <p:spPr/>
-        <p:txBody>
-          <a:bodyPr/>
-          <a:lstStyle/>
-          <a:p>
-            <a:endParaRPr lang="en-GB"/>
-          </a:p>
-        </p:txBody>
-      </p:sp>
-    </p:spTree>
-    <p:extLst>
-      <p:ext uri="{BB962C8B-B14F-4D97-AF65-F5344CB8AC3E}">
-        <p14:creationId xmlns:p14="http://schemas.microsoft.com/office/powerpoint/2010/main" val="2562789715"/>
-      </p:ext>
-    </p:extLst>
-  </p:cSld>
-  <p:clrMapOvr>
-    <a:masterClrMapping/>
-  </p:clrMapOvr>
-</p:sld>
-</file>
-
-<file path=ppt/slides/slide23.xml><?xml version="1.0" encoding="utf-8"?>
-<p:sld xmlns:a="http://schemas.openxmlformats.org/drawingml/2006/main" xmlns:r="http://schemas.openxmlformats.org/officeDocument/2006/relationships" xmlns:p="http://schemas.openxmlformats.org/presentationml/2006/main">
-  <p:cSld>
-    <p:spTree>
-      <p:nvGrpSpPr>
-        <p:cNvPr id="1" name=""/>
-        <p:cNvGrpSpPr/>
-        <p:nvPr/>
-      </p:nvGrpSpPr>
-      <p:grpSpPr>
-        <a:xfrm>
-          <a:off x="0" y="0"/>
-          <a:ext cx="0" cy="0"/>
-          <a:chOff x="0" y="0"/>
-          <a:chExt cx="0" cy="0"/>
-        </a:xfrm>
-      </p:grpSpPr>
-      <p:sp>
-        <p:nvSpPr>
-          <p:cNvPr id="2" name="Title 1">
-            <a:extLst>
-              <a:ext uri="{FF2B5EF4-FFF2-40B4-BE49-F238E27FC236}">
-                <a16:creationId xmlns:a16="http://schemas.microsoft.com/office/drawing/2014/main" id="{6C9842E8-99C9-4FF6-9A4F-10C8D52A03B8}"/>
-              </a:ext>
-            </a:extLst>
-          </p:cNvPr>
-          <p:cNvSpPr>
-            <a:spLocks noGrp="1"/>
-          </p:cNvSpPr>
-          <p:nvPr>
-            <p:ph type="title"/>
-          </p:nvPr>
-        </p:nvSpPr>
-        <p:spPr/>
-        <p:txBody>
-          <a:bodyPr/>
-          <a:lstStyle/>
-          <a:p>
-            <a:endParaRPr lang="en-GB"/>
-          </a:p>
-        </p:txBody>
-      </p:sp>
-      <p:sp>
-        <p:nvSpPr>
-          <p:cNvPr id="3" name="Content Placeholder 2">
-            <a:extLst>
-              <a:ext uri="{FF2B5EF4-FFF2-40B4-BE49-F238E27FC236}">
-                <a16:creationId xmlns:a16="http://schemas.microsoft.com/office/drawing/2014/main" id="{C2F7F715-EB1E-40E5-9560-8E2AC80F697C}"/>
-              </a:ext>
-            </a:extLst>
-          </p:cNvPr>
-          <p:cNvSpPr>
-            <a:spLocks noGrp="1"/>
-          </p:cNvSpPr>
-          <p:nvPr>
-            <p:ph idx="1"/>
-          </p:nvPr>
-        </p:nvSpPr>
-        <p:spPr/>
-        <p:txBody>
-          <a:bodyPr/>
-          <a:lstStyle/>
-          <a:p>
-            <a:endParaRPr lang="en-GB"/>
-          </a:p>
-        </p:txBody>
-      </p:sp>
-    </p:spTree>
-    <p:extLst>
-      <p:ext uri="{BB962C8B-B14F-4D97-AF65-F5344CB8AC3E}">
-        <p14:creationId xmlns:p14="http://schemas.microsoft.com/office/powerpoint/2010/main" val="3296392017"/>
-      </p:ext>
-    </p:extLst>
-  </p:cSld>
-  <p:clrMapOvr>
-    <a:masterClrMapping/>
-  </p:clrMapOvr>
-</p:sld>
-</file>
-
-<file path=ppt/slides/slide24.xml><?xml version="1.0" encoding="utf-8"?>
-<p:sld xmlns:a="http://schemas.openxmlformats.org/drawingml/2006/main" xmlns:r="http://schemas.openxmlformats.org/officeDocument/2006/relationships" xmlns:p="http://schemas.openxmlformats.org/presentationml/2006/main">
-  <p:cSld>
-    <p:spTree>
-      <p:nvGrpSpPr>
-        <p:cNvPr id="1" name=""/>
-        <p:cNvGrpSpPr/>
-        <p:nvPr/>
-      </p:nvGrpSpPr>
-      <p:grpSpPr>
-        <a:xfrm>
-          <a:off x="0" y="0"/>
-          <a:ext cx="0" cy="0"/>
-          <a:chOff x="0" y="0"/>
-          <a:chExt cx="0" cy="0"/>
-        </a:xfrm>
-      </p:grpSpPr>
-      <p:sp>
-        <p:nvSpPr>
-          <p:cNvPr id="2" name="Title 1">
-            <a:extLst>
-              <a:ext uri="{FF2B5EF4-FFF2-40B4-BE49-F238E27FC236}">
-                <a16:creationId xmlns:a16="http://schemas.microsoft.com/office/drawing/2014/main" id="{8E8728A9-A253-44C7-B639-45728FA3CCFA}"/>
-              </a:ext>
-            </a:extLst>
-          </p:cNvPr>
-          <p:cNvSpPr>
-            <a:spLocks noGrp="1"/>
-          </p:cNvSpPr>
-          <p:nvPr>
-            <p:ph type="title"/>
-          </p:nvPr>
-        </p:nvSpPr>
-        <p:spPr/>
-        <p:txBody>
-          <a:bodyPr/>
-          <a:lstStyle/>
-          <a:p>
-            <a:endParaRPr lang="en-GB"/>
-          </a:p>
-        </p:txBody>
-      </p:sp>
-      <p:sp>
-        <p:nvSpPr>
-          <p:cNvPr id="3" name="Content Placeholder 2">
-            <a:extLst>
-              <a:ext uri="{FF2B5EF4-FFF2-40B4-BE49-F238E27FC236}">
-                <a16:creationId xmlns:a16="http://schemas.microsoft.com/office/drawing/2014/main" id="{FD5194D5-3CC7-4821-A957-8710DAD75611}"/>
-              </a:ext>
-            </a:extLst>
-          </p:cNvPr>
-          <p:cNvSpPr>
-            <a:spLocks noGrp="1"/>
-          </p:cNvSpPr>
-          <p:nvPr>
-            <p:ph idx="1"/>
-          </p:nvPr>
-        </p:nvSpPr>
-        <p:spPr/>
-        <p:txBody>
-          <a:bodyPr/>
-          <a:lstStyle/>
-          <a:p>
-            <a:endParaRPr lang="en-GB"/>
-          </a:p>
-        </p:txBody>
-      </p:sp>
-    </p:spTree>
-    <p:extLst>
-      <p:ext uri="{BB962C8B-B14F-4D97-AF65-F5344CB8AC3E}">
-        <p14:creationId xmlns:p14="http://schemas.microsoft.com/office/powerpoint/2010/main" val="607887933"/>
-      </p:ext>
-    </p:extLst>
-  </p:cSld>
-  <p:clrMapOvr>
-    <a:masterClrMapping/>
-  </p:clrMapOvr>
-</p:sld>
-</file>
-
-<file path=ppt/slides/slide25.xml><?xml version="1.0" encoding="utf-8"?>
-<p:sld xmlns:a="http://schemas.openxmlformats.org/drawingml/2006/main" xmlns:r="http://schemas.openxmlformats.org/officeDocument/2006/relationships" xmlns:p="http://schemas.openxmlformats.org/presentationml/2006/main">
-  <p:cSld>
-    <p:spTree>
-      <p:nvGrpSpPr>
-        <p:cNvPr id="1" name=""/>
-        <p:cNvGrpSpPr/>
-        <p:nvPr/>
-      </p:nvGrpSpPr>
-      <p:grpSpPr>
-        <a:xfrm>
-          <a:off x="0" y="0"/>
-          <a:ext cx="0" cy="0"/>
-          <a:chOff x="0" y="0"/>
-          <a:chExt cx="0" cy="0"/>
-        </a:xfrm>
-      </p:grpSpPr>
-      <p:sp>
-        <p:nvSpPr>
-          <p:cNvPr id="2" name="Title 1">
-            <a:extLst>
-              <a:ext uri="{FF2B5EF4-FFF2-40B4-BE49-F238E27FC236}">
-                <a16:creationId xmlns:a16="http://schemas.microsoft.com/office/drawing/2014/main" id="{5AC4ECE8-81B3-42B3-A876-08FA56F262CE}"/>
-              </a:ext>
-            </a:extLst>
-          </p:cNvPr>
-          <p:cNvSpPr>
-            <a:spLocks noGrp="1"/>
-          </p:cNvSpPr>
-          <p:nvPr>
-            <p:ph type="title"/>
-          </p:nvPr>
-        </p:nvSpPr>
-        <p:spPr/>
-        <p:txBody>
-          <a:bodyPr/>
-          <a:lstStyle/>
-          <a:p>
-            <a:endParaRPr lang="en-GB"/>
-          </a:p>
-        </p:txBody>
-      </p:sp>
-      <p:sp>
-        <p:nvSpPr>
-          <p:cNvPr id="3" name="Content Placeholder 2">
-            <a:extLst>
-              <a:ext uri="{FF2B5EF4-FFF2-40B4-BE49-F238E27FC236}">
-                <a16:creationId xmlns:a16="http://schemas.microsoft.com/office/drawing/2014/main" id="{4A2F5412-E037-4D71-83A1-73B123899047}"/>
-              </a:ext>
-            </a:extLst>
-          </p:cNvPr>
-          <p:cNvSpPr>
-            <a:spLocks noGrp="1"/>
-          </p:cNvSpPr>
-          <p:nvPr>
-            <p:ph idx="1"/>
-          </p:nvPr>
-        </p:nvSpPr>
-        <p:spPr/>
-        <p:txBody>
-          <a:bodyPr/>
-          <a:lstStyle/>
-          <a:p>
-            <a:endParaRPr lang="en-GB"/>
-          </a:p>
-        </p:txBody>
-      </p:sp>
-    </p:spTree>
-    <p:extLst>
-      <p:ext uri="{BB962C8B-B14F-4D97-AF65-F5344CB8AC3E}">
-        <p14:creationId xmlns:p14="http://schemas.microsoft.com/office/powerpoint/2010/main" val="2187121231"/>
-      </p:ext>
-    </p:extLst>
-  </p:cSld>
-  <p:clrMapOvr>
-    <a:masterClrMapping/>
-  </p:clrMapOvr>
-</p:sld>
-</file>
-
-<file path=ppt/slides/slide26.xml><?xml version="1.0" encoding="utf-8"?>
-<p:sld xmlns:a="http://schemas.openxmlformats.org/drawingml/2006/main" xmlns:r="http://schemas.openxmlformats.org/officeDocument/2006/relationships" xmlns:p="http://schemas.openxmlformats.org/presentationml/2006/main">
-  <p:cSld>
-    <p:spTree>
-      <p:nvGrpSpPr>
-        <p:cNvPr id="1" name=""/>
-        <p:cNvGrpSpPr/>
-        <p:nvPr/>
-      </p:nvGrpSpPr>
-      <p:grpSpPr>
-        <a:xfrm>
-          <a:off x="0" y="0"/>
-          <a:ext cx="0" cy="0"/>
-          <a:chOff x="0" y="0"/>
-          <a:chExt cx="0" cy="0"/>
-        </a:xfrm>
-      </p:grpSpPr>
-      <p:sp>
-        <p:nvSpPr>
-          <p:cNvPr id="2" name="Title 1">
-            <a:extLst>
-              <a:ext uri="{FF2B5EF4-FFF2-40B4-BE49-F238E27FC236}">
-                <a16:creationId xmlns:a16="http://schemas.microsoft.com/office/drawing/2014/main" id="{5E7EDC7E-EDE8-4F88-A277-B87BC8DF2154}"/>
-              </a:ext>
-            </a:extLst>
-          </p:cNvPr>
-          <p:cNvSpPr>
-            <a:spLocks noGrp="1"/>
-          </p:cNvSpPr>
-          <p:nvPr>
-            <p:ph type="title"/>
-          </p:nvPr>
-        </p:nvSpPr>
-        <p:spPr/>
-        <p:txBody>
-          <a:bodyPr/>
-          <a:lstStyle/>
-          <a:p>
-            <a:r>
-              <a:rPr lang="en-GB" dirty="0"/>
-              <a:t>Exporting (saving) figures in file</a:t>
-            </a:r>
-          </a:p>
-        </p:txBody>
-      </p:sp>
-      <p:sp>
-        <p:nvSpPr>
-          <p:cNvPr id="3" name="Content Placeholder 2">
-            <a:extLst>
-              <a:ext uri="{FF2B5EF4-FFF2-40B4-BE49-F238E27FC236}">
-                <a16:creationId xmlns:a16="http://schemas.microsoft.com/office/drawing/2014/main" id="{BC553207-7F88-4E7C-9E65-D5EF2F0FF598}"/>
-              </a:ext>
-            </a:extLst>
-          </p:cNvPr>
-          <p:cNvSpPr>
-            <a:spLocks noGrp="1"/>
-          </p:cNvSpPr>
-          <p:nvPr>
-            <p:ph idx="1"/>
-          </p:nvPr>
-        </p:nvSpPr>
-        <p:spPr/>
-        <p:txBody>
-          <a:bodyPr>
-            <a:normAutofit/>
-          </a:bodyPr>
-          <a:lstStyle/>
-          <a:p>
-            <a:r>
-              <a:rPr lang="en-GB" dirty="0"/>
-              <a:t>There are two ways in which figures and plots can be output to a file (rather than simply displaying on screen).</a:t>
-            </a:r>
-          </a:p>
-          <a:p>
-            <a:pPr marL="0" indent="0">
-              <a:buNone/>
-            </a:pPr>
-            <a:r>
-              <a:rPr lang="en-GB" dirty="0"/>
-              <a:t>1. (easiest) is to export directly from the RStudio ‘Plots’ panel, by clicking on Export when the image is plotted. This will give you the option of </a:t>
-            </a:r>
-            <a:r>
-              <a:rPr lang="en-GB" dirty="0" err="1"/>
-              <a:t>png</a:t>
-            </a:r>
-            <a:r>
-              <a:rPr lang="en-GB" dirty="0"/>
-              <a:t> or pdf and selecting the directory to which you wish to save it to. It will also give you options to dictate the size and resolution of the output image.</a:t>
-            </a:r>
-          </a:p>
-        </p:txBody>
-      </p:sp>
-    </p:spTree>
-    <p:extLst>
-      <p:ext uri="{BB962C8B-B14F-4D97-AF65-F5344CB8AC3E}">
-        <p14:creationId xmlns:p14="http://schemas.microsoft.com/office/powerpoint/2010/main" val="1328726575"/>
-      </p:ext>
-    </p:extLst>
-  </p:cSld>
-  <p:clrMapOvr>
-    <a:masterClrMapping/>
-  </p:clrMapOvr>
-</p:sld>
-</file>
-
-<file path=ppt/slides/slide27.xml><?xml version="1.0" encoding="utf-8"?>
-<p:sld xmlns:a="http://schemas.openxmlformats.org/drawingml/2006/main" xmlns:r="http://schemas.openxmlformats.org/officeDocument/2006/relationships" xmlns:p="http://schemas.openxmlformats.org/presentationml/2006/main">
-  <p:cSld>
-    <p:spTree>
-      <p:nvGrpSpPr>
-        <p:cNvPr id="1" name=""/>
-        <p:cNvGrpSpPr/>
-        <p:nvPr/>
-      </p:nvGrpSpPr>
-      <p:grpSpPr>
-        <a:xfrm>
-          <a:off x="0" y="0"/>
-          <a:ext cx="0" cy="0"/>
-          <a:chOff x="0" y="0"/>
-          <a:chExt cx="0" cy="0"/>
-        </a:xfrm>
-      </p:grpSpPr>
-      <p:sp>
-        <p:nvSpPr>
-          <p:cNvPr id="2" name="Title 1">
-            <a:extLst>
-              <a:ext uri="{FF2B5EF4-FFF2-40B4-BE49-F238E27FC236}">
-                <a16:creationId xmlns:a16="http://schemas.microsoft.com/office/drawing/2014/main" id="{FCB4F7C4-0479-4129-960B-467EC7C60762}"/>
-              </a:ext>
-            </a:extLst>
-          </p:cNvPr>
-          <p:cNvSpPr>
-            <a:spLocks noGrp="1"/>
-          </p:cNvSpPr>
-          <p:nvPr>
-            <p:ph type="title"/>
-          </p:nvPr>
-        </p:nvSpPr>
-        <p:spPr/>
-        <p:txBody>
-          <a:bodyPr/>
-          <a:lstStyle/>
-          <a:p>
-            <a:endParaRPr lang="en-GB"/>
-          </a:p>
-        </p:txBody>
-      </p:sp>
-      <p:sp>
-        <p:nvSpPr>
-          <p:cNvPr id="3" name="Content Placeholder 2">
-            <a:extLst>
-              <a:ext uri="{FF2B5EF4-FFF2-40B4-BE49-F238E27FC236}">
-                <a16:creationId xmlns:a16="http://schemas.microsoft.com/office/drawing/2014/main" id="{921A5035-9B53-4F06-94D9-10814B285CDD}"/>
-              </a:ext>
-            </a:extLst>
-          </p:cNvPr>
-          <p:cNvSpPr>
-            <a:spLocks noGrp="1"/>
-          </p:cNvSpPr>
-          <p:nvPr>
-            <p:ph idx="1"/>
-          </p:nvPr>
-        </p:nvSpPr>
-        <p:spPr/>
-        <p:txBody>
-          <a:bodyPr/>
-          <a:lstStyle/>
-          <a:p>
-            <a:pPr marL="0" indent="0">
-              <a:buNone/>
-            </a:pPr>
-            <a:r>
-              <a:rPr lang="en-GB" dirty="0"/>
-              <a:t>2. Use R functions and have the write to file hard-coded in to your script.</a:t>
-            </a:r>
-          </a:p>
-          <a:p>
-            <a:pPr marL="0" indent="0">
-              <a:buNone/>
-            </a:pPr>
-            <a:r>
-              <a:rPr lang="en-GB" dirty="0"/>
-              <a:t>This would allow you to run the script from start to finish and automate the process (not requiring human point-and-click actions to save). In R’s terminology, output is directed to a particular output device and that dictates the output format that will be produced. A device must be created or “opened” in order to receive graphical output and, for devices that create a file on disk, the device must also be closed in order to complete the output.</a:t>
-            </a:r>
-          </a:p>
-          <a:p>
-            <a:endParaRPr lang="en-GB" dirty="0"/>
-          </a:p>
-        </p:txBody>
-      </p:sp>
-    </p:spTree>
-    <p:extLst>
-      <p:ext uri="{BB962C8B-B14F-4D97-AF65-F5344CB8AC3E}">
-        <p14:creationId xmlns:p14="http://schemas.microsoft.com/office/powerpoint/2010/main" val="1294231726"/>
-      </p:ext>
-    </p:extLst>
-  </p:cSld>
-  <p:clrMapOvr>
-    <a:masterClrMapping/>
-  </p:clrMapOvr>
-</p:sld>
-</file>
-
-<file path=ppt/slides/slide28.xml><?xml version="1.0" encoding="utf-8"?>
-<p:sld xmlns:a="http://schemas.openxmlformats.org/drawingml/2006/main" xmlns:r="http://schemas.openxmlformats.org/officeDocument/2006/relationships" xmlns:p="http://schemas.openxmlformats.org/presentationml/2006/main">
-  <p:cSld>
-    <p:spTree>
-      <p:nvGrpSpPr>
-        <p:cNvPr id="1" name=""/>
-        <p:cNvGrpSpPr/>
-        <p:nvPr/>
-      </p:nvGrpSpPr>
-      <p:grpSpPr>
-        <a:xfrm>
-          <a:off x="0" y="0"/>
-          <a:ext cx="0" cy="0"/>
-          <a:chOff x="0" y="0"/>
-          <a:chExt cx="0" cy="0"/>
-        </a:xfrm>
-      </p:grpSpPr>
-      <p:sp>
-        <p:nvSpPr>
-          <p:cNvPr id="2" name="Title 1">
-            <a:extLst>
-              <a:ext uri="{FF2B5EF4-FFF2-40B4-BE49-F238E27FC236}">
-                <a16:creationId xmlns:a16="http://schemas.microsoft.com/office/drawing/2014/main" id="{70B23060-83CA-4475-B412-EBB202948BAC}"/>
-              </a:ext>
-            </a:extLst>
-          </p:cNvPr>
-          <p:cNvSpPr>
-            <a:spLocks noGrp="1"/>
-          </p:cNvSpPr>
-          <p:nvPr>
-            <p:ph type="title"/>
-          </p:nvPr>
-        </p:nvSpPr>
-        <p:spPr/>
-        <p:txBody>
-          <a:bodyPr/>
-          <a:lstStyle/>
-          <a:p>
-            <a:endParaRPr lang="en-GB" dirty="0"/>
-          </a:p>
-        </p:txBody>
-      </p:sp>
-      <p:sp>
-        <p:nvSpPr>
-          <p:cNvPr id="3" name="Content Placeholder 2">
-            <a:extLst>
-              <a:ext uri="{FF2B5EF4-FFF2-40B4-BE49-F238E27FC236}">
-                <a16:creationId xmlns:a16="http://schemas.microsoft.com/office/drawing/2014/main" id="{8176B841-6050-413C-BDEE-EC894C74CF84}"/>
-              </a:ext>
-            </a:extLst>
-          </p:cNvPr>
-          <p:cNvSpPr>
-            <a:spLocks noGrp="1"/>
-          </p:cNvSpPr>
-          <p:nvPr>
-            <p:ph idx="1"/>
-          </p:nvPr>
-        </p:nvSpPr>
-        <p:spPr/>
-        <p:txBody>
-          <a:bodyPr/>
-          <a:lstStyle/>
-          <a:p>
-            <a:r>
-              <a:rPr lang="en-GB" dirty="0"/>
-              <a:t>1. initialize a plot using a function which specifies the graphical format you intend on creating i.e.pdf(), </a:t>
-            </a:r>
-            <a:r>
-              <a:rPr lang="en-GB" dirty="0" err="1"/>
-              <a:t>png</a:t>
-            </a:r>
-            <a:r>
-              <a:rPr lang="en-GB" dirty="0"/>
-              <a:t>(), tiff() etc. Within the function you will need to specify a name for your image, and the with and height (optional). This will open up the device that you wish to write to:</a:t>
-            </a:r>
-          </a:p>
-        </p:txBody>
-      </p:sp>
-      <p:pic>
-        <p:nvPicPr>
-          <p:cNvPr id="4" name="Picture 3">
-            <a:extLst>
-              <a:ext uri="{FF2B5EF4-FFF2-40B4-BE49-F238E27FC236}">
-                <a16:creationId xmlns:a16="http://schemas.microsoft.com/office/drawing/2014/main" id="{B1FFCB7A-ED4C-45B9-B515-62CF9142C075}"/>
-              </a:ext>
-            </a:extLst>
-          </p:cNvPr>
-          <p:cNvPicPr>
-            <a:picLocks noChangeAspect="1"/>
-          </p:cNvPicPr>
-          <p:nvPr/>
-        </p:nvPicPr>
-        <p:blipFill>
-          <a:blip r:embed="rId2"/>
-          <a:stretch>
-            <a:fillRect/>
-          </a:stretch>
-        </p:blipFill>
-        <p:spPr>
-          <a:xfrm>
-            <a:off x="3314688" y="4105102"/>
-            <a:ext cx="5562623" cy="1215044"/>
-          </a:xfrm>
-          <a:prstGeom prst="rect">
-            <a:avLst/>
-          </a:prstGeom>
-        </p:spPr>
-      </p:pic>
-    </p:spTree>
-    <p:extLst>
-      <p:ext uri="{BB962C8B-B14F-4D97-AF65-F5344CB8AC3E}">
-        <p14:creationId xmlns:p14="http://schemas.microsoft.com/office/powerpoint/2010/main" val="2883748674"/>
-      </p:ext>
-    </p:extLst>
-  </p:cSld>
-  <p:clrMapOvr>
-    <a:masterClrMapping/>
-  </p:clrMapOvr>
-</p:sld>
-</file>
-
-<file path=ppt/slides/slide29.xml><?xml version="1.0" encoding="utf-8"?>
-<p:sld xmlns:a="http://schemas.openxmlformats.org/drawingml/2006/main" xmlns:r="http://schemas.openxmlformats.org/officeDocument/2006/relationships" xmlns:p="http://schemas.openxmlformats.org/presentationml/2006/main">
-  <p:cSld>
-    <p:spTree>
-      <p:nvGrpSpPr>
-        <p:cNvPr id="1" name=""/>
-        <p:cNvGrpSpPr/>
-        <p:nvPr/>
-      </p:nvGrpSpPr>
-      <p:grpSpPr>
-        <a:xfrm>
-          <a:off x="0" y="0"/>
-          <a:ext cx="0" cy="0"/>
-          <a:chOff x="0" y="0"/>
-          <a:chExt cx="0" cy="0"/>
-        </a:xfrm>
-      </p:grpSpPr>
-      <p:sp>
-        <p:nvSpPr>
-          <p:cNvPr id="2" name="Title 1">
-            <a:extLst>
-              <a:ext uri="{FF2B5EF4-FFF2-40B4-BE49-F238E27FC236}">
-                <a16:creationId xmlns:a16="http://schemas.microsoft.com/office/drawing/2014/main" id="{6C703A84-CD54-4396-8E82-33181C2D1FC9}"/>
-              </a:ext>
-            </a:extLst>
-          </p:cNvPr>
-          <p:cNvSpPr>
-            <a:spLocks noGrp="1"/>
-          </p:cNvSpPr>
-          <p:nvPr>
-            <p:ph type="title"/>
-          </p:nvPr>
-        </p:nvSpPr>
-        <p:spPr/>
-        <p:txBody>
-          <a:bodyPr/>
-          <a:lstStyle/>
-          <a:p>
-            <a:endParaRPr lang="en-GB"/>
-          </a:p>
-        </p:txBody>
-      </p:sp>
-      <p:sp>
-        <p:nvSpPr>
-          <p:cNvPr id="3" name="Content Placeholder 2">
-            <a:extLst>
-              <a:ext uri="{FF2B5EF4-FFF2-40B4-BE49-F238E27FC236}">
-                <a16:creationId xmlns:a16="http://schemas.microsoft.com/office/drawing/2014/main" id="{B6E2F96B-FCB9-4E84-B09F-F3FC8A4DA0AA}"/>
-              </a:ext>
-            </a:extLst>
-          </p:cNvPr>
-          <p:cNvSpPr>
-            <a:spLocks noGrp="1"/>
-          </p:cNvSpPr>
-          <p:nvPr>
-            <p:ph idx="1"/>
-          </p:nvPr>
-        </p:nvSpPr>
-        <p:spPr/>
-        <p:txBody>
-          <a:bodyPr/>
-          <a:lstStyle/>
-          <a:p>
-            <a:r>
-              <a:rPr lang="en-GB" dirty="0"/>
-              <a:t>If you wish to modify the size and resolution of the image you will need to add in the appropriate parameters as arguments to the function when you initialize. Then we plot the image to the device, using the </a:t>
-            </a:r>
-            <a:r>
-              <a:rPr lang="en-GB" dirty="0" err="1"/>
-              <a:t>ggplot</a:t>
-            </a:r>
-            <a:r>
-              <a:rPr lang="en-GB" dirty="0"/>
-              <a:t> scatterplot that we just created.</a:t>
-            </a:r>
-          </a:p>
-          <a:p>
-            <a:endParaRPr lang="en-GB" dirty="0"/>
-          </a:p>
-          <a:p>
-            <a:r>
-              <a:rPr lang="en-GB" dirty="0" err="1"/>
-              <a:t>Eg</a:t>
-            </a:r>
-            <a:r>
-              <a:rPr lang="en-GB" dirty="0"/>
-              <a:t> plot(</a:t>
-            </a:r>
-            <a:r>
-              <a:rPr lang="en-GB" dirty="0" err="1"/>
-              <a:t>x,y</a:t>
-            </a:r>
-            <a:r>
-              <a:rPr lang="en-GB" dirty="0"/>
-              <a:t>)</a:t>
-            </a:r>
-          </a:p>
-        </p:txBody>
-      </p:sp>
-    </p:spTree>
-    <p:extLst>
-      <p:ext uri="{BB962C8B-B14F-4D97-AF65-F5344CB8AC3E}">
-        <p14:creationId xmlns:p14="http://schemas.microsoft.com/office/powerpoint/2010/main" val="294624296"/>
-      </p:ext>
-    </p:extLst>
-  </p:cSld>
-  <p:clrMapOvr>
-    <a:masterClrMapping/>
-  </p:clrMapOvr>
-</p:sld>
-</file>
-
-<file path=ppt/slides/slide3.xml><?xml version="1.0" encoding="utf-8"?>
-<p:sld xmlns:a="http://schemas.openxmlformats.org/drawingml/2006/main" xmlns:r="http://schemas.openxmlformats.org/officeDocument/2006/relationships" xmlns:p="http://schemas.openxmlformats.org/presentationml/2006/main">
-  <p:cSld>
-    <p:spTree>
-      <p:nvGrpSpPr>
-        <p:cNvPr id="1" name=""/>
-        <p:cNvGrpSpPr/>
-        <p:nvPr/>
-      </p:nvGrpSpPr>
-      <p:grpSpPr>
-        <a:xfrm>
-          <a:off x="0" y="0"/>
-          <a:ext cx="0" cy="0"/>
-          <a:chOff x="0" y="0"/>
-          <a:chExt cx="0" cy="0"/>
-        </a:xfrm>
-      </p:grpSpPr>
-      <p:sp>
-        <p:nvSpPr>
-          <p:cNvPr id="2" name="Title 1">
-            <a:extLst>
-              <a:ext uri="{FF2B5EF4-FFF2-40B4-BE49-F238E27FC236}">
-                <a16:creationId xmlns:a16="http://schemas.microsoft.com/office/drawing/2014/main" id="{A9B7AA7B-8D7F-44C4-922F-16947F9016D2}"/>
-              </a:ext>
-            </a:extLst>
-          </p:cNvPr>
-          <p:cNvSpPr>
-            <a:spLocks noGrp="1"/>
-          </p:cNvSpPr>
-          <p:nvPr>
-            <p:ph type="title"/>
-          </p:nvPr>
-        </p:nvSpPr>
-        <p:spPr/>
-        <p:txBody>
-          <a:bodyPr/>
-          <a:lstStyle/>
-          <a:p>
-            <a:endParaRPr lang="en-GB"/>
-          </a:p>
-        </p:txBody>
-      </p:sp>
-      <p:sp>
-        <p:nvSpPr>
-          <p:cNvPr id="3" name="Content Placeholder 2">
-            <a:extLst>
-              <a:ext uri="{FF2B5EF4-FFF2-40B4-BE49-F238E27FC236}">
-                <a16:creationId xmlns:a16="http://schemas.microsoft.com/office/drawing/2014/main" id="{312D938D-4693-4BD7-93F2-72DE09BF8AEA}"/>
-              </a:ext>
-            </a:extLst>
-          </p:cNvPr>
-          <p:cNvSpPr>
-            <a:spLocks noGrp="1"/>
-          </p:cNvSpPr>
-          <p:nvPr>
-            <p:ph idx="1"/>
-          </p:nvPr>
-        </p:nvSpPr>
-        <p:spPr>
-          <a:xfrm>
-            <a:off x="838200" y="1825625"/>
-            <a:ext cx="11228294" cy="4351338"/>
-          </a:xfrm>
-        </p:spPr>
-        <p:txBody>
-          <a:bodyPr>
-            <a:normAutofit/>
-          </a:bodyPr>
-          <a:lstStyle/>
-          <a:p>
-            <a:r>
-              <a:rPr lang="en-GB" dirty="0"/>
-              <a:t>Should look like this:</a:t>
-            </a:r>
-          </a:p>
-          <a:p>
-            <a:endParaRPr lang="en-GB" dirty="0"/>
-          </a:p>
-          <a:p>
-            <a:pPr marL="0" indent="0">
-              <a:buNone/>
-            </a:pPr>
-            <a:r>
-              <a:rPr lang="en-GB" sz="1400" dirty="0"/>
-              <a:t>[1] "Admin-datasheet-year2018.xlsx"                   "ICM-datasheet-year2018.xlsx"                          "List of AFP Cases 2015-2019.xlsx"                    </a:t>
-            </a:r>
-          </a:p>
-          <a:p>
-            <a:pPr marL="0" indent="0">
-              <a:buNone/>
-            </a:pPr>
-            <a:r>
-              <a:rPr lang="en-GB" sz="1400" dirty="0"/>
-              <a:t>[4] "List of Env Samples 2015-2019.xlsx"             "List of NON POLIO AFP Cases 2015-2019.xlsx"           "LQAS %Pass _ District level_ Sep18-Mar19.xlsx"       </a:t>
-            </a:r>
-          </a:p>
-          <a:p>
-            <a:pPr marL="0" indent="0">
-              <a:buNone/>
-            </a:pPr>
-            <a:r>
-              <a:rPr lang="en-GB" sz="1400" dirty="0"/>
-              <a:t>[7] "LQAS UC level_ Sep18-Mar19.xlsx"              "MPQA _March SNID.xlsx"                                "Population under 15-estimates 2018-19 as 190510.xlsx"</a:t>
-            </a:r>
-          </a:p>
-        </p:txBody>
-      </p:sp>
-    </p:spTree>
-    <p:extLst>
-      <p:ext uri="{BB962C8B-B14F-4D97-AF65-F5344CB8AC3E}">
-        <p14:creationId xmlns:p14="http://schemas.microsoft.com/office/powerpoint/2010/main" val="1728001903"/>
-      </p:ext>
-    </p:extLst>
-  </p:cSld>
-  <p:clrMapOvr>
-    <a:masterClrMapping/>
-  </p:clrMapOvr>
-</p:sld>
-</file>
-
-<file path=ppt/slides/slide30.xml><?xml version="1.0" encoding="utf-8"?>
-<p:sld xmlns:a="http://schemas.openxmlformats.org/drawingml/2006/main" xmlns:r="http://schemas.openxmlformats.org/officeDocument/2006/relationships" xmlns:p="http://schemas.openxmlformats.org/presentationml/2006/main">
-  <p:cSld>
-    <p:spTree>
-      <p:nvGrpSpPr>
-        <p:cNvPr id="1" name=""/>
-        <p:cNvGrpSpPr/>
-        <p:nvPr/>
-      </p:nvGrpSpPr>
-      <p:grpSpPr>
-        <a:xfrm>
-          <a:off x="0" y="0"/>
-          <a:ext cx="0" cy="0"/>
-          <a:chOff x="0" y="0"/>
-          <a:chExt cx="0" cy="0"/>
-        </a:xfrm>
-      </p:grpSpPr>
-      <p:sp>
-        <p:nvSpPr>
-          <p:cNvPr id="2" name="Title 1">
-            <a:extLst>
-              <a:ext uri="{FF2B5EF4-FFF2-40B4-BE49-F238E27FC236}">
-                <a16:creationId xmlns:a16="http://schemas.microsoft.com/office/drawing/2014/main" id="{771077A6-D14F-4C75-97EC-ED408F3D16E2}"/>
-              </a:ext>
-            </a:extLst>
-          </p:cNvPr>
-          <p:cNvSpPr>
-            <a:spLocks noGrp="1"/>
-          </p:cNvSpPr>
-          <p:nvPr>
-            <p:ph type="title"/>
-          </p:nvPr>
-        </p:nvSpPr>
-        <p:spPr/>
-        <p:txBody>
-          <a:bodyPr/>
-          <a:lstStyle/>
-          <a:p>
-            <a:endParaRPr lang="en-GB"/>
-          </a:p>
-        </p:txBody>
-      </p:sp>
-      <p:sp>
-        <p:nvSpPr>
-          <p:cNvPr id="3" name="Content Placeholder 2">
-            <a:extLst>
-              <a:ext uri="{FF2B5EF4-FFF2-40B4-BE49-F238E27FC236}">
-                <a16:creationId xmlns:a16="http://schemas.microsoft.com/office/drawing/2014/main" id="{4CBD5801-D073-4ECF-8516-7D8FE0696E7D}"/>
-              </a:ext>
-            </a:extLst>
-          </p:cNvPr>
-          <p:cNvSpPr>
-            <a:spLocks noGrp="1"/>
-          </p:cNvSpPr>
-          <p:nvPr>
-            <p:ph idx="1"/>
-          </p:nvPr>
-        </p:nvSpPr>
-        <p:spPr/>
-        <p:txBody>
-          <a:bodyPr/>
-          <a:lstStyle/>
-          <a:p>
-            <a:r>
-              <a:rPr lang="en-GB" dirty="0"/>
-              <a:t>Finally, close the “device”, or file, using the </a:t>
-            </a:r>
-            <a:r>
-              <a:rPr lang="en-GB" dirty="0" err="1"/>
-              <a:t>dev.off</a:t>
-            </a:r>
-            <a:r>
-              <a:rPr lang="en-GB" dirty="0"/>
-              <a:t>() function. There are also bmp, tiff, and jpeg functions, though the jpeg function has proven less stable than the others.</a:t>
-            </a:r>
-          </a:p>
-        </p:txBody>
-      </p:sp>
-      <p:pic>
-        <p:nvPicPr>
-          <p:cNvPr id="7" name="Picture 6">
-            <a:extLst>
-              <a:ext uri="{FF2B5EF4-FFF2-40B4-BE49-F238E27FC236}">
-                <a16:creationId xmlns:a16="http://schemas.microsoft.com/office/drawing/2014/main" id="{DBB6A87D-6C14-4530-9BC4-BEC117D01A12}"/>
-              </a:ext>
-            </a:extLst>
-          </p:cNvPr>
-          <p:cNvPicPr>
-            <a:picLocks noChangeAspect="1"/>
-          </p:cNvPicPr>
-          <p:nvPr/>
-        </p:nvPicPr>
-        <p:blipFill>
-          <a:blip r:embed="rId2"/>
-          <a:stretch>
-            <a:fillRect/>
-          </a:stretch>
-        </p:blipFill>
-        <p:spPr>
-          <a:xfrm>
-            <a:off x="4659977" y="3748953"/>
-            <a:ext cx="2194750" cy="1005927"/>
-          </a:xfrm>
-          <a:prstGeom prst="rect">
-            <a:avLst/>
-          </a:prstGeom>
-        </p:spPr>
-      </p:pic>
-    </p:spTree>
-    <p:extLst>
-      <p:ext uri="{BB962C8B-B14F-4D97-AF65-F5344CB8AC3E}">
-        <p14:creationId xmlns:p14="http://schemas.microsoft.com/office/powerpoint/2010/main" val="2182802393"/>
-      </p:ext>
-    </p:extLst>
-  </p:cSld>
-  <p:clrMapOvr>
-    <a:masterClrMapping/>
-  </p:clrMapOvr>
-</p:sld>
-</file>
-
-<file path=ppt/slides/slide31.xml><?xml version="1.0" encoding="utf-8"?>
-<p:sld xmlns:a="http://schemas.openxmlformats.org/drawingml/2006/main" xmlns:r="http://schemas.openxmlformats.org/officeDocument/2006/relationships" xmlns:p="http://schemas.openxmlformats.org/presentationml/2006/main">
-  <p:cSld>
-    <p:spTree>
-      <p:nvGrpSpPr>
-        <p:cNvPr id="1" name=""/>
-        <p:cNvGrpSpPr/>
-        <p:nvPr/>
-      </p:nvGrpSpPr>
-      <p:grpSpPr>
-        <a:xfrm>
-          <a:off x="0" y="0"/>
-          <a:ext cx="0" cy="0"/>
-          <a:chOff x="0" y="0"/>
-          <a:chExt cx="0" cy="0"/>
-        </a:xfrm>
-      </p:grpSpPr>
-      <p:sp>
-        <p:nvSpPr>
-          <p:cNvPr id="2" name="Title 1">
-            <a:extLst>
-              <a:ext uri="{FF2B5EF4-FFF2-40B4-BE49-F238E27FC236}">
-                <a16:creationId xmlns:a16="http://schemas.microsoft.com/office/drawing/2014/main" id="{6E52017C-F51C-4BF9-9317-5AF389E71380}"/>
-              </a:ext>
-            </a:extLst>
-          </p:cNvPr>
-          <p:cNvSpPr>
-            <a:spLocks noGrp="1"/>
-          </p:cNvSpPr>
-          <p:nvPr>
-            <p:ph type="title"/>
-          </p:nvPr>
-        </p:nvSpPr>
-        <p:spPr/>
-        <p:txBody>
-          <a:bodyPr/>
-          <a:lstStyle/>
-          <a:p>
-            <a:endParaRPr lang="en-GB"/>
-          </a:p>
-        </p:txBody>
-      </p:sp>
-      <p:sp>
-        <p:nvSpPr>
-          <p:cNvPr id="3" name="Content Placeholder 2">
-            <a:extLst>
-              <a:ext uri="{FF2B5EF4-FFF2-40B4-BE49-F238E27FC236}">
-                <a16:creationId xmlns:a16="http://schemas.microsoft.com/office/drawing/2014/main" id="{1BEB8B4B-D250-447D-87B3-DEE0007DC9F0}"/>
-              </a:ext>
-            </a:extLst>
-          </p:cNvPr>
-          <p:cNvSpPr>
-            <a:spLocks noGrp="1"/>
-          </p:cNvSpPr>
-          <p:nvPr>
-            <p:ph idx="1"/>
-          </p:nvPr>
-        </p:nvSpPr>
-        <p:spPr/>
-        <p:txBody>
-          <a:bodyPr/>
-          <a:lstStyle/>
-          <a:p>
-            <a:endParaRPr lang="en-GB"/>
-          </a:p>
-        </p:txBody>
-      </p:sp>
-    </p:spTree>
-    <p:extLst>
-      <p:ext uri="{BB962C8B-B14F-4D97-AF65-F5344CB8AC3E}">
-        <p14:creationId xmlns:p14="http://schemas.microsoft.com/office/powerpoint/2010/main" val="434871530"/>
-      </p:ext>
-    </p:extLst>
-  </p:cSld>
-  <p:clrMapOvr>
-    <a:masterClrMapping/>
-  </p:clrMapOvr>
-</p:sld>
-</file>
-
-<file path=ppt/slides/slide32.xml><?xml version="1.0" encoding="utf-8"?>
-<p:sld xmlns:a="http://schemas.openxmlformats.org/drawingml/2006/main" xmlns:r="http://schemas.openxmlformats.org/officeDocument/2006/relationships" xmlns:p="http://schemas.openxmlformats.org/presentationml/2006/main">
-  <p:cSld>
-    <p:spTree>
-      <p:nvGrpSpPr>
-        <p:cNvPr id="1" name=""/>
-        <p:cNvGrpSpPr/>
-        <p:nvPr/>
-      </p:nvGrpSpPr>
-      <p:grpSpPr>
-        <a:xfrm>
-          <a:off x="0" y="0"/>
-          <a:ext cx="0" cy="0"/>
-          <a:chOff x="0" y="0"/>
-          <a:chExt cx="0" cy="0"/>
-        </a:xfrm>
-      </p:grpSpPr>
-      <p:sp>
-        <p:nvSpPr>
-          <p:cNvPr id="2" name="Title 1">
-            <a:extLst>
-              <a:ext uri="{FF2B5EF4-FFF2-40B4-BE49-F238E27FC236}">
-                <a16:creationId xmlns:a16="http://schemas.microsoft.com/office/drawing/2014/main" id="{904E0CEA-927B-4128-8FAF-8CBFC836DA38}"/>
-              </a:ext>
-            </a:extLst>
-          </p:cNvPr>
-          <p:cNvSpPr>
-            <a:spLocks noGrp="1"/>
-          </p:cNvSpPr>
-          <p:nvPr>
-            <p:ph type="title"/>
-          </p:nvPr>
-        </p:nvSpPr>
-        <p:spPr/>
-        <p:txBody>
-          <a:bodyPr/>
-          <a:lstStyle/>
-          <a:p>
-            <a:endParaRPr lang="en-GB"/>
-          </a:p>
-        </p:txBody>
-      </p:sp>
-      <p:sp>
-        <p:nvSpPr>
-          <p:cNvPr id="3" name="Content Placeholder 2">
-            <a:extLst>
-              <a:ext uri="{FF2B5EF4-FFF2-40B4-BE49-F238E27FC236}">
-                <a16:creationId xmlns:a16="http://schemas.microsoft.com/office/drawing/2014/main" id="{34FEFCD5-AC06-4DDE-827C-F984574BD894}"/>
-              </a:ext>
-            </a:extLst>
-          </p:cNvPr>
-          <p:cNvSpPr>
-            <a:spLocks noGrp="1"/>
-          </p:cNvSpPr>
-          <p:nvPr>
-            <p:ph idx="1"/>
-          </p:nvPr>
-        </p:nvSpPr>
-        <p:spPr/>
-        <p:txBody>
-          <a:bodyPr/>
-          <a:lstStyle/>
-          <a:p>
-            <a:endParaRPr lang="en-GB"/>
-          </a:p>
-        </p:txBody>
-      </p:sp>
-    </p:spTree>
-    <p:extLst>
-      <p:ext uri="{BB962C8B-B14F-4D97-AF65-F5344CB8AC3E}">
-        <p14:creationId xmlns:p14="http://schemas.microsoft.com/office/powerpoint/2010/main" val="560465128"/>
-      </p:ext>
-    </p:extLst>
-  </p:cSld>
-  <p:clrMapOvr>
-    <a:masterClrMapping/>
-  </p:clrMapOvr>
-</p:sld>
-</file>
-
-<file path=ppt/slides/slide33.xml><?xml version="1.0" encoding="utf-8"?>
-<p:sld xmlns:a="http://schemas.openxmlformats.org/drawingml/2006/main" xmlns:r="http://schemas.openxmlformats.org/officeDocument/2006/relationships" xmlns:p="http://schemas.openxmlformats.org/presentationml/2006/main">
-  <p:cSld>
-    <p:spTree>
-      <p:nvGrpSpPr>
-        <p:cNvPr id="1" name=""/>
-        <p:cNvGrpSpPr/>
-        <p:nvPr/>
-      </p:nvGrpSpPr>
-      <p:grpSpPr>
-        <a:xfrm>
-          <a:off x="0" y="0"/>
-          <a:ext cx="0" cy="0"/>
-          <a:chOff x="0" y="0"/>
-          <a:chExt cx="0" cy="0"/>
-        </a:xfrm>
-      </p:grpSpPr>
-      <p:sp>
-        <p:nvSpPr>
-          <p:cNvPr id="2" name="Title 1">
-            <a:extLst>
-              <a:ext uri="{FF2B5EF4-FFF2-40B4-BE49-F238E27FC236}">
-                <a16:creationId xmlns:a16="http://schemas.microsoft.com/office/drawing/2014/main" id="{DDA7C7F5-423A-4193-A089-DF5C20E36FE3}"/>
-              </a:ext>
-            </a:extLst>
-          </p:cNvPr>
-          <p:cNvSpPr>
-            <a:spLocks noGrp="1"/>
-          </p:cNvSpPr>
-          <p:nvPr>
-            <p:ph type="title"/>
-          </p:nvPr>
-        </p:nvSpPr>
-        <p:spPr/>
-        <p:txBody>
-          <a:bodyPr/>
-          <a:lstStyle/>
-          <a:p>
-            <a:endParaRPr lang="en-GB"/>
-          </a:p>
-        </p:txBody>
-      </p:sp>
-      <p:sp>
-        <p:nvSpPr>
-          <p:cNvPr id="3" name="Content Placeholder 2">
-            <a:extLst>
-              <a:ext uri="{FF2B5EF4-FFF2-40B4-BE49-F238E27FC236}">
-                <a16:creationId xmlns:a16="http://schemas.microsoft.com/office/drawing/2014/main" id="{60B25461-63A3-4373-8B93-180E2F24A83D}"/>
-              </a:ext>
-            </a:extLst>
-          </p:cNvPr>
-          <p:cNvSpPr>
-            <a:spLocks noGrp="1"/>
-          </p:cNvSpPr>
-          <p:nvPr>
-            <p:ph idx="1"/>
-          </p:nvPr>
-        </p:nvSpPr>
-        <p:spPr/>
-        <p:txBody>
-          <a:bodyPr/>
-          <a:lstStyle/>
-          <a:p>
-            <a:endParaRPr lang="en-GB"/>
-          </a:p>
-        </p:txBody>
-      </p:sp>
-    </p:spTree>
-    <p:extLst>
-      <p:ext uri="{BB962C8B-B14F-4D97-AF65-F5344CB8AC3E}">
-        <p14:creationId xmlns:p14="http://schemas.microsoft.com/office/powerpoint/2010/main" val="3070576490"/>
-      </p:ext>
-    </p:extLst>
-  </p:cSld>
-  <p:clrMapOvr>
-    <a:masterClrMapping/>
-  </p:clrMapOvr>
-</p:sld>
-</file>
-
-<file path=ppt/slides/slide34.xml><?xml version="1.0" encoding="utf-8"?>
-<p:sld xmlns:a="http://schemas.openxmlformats.org/drawingml/2006/main" xmlns:r="http://schemas.openxmlformats.org/officeDocument/2006/relationships" xmlns:p="http://schemas.openxmlformats.org/presentationml/2006/main">
-  <p:cSld>
-    <p:spTree>
-      <p:nvGrpSpPr>
-        <p:cNvPr id="1" name=""/>
-        <p:cNvGrpSpPr/>
-        <p:nvPr/>
-      </p:nvGrpSpPr>
-      <p:grpSpPr>
-        <a:xfrm>
-          <a:off x="0" y="0"/>
-          <a:ext cx="0" cy="0"/>
-          <a:chOff x="0" y="0"/>
-          <a:chExt cx="0" cy="0"/>
-        </a:xfrm>
-      </p:grpSpPr>
-      <p:sp>
-        <p:nvSpPr>
-          <p:cNvPr id="2" name="Title 1">
-            <a:extLst>
-              <a:ext uri="{FF2B5EF4-FFF2-40B4-BE49-F238E27FC236}">
-                <a16:creationId xmlns:a16="http://schemas.microsoft.com/office/drawing/2014/main" id="{20625B72-2CDC-4F52-A6D2-30823EA6E949}"/>
-              </a:ext>
-            </a:extLst>
-          </p:cNvPr>
-          <p:cNvSpPr>
-            <a:spLocks noGrp="1"/>
-          </p:cNvSpPr>
-          <p:nvPr>
-            <p:ph type="title"/>
-          </p:nvPr>
-        </p:nvSpPr>
-        <p:spPr/>
-        <p:txBody>
-          <a:bodyPr/>
-          <a:lstStyle/>
-          <a:p>
-            <a:endParaRPr lang="en-GB"/>
-          </a:p>
-        </p:txBody>
-      </p:sp>
-      <p:sp>
-        <p:nvSpPr>
-          <p:cNvPr id="3" name="Content Placeholder 2">
-            <a:extLst>
-              <a:ext uri="{FF2B5EF4-FFF2-40B4-BE49-F238E27FC236}">
-                <a16:creationId xmlns:a16="http://schemas.microsoft.com/office/drawing/2014/main" id="{8FB8E866-D00E-43A8-AD8B-A7145AD8ABA4}"/>
-              </a:ext>
-            </a:extLst>
-          </p:cNvPr>
-          <p:cNvSpPr>
-            <a:spLocks noGrp="1"/>
-          </p:cNvSpPr>
-          <p:nvPr>
-            <p:ph idx="1"/>
-          </p:nvPr>
-        </p:nvSpPr>
-        <p:spPr/>
-        <p:txBody>
-          <a:bodyPr/>
-          <a:lstStyle/>
-          <a:p>
-            <a:endParaRPr lang="en-GB"/>
-          </a:p>
-        </p:txBody>
-      </p:sp>
-    </p:spTree>
-    <p:extLst>
-      <p:ext uri="{BB962C8B-B14F-4D97-AF65-F5344CB8AC3E}">
-        <p14:creationId xmlns:p14="http://schemas.microsoft.com/office/powerpoint/2010/main" val="2049277724"/>
-      </p:ext>
-    </p:extLst>
-  </p:cSld>
-  <p:clrMapOvr>
-    <a:masterClrMapping/>
-  </p:clrMapOvr>
-</p:sld>
-</file>
-
-<file path=ppt/slides/slide35.xml><?xml version="1.0" encoding="utf-8"?>
-<p:sld xmlns:a="http://schemas.openxmlformats.org/drawingml/2006/main" xmlns:r="http://schemas.openxmlformats.org/officeDocument/2006/relationships" xmlns:p="http://schemas.openxmlformats.org/presentationml/2006/main">
-  <p:cSld>
-    <p:spTree>
-      <p:nvGrpSpPr>
-        <p:cNvPr id="1" name=""/>
-        <p:cNvGrpSpPr/>
-        <p:nvPr/>
-      </p:nvGrpSpPr>
-      <p:grpSpPr>
-        <a:xfrm>
-          <a:off x="0" y="0"/>
-          <a:ext cx="0" cy="0"/>
-          <a:chOff x="0" y="0"/>
-          <a:chExt cx="0" cy="0"/>
-        </a:xfrm>
-      </p:grpSpPr>
-      <p:sp>
-        <p:nvSpPr>
-          <p:cNvPr id="2" name="Title 1">
-            <a:extLst>
-              <a:ext uri="{FF2B5EF4-FFF2-40B4-BE49-F238E27FC236}">
-                <a16:creationId xmlns:a16="http://schemas.microsoft.com/office/drawing/2014/main" id="{93126903-58AB-4147-90F5-2FBC3295B8D9}"/>
-              </a:ext>
-            </a:extLst>
-          </p:cNvPr>
-          <p:cNvSpPr>
-            <a:spLocks noGrp="1"/>
-          </p:cNvSpPr>
-          <p:nvPr>
-            <p:ph type="title"/>
-          </p:nvPr>
-        </p:nvSpPr>
-        <p:spPr/>
-        <p:txBody>
-          <a:bodyPr/>
-          <a:lstStyle/>
-          <a:p>
-            <a:endParaRPr lang="en-GB"/>
-          </a:p>
-        </p:txBody>
-      </p:sp>
-      <p:sp>
-        <p:nvSpPr>
-          <p:cNvPr id="3" name="Content Placeholder 2">
-            <a:extLst>
-              <a:ext uri="{FF2B5EF4-FFF2-40B4-BE49-F238E27FC236}">
-                <a16:creationId xmlns:a16="http://schemas.microsoft.com/office/drawing/2014/main" id="{EB6670EF-9E22-4A57-880D-A80EB08FA45A}"/>
-              </a:ext>
-            </a:extLst>
-          </p:cNvPr>
-          <p:cNvSpPr>
-            <a:spLocks noGrp="1"/>
-          </p:cNvSpPr>
-          <p:nvPr>
-            <p:ph idx="1"/>
-          </p:nvPr>
-        </p:nvSpPr>
-        <p:spPr/>
-        <p:txBody>
-          <a:bodyPr/>
-          <a:lstStyle/>
-          <a:p>
-            <a:endParaRPr lang="en-GB"/>
-          </a:p>
-        </p:txBody>
-      </p:sp>
-    </p:spTree>
-    <p:extLst>
-      <p:ext uri="{BB962C8B-B14F-4D97-AF65-F5344CB8AC3E}">
-        <p14:creationId xmlns:p14="http://schemas.microsoft.com/office/powerpoint/2010/main" val="4205390926"/>
-      </p:ext>
-    </p:extLst>
-  </p:cSld>
-  <p:clrMapOvr>
-    <a:masterClrMapping/>
-  </p:clrMapOvr>
-</p:sld>
-</file>
-
-<file path=ppt/slides/slide36.xml><?xml version="1.0" encoding="utf-8"?>
-<p:sld xmlns:a="http://schemas.openxmlformats.org/drawingml/2006/main" xmlns:r="http://schemas.openxmlformats.org/officeDocument/2006/relationships" xmlns:p="http://schemas.openxmlformats.org/presentationml/2006/main">
-  <p:cSld>
-    <p:spTree>
-      <p:nvGrpSpPr>
-        <p:cNvPr id="1" name=""/>
-        <p:cNvGrpSpPr/>
-        <p:nvPr/>
-      </p:nvGrpSpPr>
-      <p:grpSpPr>
-        <a:xfrm>
-          <a:off x="0" y="0"/>
-          <a:ext cx="0" cy="0"/>
-          <a:chOff x="0" y="0"/>
-          <a:chExt cx="0" cy="0"/>
-        </a:xfrm>
-      </p:grpSpPr>
-      <p:sp>
-        <p:nvSpPr>
-          <p:cNvPr id="2" name="Title 1">
-            <a:extLst>
-              <a:ext uri="{FF2B5EF4-FFF2-40B4-BE49-F238E27FC236}">
-                <a16:creationId xmlns:a16="http://schemas.microsoft.com/office/drawing/2014/main" id="{E0B1E3A3-17B3-48AE-BFDB-89463D49F799}"/>
-              </a:ext>
-            </a:extLst>
-          </p:cNvPr>
-          <p:cNvSpPr>
-            <a:spLocks noGrp="1"/>
-          </p:cNvSpPr>
-          <p:nvPr>
-            <p:ph type="title"/>
-          </p:nvPr>
-        </p:nvSpPr>
-        <p:spPr/>
-        <p:txBody>
-          <a:bodyPr/>
-          <a:lstStyle/>
-          <a:p>
-            <a:endParaRPr lang="en-GB"/>
-          </a:p>
-        </p:txBody>
-      </p:sp>
-      <p:sp>
-        <p:nvSpPr>
-          <p:cNvPr id="3" name="Content Placeholder 2">
-            <a:extLst>
-              <a:ext uri="{FF2B5EF4-FFF2-40B4-BE49-F238E27FC236}">
-                <a16:creationId xmlns:a16="http://schemas.microsoft.com/office/drawing/2014/main" id="{8739A43F-F842-4D07-A7B8-9370D4656990}"/>
-              </a:ext>
-            </a:extLst>
-          </p:cNvPr>
-          <p:cNvSpPr>
-            <a:spLocks noGrp="1"/>
-          </p:cNvSpPr>
-          <p:nvPr>
-            <p:ph idx="1"/>
-          </p:nvPr>
-        </p:nvSpPr>
-        <p:spPr/>
-        <p:txBody>
-          <a:bodyPr/>
-          <a:lstStyle/>
-          <a:p>
-            <a:endParaRPr lang="en-GB"/>
-          </a:p>
-        </p:txBody>
-      </p:sp>
-    </p:spTree>
-    <p:extLst>
-      <p:ext uri="{BB962C8B-B14F-4D97-AF65-F5344CB8AC3E}">
-        <p14:creationId xmlns:p14="http://schemas.microsoft.com/office/powerpoint/2010/main" val="1133013268"/>
-      </p:ext>
-    </p:extLst>
-  </p:cSld>
-  <p:clrMapOvr>
-    <a:masterClrMapping/>
-  </p:clrMapOvr>
-</p:sld>
-</file>
-
-<file path=ppt/slides/slide37.xml><?xml version="1.0" encoding="utf-8"?>
-<p:sld xmlns:a="http://schemas.openxmlformats.org/drawingml/2006/main" xmlns:r="http://schemas.openxmlformats.org/officeDocument/2006/relationships" xmlns:p="http://schemas.openxmlformats.org/presentationml/2006/main">
-  <p:cSld>
-    <p:spTree>
-      <p:nvGrpSpPr>
-        <p:cNvPr id="1" name=""/>
-        <p:cNvGrpSpPr/>
-        <p:nvPr/>
-      </p:nvGrpSpPr>
-      <p:grpSpPr>
-        <a:xfrm>
-          <a:off x="0" y="0"/>
-          <a:ext cx="0" cy="0"/>
-          <a:chOff x="0" y="0"/>
-          <a:chExt cx="0" cy="0"/>
-        </a:xfrm>
-      </p:grpSpPr>
-      <p:sp>
-        <p:nvSpPr>
-          <p:cNvPr id="2" name="Title 1">
-            <a:extLst>
-              <a:ext uri="{FF2B5EF4-FFF2-40B4-BE49-F238E27FC236}">
-                <a16:creationId xmlns:a16="http://schemas.microsoft.com/office/drawing/2014/main" id="{CED3F082-1A94-48B1-B39C-4FDF9BD809DF}"/>
-              </a:ext>
-            </a:extLst>
-          </p:cNvPr>
-          <p:cNvSpPr>
-            <a:spLocks noGrp="1"/>
-          </p:cNvSpPr>
-          <p:nvPr>
-            <p:ph type="title"/>
-          </p:nvPr>
-        </p:nvSpPr>
-        <p:spPr/>
-        <p:txBody>
-          <a:bodyPr/>
-          <a:lstStyle/>
-          <a:p>
-            <a:endParaRPr lang="en-GB"/>
-          </a:p>
-        </p:txBody>
-      </p:sp>
-      <p:sp>
-        <p:nvSpPr>
-          <p:cNvPr id="3" name="Content Placeholder 2">
-            <a:extLst>
-              <a:ext uri="{FF2B5EF4-FFF2-40B4-BE49-F238E27FC236}">
-                <a16:creationId xmlns:a16="http://schemas.microsoft.com/office/drawing/2014/main" id="{F1076BA0-5E58-436C-AE58-E61D4A34BD3A}"/>
-              </a:ext>
-            </a:extLst>
-          </p:cNvPr>
-          <p:cNvSpPr>
-            <a:spLocks noGrp="1"/>
-          </p:cNvSpPr>
-          <p:nvPr>
-            <p:ph idx="1"/>
-          </p:nvPr>
-        </p:nvSpPr>
-        <p:spPr/>
-        <p:txBody>
-          <a:bodyPr/>
-          <a:lstStyle/>
-          <a:p>
-            <a:endParaRPr lang="en-GB"/>
-          </a:p>
-        </p:txBody>
-      </p:sp>
-    </p:spTree>
-    <p:extLst>
-      <p:ext uri="{BB962C8B-B14F-4D97-AF65-F5344CB8AC3E}">
-        <p14:creationId xmlns:p14="http://schemas.microsoft.com/office/powerpoint/2010/main" val="511547635"/>
-      </p:ext>
-    </p:extLst>
-  </p:cSld>
-  <p:clrMapOvr>
-    <a:masterClrMapping/>
-  </p:clrMapOvr>
-</p:sld>
-</file>
-
-<file path=ppt/slides/slide38.xml><?xml version="1.0" encoding="utf-8"?>
-<p:sld xmlns:a="http://schemas.openxmlformats.org/drawingml/2006/main" xmlns:r="http://schemas.openxmlformats.org/officeDocument/2006/relationships" xmlns:p="http://schemas.openxmlformats.org/presentationml/2006/main">
-  <p:cSld>
-    <p:spTree>
-      <p:nvGrpSpPr>
-        <p:cNvPr id="1" name=""/>
-        <p:cNvGrpSpPr/>
-        <p:nvPr/>
-      </p:nvGrpSpPr>
-      <p:grpSpPr>
-        <a:xfrm>
-          <a:off x="0" y="0"/>
-          <a:ext cx="0" cy="0"/>
-          <a:chOff x="0" y="0"/>
-          <a:chExt cx="0" cy="0"/>
-        </a:xfrm>
-      </p:grpSpPr>
-      <p:sp>
-        <p:nvSpPr>
-          <p:cNvPr id="2" name="Title 1">
-            <a:extLst>
-              <a:ext uri="{FF2B5EF4-FFF2-40B4-BE49-F238E27FC236}">
-                <a16:creationId xmlns:a16="http://schemas.microsoft.com/office/drawing/2014/main" id="{BAB8BEAE-05A4-4EFC-A99A-FB458BD73FFF}"/>
-              </a:ext>
-            </a:extLst>
-          </p:cNvPr>
-          <p:cNvSpPr>
-            <a:spLocks noGrp="1"/>
-          </p:cNvSpPr>
-          <p:nvPr>
-            <p:ph type="title"/>
-          </p:nvPr>
-        </p:nvSpPr>
-        <p:spPr/>
-        <p:txBody>
-          <a:bodyPr/>
-          <a:lstStyle/>
-          <a:p>
-            <a:endParaRPr lang="en-GB"/>
-          </a:p>
-        </p:txBody>
-      </p:sp>
-      <p:sp>
-        <p:nvSpPr>
-          <p:cNvPr id="3" name="Content Placeholder 2">
-            <a:extLst>
-              <a:ext uri="{FF2B5EF4-FFF2-40B4-BE49-F238E27FC236}">
-                <a16:creationId xmlns:a16="http://schemas.microsoft.com/office/drawing/2014/main" id="{658C4B0D-4906-4542-AC78-ADA428949E47}"/>
-              </a:ext>
-            </a:extLst>
-          </p:cNvPr>
-          <p:cNvSpPr>
-            <a:spLocks noGrp="1"/>
-          </p:cNvSpPr>
-          <p:nvPr>
-            <p:ph idx="1"/>
-          </p:nvPr>
-        </p:nvSpPr>
-        <p:spPr/>
-        <p:txBody>
-          <a:bodyPr/>
-          <a:lstStyle/>
-          <a:p>
-            <a:endParaRPr lang="en-GB"/>
-          </a:p>
-        </p:txBody>
-      </p:sp>
-    </p:spTree>
-    <p:extLst>
-      <p:ext uri="{BB962C8B-B14F-4D97-AF65-F5344CB8AC3E}">
-        <p14:creationId xmlns:p14="http://schemas.microsoft.com/office/powerpoint/2010/main" val="1915256553"/>
-      </p:ext>
-    </p:extLst>
-  </p:cSld>
-  <p:clrMapOvr>
-    <a:masterClrMapping/>
-  </p:clrMapOvr>
-</p:sld>
-</file>
-
-<file path=ppt/slides/slide39.xml><?xml version="1.0" encoding="utf-8"?>
-<p:sld xmlns:a="http://schemas.openxmlformats.org/drawingml/2006/main" xmlns:r="http://schemas.openxmlformats.org/officeDocument/2006/relationships" xmlns:p="http://schemas.openxmlformats.org/presentationml/2006/main">
-  <p:cSld>
-    <p:spTree>
-      <p:nvGrpSpPr>
-        <p:cNvPr id="1" name=""/>
-        <p:cNvGrpSpPr/>
-        <p:nvPr/>
-      </p:nvGrpSpPr>
-      <p:grpSpPr>
-        <a:xfrm>
-          <a:off x="0" y="0"/>
-          <a:ext cx="0" cy="0"/>
-          <a:chOff x="0" y="0"/>
-          <a:chExt cx="0" cy="0"/>
-        </a:xfrm>
-      </p:grpSpPr>
-      <p:sp>
-        <p:nvSpPr>
-          <p:cNvPr id="2" name="Title 1">
-            <a:extLst>
-              <a:ext uri="{FF2B5EF4-FFF2-40B4-BE49-F238E27FC236}">
-                <a16:creationId xmlns:a16="http://schemas.microsoft.com/office/drawing/2014/main" id="{9F890045-43BA-4EBD-A52E-0968AA10047A}"/>
-              </a:ext>
-            </a:extLst>
-          </p:cNvPr>
-          <p:cNvSpPr>
-            <a:spLocks noGrp="1"/>
-          </p:cNvSpPr>
-          <p:nvPr>
-            <p:ph type="title"/>
-          </p:nvPr>
-        </p:nvSpPr>
-        <p:spPr/>
-        <p:txBody>
-          <a:bodyPr/>
-          <a:lstStyle/>
-          <a:p>
-            <a:endParaRPr lang="en-GB"/>
-          </a:p>
-        </p:txBody>
-      </p:sp>
-      <p:sp>
-        <p:nvSpPr>
-          <p:cNvPr id="3" name="Content Placeholder 2">
-            <a:extLst>
-              <a:ext uri="{FF2B5EF4-FFF2-40B4-BE49-F238E27FC236}">
-                <a16:creationId xmlns:a16="http://schemas.microsoft.com/office/drawing/2014/main" id="{61BCD255-CDA3-40B4-A81A-3C2CA62EC67F}"/>
-              </a:ext>
-            </a:extLst>
-          </p:cNvPr>
-          <p:cNvSpPr>
-            <a:spLocks noGrp="1"/>
-          </p:cNvSpPr>
-          <p:nvPr>
-            <p:ph idx="1"/>
-          </p:nvPr>
-        </p:nvSpPr>
-        <p:spPr/>
-        <p:txBody>
-          <a:bodyPr/>
-          <a:lstStyle/>
-          <a:p>
-            <a:endParaRPr lang="en-GB"/>
-          </a:p>
-        </p:txBody>
-      </p:sp>
-    </p:spTree>
-    <p:extLst>
-      <p:ext uri="{BB962C8B-B14F-4D97-AF65-F5344CB8AC3E}">
-        <p14:creationId xmlns:p14="http://schemas.microsoft.com/office/powerpoint/2010/main" val="892770603"/>
-      </p:ext>
-    </p:extLst>
-  </p:cSld>
-  <p:clrMapOvr>
-    <a:masterClrMapping/>
-  </p:clrMapOvr>
-</p:sld>
-</file>
-
-<file path=ppt/slides/slide4.xml><?xml version="1.0" encoding="utf-8"?>
-<p:sld xmlns:a="http://schemas.openxmlformats.org/drawingml/2006/main" xmlns:r="http://schemas.openxmlformats.org/officeDocument/2006/relationships" xmlns:p="http://schemas.openxmlformats.org/presentationml/2006/main">
-  <p:cSld>
-    <p:spTree>
-      <p:nvGrpSpPr>
-        <p:cNvPr id="1" name=""/>
-        <p:cNvGrpSpPr/>
-        <p:nvPr/>
-      </p:nvGrpSpPr>
-      <p:grpSpPr>
-        <a:xfrm>
-          <a:off x="0" y="0"/>
-          <a:ext cx="0" cy="0"/>
-          <a:chOff x="0" y="0"/>
-          <a:chExt cx="0" cy="0"/>
-        </a:xfrm>
-      </p:grpSpPr>
-      <p:sp>
-        <p:nvSpPr>
-          <p:cNvPr id="2" name="Title 1">
-            <a:extLst>
-              <a:ext uri="{FF2B5EF4-FFF2-40B4-BE49-F238E27FC236}">
-                <a16:creationId xmlns:a16="http://schemas.microsoft.com/office/drawing/2014/main" id="{2CC447E9-DA9C-41CC-BBCC-06D53CFF5FF2}"/>
-              </a:ext>
-            </a:extLst>
-          </p:cNvPr>
-          <p:cNvSpPr>
-            <a:spLocks noGrp="1"/>
-          </p:cNvSpPr>
-          <p:nvPr>
-            <p:ph type="title"/>
-          </p:nvPr>
-        </p:nvSpPr>
-        <p:spPr/>
-        <p:txBody>
-          <a:bodyPr/>
-          <a:lstStyle/>
-          <a:p>
-            <a:r>
-              <a:rPr lang="en-GB" dirty="0"/>
-              <a:t>Where we will get to…</a:t>
-            </a:r>
-          </a:p>
-        </p:txBody>
-      </p:sp>
-      <p:sp>
-        <p:nvSpPr>
-          <p:cNvPr id="3" name="Content Placeholder 2">
-            <a:extLst>
-              <a:ext uri="{FF2B5EF4-FFF2-40B4-BE49-F238E27FC236}">
-                <a16:creationId xmlns:a16="http://schemas.microsoft.com/office/drawing/2014/main" id="{D1A97173-20B5-4D63-BBDD-B046D5437ACD}"/>
-              </a:ext>
-            </a:extLst>
-          </p:cNvPr>
-          <p:cNvSpPr>
-            <a:spLocks noGrp="1"/>
-          </p:cNvSpPr>
-          <p:nvPr>
-            <p:ph idx="1"/>
-          </p:nvPr>
-        </p:nvSpPr>
-        <p:spPr/>
-        <p:txBody>
-          <a:bodyPr/>
-          <a:lstStyle/>
-          <a:p>
-            <a:endParaRPr lang="en-GB"/>
-          </a:p>
-        </p:txBody>
-      </p:sp>
-    </p:spTree>
-    <p:extLst>
-      <p:ext uri="{BB962C8B-B14F-4D97-AF65-F5344CB8AC3E}">
-        <p14:creationId xmlns:p14="http://schemas.microsoft.com/office/powerpoint/2010/main" val="3011373288"/>
-      </p:ext>
-    </p:extLst>
-  </p:cSld>
-  <p:clrMapOvr>
-    <a:masterClrMapping/>
-  </p:clrMapOvr>
-</p:sld>
-</file>
-
-<file path=ppt/slides/slide40.xml><?xml version="1.0" encoding="utf-8"?>
-<p:sld xmlns:a="http://schemas.openxmlformats.org/drawingml/2006/main" xmlns:r="http://schemas.openxmlformats.org/officeDocument/2006/relationships" xmlns:p="http://schemas.openxmlformats.org/presentationml/2006/main">
-  <p:cSld>
-    <p:spTree>
-      <p:nvGrpSpPr>
-        <p:cNvPr id="1" name=""/>
-        <p:cNvGrpSpPr/>
-        <p:nvPr/>
-      </p:nvGrpSpPr>
-      <p:grpSpPr>
-        <a:xfrm>
-          <a:off x="0" y="0"/>
-          <a:ext cx="0" cy="0"/>
-          <a:chOff x="0" y="0"/>
-          <a:chExt cx="0" cy="0"/>
-        </a:xfrm>
-      </p:grpSpPr>
-      <p:sp>
-        <p:nvSpPr>
-          <p:cNvPr id="2" name="Title 1">
-            <a:extLst>
-              <a:ext uri="{FF2B5EF4-FFF2-40B4-BE49-F238E27FC236}">
-                <a16:creationId xmlns:a16="http://schemas.microsoft.com/office/drawing/2014/main" id="{2F2666D5-3A5B-4A9D-953D-DCF6CF8B4E20}"/>
-              </a:ext>
-            </a:extLst>
-          </p:cNvPr>
-          <p:cNvSpPr>
-            <a:spLocks noGrp="1"/>
-          </p:cNvSpPr>
-          <p:nvPr>
-            <p:ph type="title"/>
-          </p:nvPr>
-        </p:nvSpPr>
-        <p:spPr/>
-        <p:txBody>
-          <a:bodyPr/>
-          <a:lstStyle/>
-          <a:p>
-            <a:endParaRPr lang="en-GB"/>
-          </a:p>
-        </p:txBody>
-      </p:sp>
-      <p:sp>
-        <p:nvSpPr>
-          <p:cNvPr id="3" name="Content Placeholder 2">
-            <a:extLst>
-              <a:ext uri="{FF2B5EF4-FFF2-40B4-BE49-F238E27FC236}">
-                <a16:creationId xmlns:a16="http://schemas.microsoft.com/office/drawing/2014/main" id="{BC63F029-433D-448E-B3A5-6D2F7C99697D}"/>
-              </a:ext>
-            </a:extLst>
-          </p:cNvPr>
-          <p:cNvSpPr>
-            <a:spLocks noGrp="1"/>
-          </p:cNvSpPr>
-          <p:nvPr>
-            <p:ph idx="1"/>
-          </p:nvPr>
-        </p:nvSpPr>
-        <p:spPr/>
-        <p:txBody>
-          <a:bodyPr/>
-          <a:lstStyle/>
-          <a:p>
-            <a:endParaRPr lang="en-GB"/>
-          </a:p>
-        </p:txBody>
-      </p:sp>
-    </p:spTree>
-    <p:extLst>
-      <p:ext uri="{BB962C8B-B14F-4D97-AF65-F5344CB8AC3E}">
-        <p14:creationId xmlns:p14="http://schemas.microsoft.com/office/powerpoint/2010/main" val="416077078"/>
-      </p:ext>
-    </p:extLst>
-  </p:cSld>
-  <p:clrMapOvr>
-    <a:masterClrMapping/>
-  </p:clrMapOvr>
-</p:sld>
-</file>
-
-<file path=ppt/slides/slide41.xml><?xml version="1.0" encoding="utf-8"?>
-<p:sld xmlns:a="http://schemas.openxmlformats.org/drawingml/2006/main" xmlns:r="http://schemas.openxmlformats.org/officeDocument/2006/relationships" xmlns:p="http://schemas.openxmlformats.org/presentationml/2006/main">
-  <p:cSld>
-    <p:spTree>
-      <p:nvGrpSpPr>
-        <p:cNvPr id="1" name=""/>
-        <p:cNvGrpSpPr/>
-        <p:nvPr/>
-      </p:nvGrpSpPr>
-      <p:grpSpPr>
-        <a:xfrm>
-          <a:off x="0" y="0"/>
-          <a:ext cx="0" cy="0"/>
-          <a:chOff x="0" y="0"/>
-          <a:chExt cx="0" cy="0"/>
-        </a:xfrm>
-      </p:grpSpPr>
-      <p:sp>
-        <p:nvSpPr>
-          <p:cNvPr id="2" name="Title 1">
-            <a:extLst>
-              <a:ext uri="{FF2B5EF4-FFF2-40B4-BE49-F238E27FC236}">
-                <a16:creationId xmlns:a16="http://schemas.microsoft.com/office/drawing/2014/main" id="{92FF97DB-63E6-406E-87F9-06ECECCE1E06}"/>
-              </a:ext>
-            </a:extLst>
-          </p:cNvPr>
-          <p:cNvSpPr>
-            <a:spLocks noGrp="1"/>
-          </p:cNvSpPr>
-          <p:nvPr>
-            <p:ph type="title"/>
-          </p:nvPr>
-        </p:nvSpPr>
-        <p:spPr/>
-        <p:txBody>
-          <a:bodyPr/>
-          <a:lstStyle/>
-          <a:p>
-            <a:endParaRPr lang="en-GB"/>
-          </a:p>
-        </p:txBody>
-      </p:sp>
-      <p:sp>
-        <p:nvSpPr>
-          <p:cNvPr id="3" name="Content Placeholder 2">
-            <a:extLst>
-              <a:ext uri="{FF2B5EF4-FFF2-40B4-BE49-F238E27FC236}">
-                <a16:creationId xmlns:a16="http://schemas.microsoft.com/office/drawing/2014/main" id="{A289F1A2-FB42-4475-951D-E1602AAD05A6}"/>
-              </a:ext>
-            </a:extLst>
-          </p:cNvPr>
-          <p:cNvSpPr>
-            <a:spLocks noGrp="1"/>
-          </p:cNvSpPr>
-          <p:nvPr>
-            <p:ph idx="1"/>
-          </p:nvPr>
-        </p:nvSpPr>
-        <p:spPr/>
-        <p:txBody>
-          <a:bodyPr/>
-          <a:lstStyle/>
-          <a:p>
-            <a:endParaRPr lang="en-GB"/>
-          </a:p>
-        </p:txBody>
-      </p:sp>
-    </p:spTree>
-    <p:extLst>
-      <p:ext uri="{BB962C8B-B14F-4D97-AF65-F5344CB8AC3E}">
-        <p14:creationId xmlns:p14="http://schemas.microsoft.com/office/powerpoint/2010/main" val="4226690802"/>
-      </p:ext>
-    </p:extLst>
-  </p:cSld>
-  <p:clrMapOvr>
-    <a:masterClrMapping/>
-  </p:clrMapOvr>
-</p:sld>
-</file>
-
-<file path=ppt/slides/slide42.xml><?xml version="1.0" encoding="utf-8"?>
-<p:sld xmlns:a="http://schemas.openxmlformats.org/drawingml/2006/main" xmlns:r="http://schemas.openxmlformats.org/officeDocument/2006/relationships" xmlns:p="http://schemas.openxmlformats.org/presentationml/2006/main">
-  <p:cSld>
-    <p:spTree>
-      <p:nvGrpSpPr>
-        <p:cNvPr id="1" name=""/>
-        <p:cNvGrpSpPr/>
-        <p:nvPr/>
-      </p:nvGrpSpPr>
-      <p:grpSpPr>
-        <a:xfrm>
-          <a:off x="0" y="0"/>
-          <a:ext cx="0" cy="0"/>
-          <a:chOff x="0" y="0"/>
-          <a:chExt cx="0" cy="0"/>
-        </a:xfrm>
-      </p:grpSpPr>
-      <p:sp>
-        <p:nvSpPr>
-          <p:cNvPr id="2" name="Title 1">
-            <a:extLst>
-              <a:ext uri="{FF2B5EF4-FFF2-40B4-BE49-F238E27FC236}">
-                <a16:creationId xmlns:a16="http://schemas.microsoft.com/office/drawing/2014/main" id="{AAF25189-0148-4BCE-821B-D994C4E144F1}"/>
-              </a:ext>
-            </a:extLst>
-          </p:cNvPr>
-          <p:cNvSpPr>
-            <a:spLocks noGrp="1"/>
-          </p:cNvSpPr>
-          <p:nvPr>
-            <p:ph type="title"/>
-          </p:nvPr>
-        </p:nvSpPr>
-        <p:spPr/>
-        <p:txBody>
-          <a:bodyPr/>
-          <a:lstStyle/>
-          <a:p>
-            <a:endParaRPr lang="en-GB"/>
-          </a:p>
-        </p:txBody>
-      </p:sp>
-      <p:sp>
-        <p:nvSpPr>
-          <p:cNvPr id="3" name="Content Placeholder 2">
-            <a:extLst>
-              <a:ext uri="{FF2B5EF4-FFF2-40B4-BE49-F238E27FC236}">
-                <a16:creationId xmlns:a16="http://schemas.microsoft.com/office/drawing/2014/main" id="{226D35E3-0F20-4B01-AF74-40E680FF7687}"/>
-              </a:ext>
-            </a:extLst>
-          </p:cNvPr>
-          <p:cNvSpPr>
-            <a:spLocks noGrp="1"/>
-          </p:cNvSpPr>
-          <p:nvPr>
-            <p:ph idx="1"/>
-          </p:nvPr>
-        </p:nvSpPr>
-        <p:spPr/>
-        <p:txBody>
-          <a:bodyPr/>
-          <a:lstStyle/>
-          <a:p>
-            <a:endParaRPr lang="en-GB"/>
-          </a:p>
-        </p:txBody>
-      </p:sp>
-    </p:spTree>
-    <p:extLst>
-      <p:ext uri="{BB962C8B-B14F-4D97-AF65-F5344CB8AC3E}">
-        <p14:creationId xmlns:p14="http://schemas.microsoft.com/office/powerpoint/2010/main" val="3377559107"/>
-      </p:ext>
-    </p:extLst>
-  </p:cSld>
-  <p:clrMapOvr>
-    <a:masterClrMapping/>
-  </p:clrMapOvr>
-</p:sld>
-</file>
-
-<file path=ppt/slides/slide43.xml><?xml version="1.0" encoding="utf-8"?>
-<p:sld xmlns:a="http://schemas.openxmlformats.org/drawingml/2006/main" xmlns:r="http://schemas.openxmlformats.org/officeDocument/2006/relationships" xmlns:p="http://schemas.openxmlformats.org/presentationml/2006/main">
-  <p:cSld>
-    <p:spTree>
-      <p:nvGrpSpPr>
-        <p:cNvPr id="1" name=""/>
-        <p:cNvGrpSpPr/>
-        <p:nvPr/>
-      </p:nvGrpSpPr>
-      <p:grpSpPr>
-        <a:xfrm>
-          <a:off x="0" y="0"/>
-          <a:ext cx="0" cy="0"/>
-          <a:chOff x="0" y="0"/>
-          <a:chExt cx="0" cy="0"/>
-        </a:xfrm>
-      </p:grpSpPr>
-      <p:sp>
-        <p:nvSpPr>
-          <p:cNvPr id="2" name="Title 1">
-            <a:extLst>
-              <a:ext uri="{FF2B5EF4-FFF2-40B4-BE49-F238E27FC236}">
-                <a16:creationId xmlns:a16="http://schemas.microsoft.com/office/drawing/2014/main" id="{B3B42844-811F-4B01-9D88-8367BB84F045}"/>
-              </a:ext>
-            </a:extLst>
-          </p:cNvPr>
-          <p:cNvSpPr>
-            <a:spLocks noGrp="1"/>
-          </p:cNvSpPr>
-          <p:nvPr>
-            <p:ph type="title"/>
-          </p:nvPr>
-        </p:nvSpPr>
-        <p:spPr/>
-        <p:txBody>
-          <a:bodyPr/>
-          <a:lstStyle/>
-          <a:p>
-            <a:endParaRPr lang="en-GB"/>
-          </a:p>
-        </p:txBody>
-      </p:sp>
-      <p:sp>
-        <p:nvSpPr>
-          <p:cNvPr id="3" name="Content Placeholder 2">
-            <a:extLst>
-              <a:ext uri="{FF2B5EF4-FFF2-40B4-BE49-F238E27FC236}">
-                <a16:creationId xmlns:a16="http://schemas.microsoft.com/office/drawing/2014/main" id="{61F14720-B49F-40C2-A1E9-33AD44856260}"/>
-              </a:ext>
-            </a:extLst>
-          </p:cNvPr>
-          <p:cNvSpPr>
-            <a:spLocks noGrp="1"/>
-          </p:cNvSpPr>
-          <p:nvPr>
-            <p:ph idx="1"/>
-          </p:nvPr>
-        </p:nvSpPr>
-        <p:spPr/>
-        <p:txBody>
-          <a:bodyPr/>
-          <a:lstStyle/>
-          <a:p>
-            <a:endParaRPr lang="en-GB"/>
-          </a:p>
-        </p:txBody>
-      </p:sp>
-    </p:spTree>
-    <p:extLst>
-      <p:ext uri="{BB962C8B-B14F-4D97-AF65-F5344CB8AC3E}">
-        <p14:creationId xmlns:p14="http://schemas.microsoft.com/office/powerpoint/2010/main" val="4167367726"/>
-      </p:ext>
-    </p:extLst>
-  </p:cSld>
-  <p:clrMapOvr>
-    <a:masterClrMapping/>
-  </p:clrMapOvr>
-</p:sld>
-</file>
-
-<file path=ppt/slides/slide44.xml><?xml version="1.0" encoding="utf-8"?>
-<p:sld xmlns:a="http://schemas.openxmlformats.org/drawingml/2006/main" xmlns:r="http://schemas.openxmlformats.org/officeDocument/2006/relationships" xmlns:p="http://schemas.openxmlformats.org/presentationml/2006/main">
-  <p:cSld>
-    <p:spTree>
-      <p:nvGrpSpPr>
-        <p:cNvPr id="1" name=""/>
-        <p:cNvGrpSpPr/>
-        <p:nvPr/>
-      </p:nvGrpSpPr>
-      <p:grpSpPr>
-        <a:xfrm>
-          <a:off x="0" y="0"/>
-          <a:ext cx="0" cy="0"/>
-          <a:chOff x="0" y="0"/>
-          <a:chExt cx="0" cy="0"/>
-        </a:xfrm>
-      </p:grpSpPr>
-      <p:sp>
-        <p:nvSpPr>
-          <p:cNvPr id="2" name="Title 1">
-            <a:extLst>
-              <a:ext uri="{FF2B5EF4-FFF2-40B4-BE49-F238E27FC236}">
-                <a16:creationId xmlns:a16="http://schemas.microsoft.com/office/drawing/2014/main" id="{73FA1636-F1AF-4E3F-841E-1701B5AC71C7}"/>
-              </a:ext>
-            </a:extLst>
-          </p:cNvPr>
-          <p:cNvSpPr>
-            <a:spLocks noGrp="1"/>
-          </p:cNvSpPr>
-          <p:nvPr>
-            <p:ph type="title"/>
-          </p:nvPr>
-        </p:nvSpPr>
-        <p:spPr/>
-        <p:txBody>
-          <a:bodyPr/>
-          <a:lstStyle/>
-          <a:p>
-            <a:endParaRPr lang="en-GB"/>
-          </a:p>
-        </p:txBody>
-      </p:sp>
-      <p:sp>
-        <p:nvSpPr>
-          <p:cNvPr id="3" name="Content Placeholder 2">
-            <a:extLst>
-              <a:ext uri="{FF2B5EF4-FFF2-40B4-BE49-F238E27FC236}">
-                <a16:creationId xmlns:a16="http://schemas.microsoft.com/office/drawing/2014/main" id="{843745DA-D5CD-4925-8E07-A1BA3A0750C7}"/>
-              </a:ext>
-            </a:extLst>
-          </p:cNvPr>
-          <p:cNvSpPr>
-            <a:spLocks noGrp="1"/>
-          </p:cNvSpPr>
-          <p:nvPr>
-            <p:ph idx="1"/>
-          </p:nvPr>
-        </p:nvSpPr>
-        <p:spPr/>
-        <p:txBody>
-          <a:bodyPr/>
-          <a:lstStyle/>
-          <a:p>
-            <a:endParaRPr lang="en-GB"/>
-          </a:p>
-        </p:txBody>
-      </p:sp>
-    </p:spTree>
-    <p:extLst>
-      <p:ext uri="{BB962C8B-B14F-4D97-AF65-F5344CB8AC3E}">
-        <p14:creationId xmlns:p14="http://schemas.microsoft.com/office/powerpoint/2010/main" val="437604833"/>
-      </p:ext>
-    </p:extLst>
-  </p:cSld>
-  <p:clrMapOvr>
-    <a:masterClrMapping/>
-  </p:clrMapOvr>
-</p:sld>
-</file>
-
-<file path=ppt/slides/slide5.xml><?xml version="1.0" encoding="utf-8"?>
-<p:sld xmlns:a="http://schemas.openxmlformats.org/drawingml/2006/main" xmlns:r="http://schemas.openxmlformats.org/officeDocument/2006/relationships" xmlns:p="http://schemas.openxmlformats.org/presentationml/2006/main">
-  <p:cSld>
-    <p:spTree>
-      <p:nvGrpSpPr>
-        <p:cNvPr id="1" name=""/>
-        <p:cNvGrpSpPr/>
-        <p:nvPr/>
-      </p:nvGrpSpPr>
-      <p:grpSpPr>
-        <a:xfrm>
-          <a:off x="0" y="0"/>
-          <a:ext cx="0" cy="0"/>
-          <a:chOff x="0" y="0"/>
-          <a:chExt cx="0" cy="0"/>
-        </a:xfrm>
-      </p:grpSpPr>
-      <p:graphicFrame>
-        <p:nvGraphicFramePr>
-          <p:cNvPr id="3" name="Object 2"/>
-          <p:cNvGraphicFramePr>
-            <a:graphicFrameLocks noChangeAspect="1"/>
-          </p:cNvGraphicFramePr>
-          <p:nvPr/>
-        </p:nvGraphicFramePr>
-        <p:xfrm>
-          <a:off x="1819276" y="433537"/>
-          <a:ext cx="8715374" cy="5491162"/>
-        </p:xfrm>
-        <a:graphic>
-          <a:graphicData uri="http://schemas.openxmlformats.org/drawingml/2006/chart">
-            <c:chart xmlns:c="http://schemas.openxmlformats.org/drawingml/2006/chart" xmlns:r="http://schemas.openxmlformats.org/officeDocument/2006/relationships" r:id="rId3"/>
-          </a:graphicData>
-        </a:graphic>
-      </p:graphicFrame>
-      <p:sp>
-        <p:nvSpPr>
-          <p:cNvPr id="5123" name="Text Box 3"/>
-          <p:cNvSpPr txBox="1">
-            <a:spLocks noChangeArrowheads="1"/>
-          </p:cNvSpPr>
-          <p:nvPr/>
-        </p:nvSpPr>
-        <p:spPr bwMode="auto">
-          <a:xfrm>
-            <a:off x="1851235" y="241897"/>
-            <a:ext cx="8427521" cy="312737"/>
-          </a:xfrm>
-          <a:prstGeom prst="rect">
-            <a:avLst/>
-          </a:prstGeom>
-          <a:noFill/>
-          <a:ln w="9525">
-            <a:noFill/>
-            <a:miter lim="800000"/>
-            <a:headEnd/>
-            <a:tailEnd/>
-          </a:ln>
-        </p:spPr>
-        <p:txBody>
-          <a:bodyPr wrap="square">
-            <a:spAutoFit/>
-          </a:bodyPr>
-          <a:lstStyle/>
-          <a:p>
-            <a:pPr algn="ctr">
-              <a:lnSpc>
-                <a:spcPct val="70000"/>
-              </a:lnSpc>
-              <a:spcBef>
-                <a:spcPct val="45000"/>
-              </a:spcBef>
-            </a:pPr>
-            <a:r>
-              <a:rPr lang="en-US" sz="2000" b="1" dirty="0">
-                <a:solidFill>
-                  <a:srgbClr val="008000"/>
-                </a:solidFill>
-                <a:latin typeface="Arial" charset="0"/>
-              </a:rPr>
-              <a:t>Graph 1:Distribution of AFP Cases by Month, Pakistan 2015-2019*</a:t>
-            </a:r>
-          </a:p>
-        </p:txBody>
-      </p:sp>
-      <p:sp>
-        <p:nvSpPr>
-          <p:cNvPr id="5124" name="Text Box 4"/>
-          <p:cNvSpPr txBox="1">
-            <a:spLocks noChangeArrowheads="1"/>
-          </p:cNvSpPr>
-          <p:nvPr/>
-        </p:nvSpPr>
-        <p:spPr bwMode="auto">
-          <a:xfrm rot="16200000">
-            <a:off x="691357" y="3388310"/>
-            <a:ext cx="1981200" cy="338554"/>
-          </a:xfrm>
-          <a:prstGeom prst="rect">
-            <a:avLst/>
-          </a:prstGeom>
-          <a:noFill/>
-          <a:ln w="9525">
-            <a:noFill/>
-            <a:miter lim="800000"/>
-            <a:headEnd/>
-            <a:tailEnd/>
-          </a:ln>
-        </p:spPr>
-        <p:txBody>
-          <a:bodyPr>
-            <a:spAutoFit/>
-          </a:bodyPr>
-          <a:lstStyle/>
-          <a:p>
-            <a:pPr>
-              <a:spcBef>
-                <a:spcPct val="50000"/>
-              </a:spcBef>
-            </a:pPr>
-            <a:r>
-              <a:rPr lang="en-US" sz="1600" b="1" dirty="0">
-                <a:latin typeface="Arial" charset="0"/>
-              </a:rPr>
-              <a:t>           </a:t>
-            </a:r>
-            <a:r>
-              <a:rPr lang="en-US" sz="1400" b="1" dirty="0">
-                <a:latin typeface="Arial" charset="0"/>
-              </a:rPr>
-              <a:t>Cases (n)</a:t>
-            </a:r>
-          </a:p>
-        </p:txBody>
-      </p:sp>
-      <p:sp>
-        <p:nvSpPr>
-          <p:cNvPr id="5131" name="Line 10"/>
-          <p:cNvSpPr>
-            <a:spLocks noChangeShapeType="1"/>
-          </p:cNvSpPr>
-          <p:nvPr/>
-        </p:nvSpPr>
-        <p:spPr bwMode="auto">
-          <a:xfrm flipV="1">
-            <a:off x="4051169" y="697819"/>
-            <a:ext cx="0" cy="4690608"/>
-          </a:xfrm>
-          <a:prstGeom prst="line">
-            <a:avLst/>
-          </a:prstGeom>
-          <a:noFill/>
-          <a:ln w="38100">
-            <a:solidFill>
-              <a:schemeClr val="tx1"/>
-            </a:solidFill>
-            <a:miter lim="800000"/>
-            <a:headEnd/>
-            <a:tailEnd/>
-          </a:ln>
-        </p:spPr>
-        <p:txBody>
-          <a:bodyPr wrap="none"/>
-          <a:lstStyle/>
-          <a:p>
-            <a:endParaRPr lang="en-US"/>
-          </a:p>
-        </p:txBody>
-      </p:sp>
-      <p:sp>
-        <p:nvSpPr>
-          <p:cNvPr id="15" name="Text Box 6"/>
-          <p:cNvSpPr txBox="1">
-            <a:spLocks noChangeArrowheads="1"/>
-          </p:cNvSpPr>
-          <p:nvPr/>
-        </p:nvSpPr>
-        <p:spPr bwMode="auto">
-          <a:xfrm>
-            <a:off x="1664653" y="6559101"/>
-            <a:ext cx="2010487" cy="246221"/>
-          </a:xfrm>
-          <a:prstGeom prst="rect">
-            <a:avLst/>
-          </a:prstGeom>
-          <a:noFill/>
-          <a:ln w="9525">
-            <a:noFill/>
-            <a:miter lim="800000"/>
-            <a:headEnd/>
-            <a:tailEnd/>
-          </a:ln>
-        </p:spPr>
-        <p:txBody>
-          <a:bodyPr wrap="none">
-            <a:spAutoFit/>
-          </a:bodyPr>
-          <a:lstStyle/>
-          <a:p>
-            <a:pPr eaLnBrk="0" hangingPunct="0"/>
-            <a:r>
-              <a:rPr lang="en-US" sz="1000" dirty="0">
-                <a:latin typeface="Arial" charset="0"/>
-              </a:rPr>
-              <a:t>* </a:t>
-            </a:r>
-            <a:r>
-              <a:rPr lang="en-US" sz="1000" dirty="0" err="1">
-                <a:latin typeface="Arial" charset="0"/>
-              </a:rPr>
-              <a:t>Afp.rec</a:t>
-            </a:r>
-            <a:r>
-              <a:rPr lang="en-US" sz="1000" dirty="0">
-                <a:latin typeface="Arial" charset="0"/>
-              </a:rPr>
-              <a:t> Data as of  15-07-2019</a:t>
-            </a:r>
-          </a:p>
-        </p:txBody>
-      </p:sp>
-      <p:sp>
-        <p:nvSpPr>
-          <p:cNvPr id="22" name="TextBox 21"/>
-          <p:cNvSpPr txBox="1"/>
-          <p:nvPr/>
-        </p:nvSpPr>
-        <p:spPr>
-          <a:xfrm>
-            <a:off x="2948312" y="5853123"/>
-            <a:ext cx="550151" cy="307777"/>
-          </a:xfrm>
-          <a:prstGeom prst="rect">
-            <a:avLst/>
-          </a:prstGeom>
-          <a:solidFill>
-            <a:srgbClr val="336600"/>
-          </a:solidFill>
-        </p:spPr>
-        <p:txBody>
-          <a:bodyPr wrap="none" rtlCol="0">
-            <a:spAutoFit/>
-          </a:bodyPr>
-          <a:lstStyle/>
-          <a:p>
-            <a:r>
-              <a:rPr lang="en-US" sz="1400" b="1" dirty="0">
-                <a:solidFill>
-                  <a:schemeClr val="bg1"/>
-                </a:solidFill>
-              </a:rPr>
-              <a:t>2015</a:t>
-            </a:r>
-          </a:p>
-        </p:txBody>
-      </p:sp>
-      <p:sp>
-        <p:nvSpPr>
-          <p:cNvPr id="14" name="Line 17"/>
-          <p:cNvSpPr>
-            <a:spLocks noChangeShapeType="1"/>
-          </p:cNvSpPr>
-          <p:nvPr/>
-        </p:nvSpPr>
-        <p:spPr bwMode="auto">
-          <a:xfrm flipV="1">
-            <a:off x="5862576" y="723139"/>
-            <a:ext cx="0" cy="4665289"/>
-          </a:xfrm>
-          <a:prstGeom prst="line">
-            <a:avLst/>
-          </a:prstGeom>
-          <a:noFill/>
-          <a:ln w="38100">
-            <a:solidFill>
-              <a:schemeClr val="tx1"/>
-            </a:solidFill>
-            <a:miter lim="800000"/>
-            <a:headEnd/>
-            <a:tailEnd/>
-          </a:ln>
-        </p:spPr>
-        <p:txBody>
-          <a:bodyPr wrap="none"/>
-          <a:lstStyle/>
-          <a:p>
-            <a:endParaRPr lang="en-US"/>
-          </a:p>
-        </p:txBody>
-      </p:sp>
-      <p:sp>
-        <p:nvSpPr>
-          <p:cNvPr id="2" name="TextBox 1"/>
-          <p:cNvSpPr txBox="1"/>
-          <p:nvPr/>
-        </p:nvSpPr>
-        <p:spPr>
-          <a:xfrm>
-            <a:off x="4767814" y="5853123"/>
-            <a:ext cx="550151" cy="307777"/>
-          </a:xfrm>
-          <a:prstGeom prst="rect">
-            <a:avLst/>
-          </a:prstGeom>
-          <a:solidFill>
-            <a:srgbClr val="336600"/>
-          </a:solidFill>
-        </p:spPr>
-        <p:txBody>
-          <a:bodyPr wrap="none" rtlCol="0">
-            <a:spAutoFit/>
-          </a:bodyPr>
-          <a:lstStyle>
-            <a:defPPr>
-              <a:defRPr lang="en-US"/>
-            </a:defPPr>
-            <a:lvl1pPr>
-              <a:defRPr sz="1400" b="1">
-                <a:solidFill>
-                  <a:schemeClr val="bg1"/>
-                </a:solidFill>
-                <a:latin typeface="+mn-lt"/>
-                <a:cs typeface="+mn-cs"/>
-              </a:defRPr>
-            </a:lvl1pPr>
-          </a:lstStyle>
-          <a:p>
-            <a:r>
-              <a:rPr lang="en-US" dirty="0"/>
-              <a:t>2016</a:t>
-            </a:r>
-          </a:p>
-        </p:txBody>
-      </p:sp>
-      <p:sp>
-        <p:nvSpPr>
-          <p:cNvPr id="13" name="Line 17"/>
-          <p:cNvSpPr>
-            <a:spLocks noChangeShapeType="1"/>
-          </p:cNvSpPr>
-          <p:nvPr/>
-        </p:nvSpPr>
-        <p:spPr bwMode="auto">
-          <a:xfrm flipV="1">
-            <a:off x="7668475" y="723998"/>
-            <a:ext cx="0" cy="4665289"/>
-          </a:xfrm>
-          <a:prstGeom prst="line">
-            <a:avLst/>
-          </a:prstGeom>
-          <a:noFill/>
-          <a:ln w="38100">
-            <a:solidFill>
-              <a:schemeClr val="tx1"/>
-            </a:solidFill>
-            <a:miter lim="800000"/>
-            <a:headEnd/>
-            <a:tailEnd/>
-          </a:ln>
-        </p:spPr>
-        <p:txBody>
-          <a:bodyPr wrap="none"/>
-          <a:lstStyle/>
-          <a:p>
-            <a:endParaRPr lang="en-US"/>
-          </a:p>
-        </p:txBody>
-      </p:sp>
-      <p:sp>
-        <p:nvSpPr>
-          <p:cNvPr id="17" name="TextBox 16"/>
-          <p:cNvSpPr txBox="1"/>
-          <p:nvPr/>
-        </p:nvSpPr>
-        <p:spPr>
-          <a:xfrm>
-            <a:off x="6547660" y="5853123"/>
-            <a:ext cx="550151" cy="307777"/>
-          </a:xfrm>
-          <a:prstGeom prst="rect">
-            <a:avLst/>
-          </a:prstGeom>
-          <a:solidFill>
-            <a:srgbClr val="336600"/>
-          </a:solidFill>
-        </p:spPr>
-        <p:txBody>
-          <a:bodyPr wrap="none" rtlCol="0">
-            <a:spAutoFit/>
-          </a:bodyPr>
-          <a:lstStyle>
-            <a:defPPr>
-              <a:defRPr lang="en-US"/>
-            </a:defPPr>
-            <a:lvl1pPr>
-              <a:defRPr sz="1400" b="1">
-                <a:solidFill>
-                  <a:schemeClr val="bg1"/>
-                </a:solidFill>
-                <a:latin typeface="+mn-lt"/>
-                <a:cs typeface="+mn-cs"/>
-              </a:defRPr>
-            </a:lvl1pPr>
-          </a:lstStyle>
-          <a:p>
-            <a:r>
-              <a:rPr lang="en-US" dirty="0"/>
-              <a:t>2017</a:t>
-            </a:r>
-          </a:p>
-        </p:txBody>
-      </p:sp>
-      <p:sp>
-        <p:nvSpPr>
-          <p:cNvPr id="18" name="Line 17"/>
-          <p:cNvSpPr>
-            <a:spLocks noChangeShapeType="1"/>
-          </p:cNvSpPr>
-          <p:nvPr/>
-        </p:nvSpPr>
-        <p:spPr bwMode="auto">
-          <a:xfrm flipV="1">
-            <a:off x="9458166" y="709133"/>
-            <a:ext cx="0" cy="4665289"/>
-          </a:xfrm>
-          <a:prstGeom prst="line">
-            <a:avLst/>
-          </a:prstGeom>
-          <a:noFill/>
-          <a:ln w="38100">
-            <a:solidFill>
-              <a:schemeClr val="tx1"/>
-            </a:solidFill>
-            <a:miter lim="800000"/>
-            <a:headEnd/>
-            <a:tailEnd/>
-          </a:ln>
-        </p:spPr>
-        <p:txBody>
-          <a:bodyPr wrap="none"/>
-          <a:lstStyle/>
-          <a:p>
-            <a:endParaRPr lang="en-US"/>
-          </a:p>
-        </p:txBody>
-      </p:sp>
-      <p:sp>
-        <p:nvSpPr>
-          <p:cNvPr id="23" name="TextBox 22"/>
-          <p:cNvSpPr txBox="1"/>
-          <p:nvPr/>
-        </p:nvSpPr>
-        <p:spPr>
-          <a:xfrm>
-            <a:off x="8365920" y="5853123"/>
-            <a:ext cx="550151" cy="307777"/>
-          </a:xfrm>
-          <a:prstGeom prst="rect">
-            <a:avLst/>
-          </a:prstGeom>
-          <a:solidFill>
-            <a:srgbClr val="336600"/>
-          </a:solidFill>
-        </p:spPr>
-        <p:txBody>
-          <a:bodyPr wrap="none" rtlCol="0">
-            <a:spAutoFit/>
-          </a:bodyPr>
-          <a:lstStyle>
-            <a:defPPr>
-              <a:defRPr lang="en-US"/>
-            </a:defPPr>
-            <a:lvl1pPr>
-              <a:defRPr sz="1400" b="1">
-                <a:solidFill>
-                  <a:schemeClr val="bg1"/>
-                </a:solidFill>
-                <a:latin typeface="+mn-lt"/>
-                <a:cs typeface="+mn-cs"/>
-              </a:defRPr>
-            </a:lvl1pPr>
-          </a:lstStyle>
-          <a:p>
-            <a:r>
-              <a:rPr lang="en-US" dirty="0"/>
-              <a:t>2018</a:t>
-            </a:r>
-          </a:p>
-        </p:txBody>
-      </p:sp>
-      <p:sp>
-        <p:nvSpPr>
-          <p:cNvPr id="25" name="TextBox 24"/>
-          <p:cNvSpPr txBox="1"/>
-          <p:nvPr/>
-        </p:nvSpPr>
-        <p:spPr>
-          <a:xfrm>
-            <a:off x="9797154" y="5850775"/>
-            <a:ext cx="550151" cy="307777"/>
-          </a:xfrm>
-          <a:prstGeom prst="rect">
-            <a:avLst/>
-          </a:prstGeom>
-          <a:solidFill>
-            <a:srgbClr val="336600"/>
-          </a:solidFill>
-        </p:spPr>
-        <p:txBody>
-          <a:bodyPr wrap="none" rtlCol="0">
-            <a:spAutoFit/>
-          </a:bodyPr>
-          <a:lstStyle>
-            <a:defPPr>
-              <a:defRPr lang="en-US"/>
-            </a:defPPr>
-            <a:lvl1pPr>
-              <a:defRPr sz="1400" b="1">
-                <a:solidFill>
-                  <a:schemeClr val="bg1"/>
-                </a:solidFill>
-                <a:latin typeface="+mn-lt"/>
-                <a:cs typeface="+mn-cs"/>
-              </a:defRPr>
-            </a:lvl1pPr>
-          </a:lstStyle>
-          <a:p>
-            <a:r>
-              <a:rPr lang="en-US" dirty="0"/>
-              <a:t>2019</a:t>
-            </a:r>
-          </a:p>
-        </p:txBody>
-      </p:sp>
-    </p:spTree>
-    <p:extLst>
-      <p:ext uri="{BB962C8B-B14F-4D97-AF65-F5344CB8AC3E}">
-        <p14:creationId xmlns:p14="http://schemas.microsoft.com/office/powerpoint/2010/main" val="3740107760"/>
-      </p:ext>
-    </p:extLst>
-  </p:cSld>
-  <p:clrMapOvr>
-    <a:masterClrMapping/>
-  </p:clrMapOvr>
-  <p:transition/>
-</p:sld>
-</file>
-
-<file path=ppt/slides/slide6.xml><?xml version="1.0" encoding="utf-8"?>
-<p:sld xmlns:a="http://schemas.openxmlformats.org/drawingml/2006/main" xmlns:r="http://schemas.openxmlformats.org/officeDocument/2006/relationships" xmlns:p="http://schemas.openxmlformats.org/presentationml/2006/main">
-  <p:cSld>
-    <p:spTree>
-      <p:nvGrpSpPr>
-        <p:cNvPr id="1" name=""/>
-        <p:cNvGrpSpPr/>
-        <p:nvPr/>
-      </p:nvGrpSpPr>
-      <p:grpSpPr>
-        <a:xfrm>
-          <a:off x="0" y="0"/>
-          <a:ext cx="0" cy="0"/>
-          <a:chOff x="0" y="0"/>
-          <a:chExt cx="0" cy="0"/>
-        </a:xfrm>
-      </p:grpSpPr>
-      <p:sp>
-        <p:nvSpPr>
-          <p:cNvPr id="2" name="Title 1">
-            <a:extLst>
-              <a:ext uri="{FF2B5EF4-FFF2-40B4-BE49-F238E27FC236}">
-                <a16:creationId xmlns:a16="http://schemas.microsoft.com/office/drawing/2014/main" id="{75ABD6D9-2D21-4C5D-A5F2-2C18C88A2B42}"/>
-              </a:ext>
-            </a:extLst>
-          </p:cNvPr>
-          <p:cNvSpPr>
-            <a:spLocks noGrp="1"/>
-          </p:cNvSpPr>
-          <p:nvPr>
-            <p:ph type="title"/>
-          </p:nvPr>
-        </p:nvSpPr>
-        <p:spPr/>
-        <p:txBody>
-          <a:bodyPr/>
-          <a:lstStyle/>
-          <a:p>
-            <a:endParaRPr lang="en-GB"/>
-          </a:p>
-        </p:txBody>
-      </p:sp>
-      <p:pic>
-        <p:nvPicPr>
-          <p:cNvPr id="5" name="Content Placeholder 4">
-            <a:extLst>
-              <a:ext uri="{FF2B5EF4-FFF2-40B4-BE49-F238E27FC236}">
-                <a16:creationId xmlns:a16="http://schemas.microsoft.com/office/drawing/2014/main" id="{1B51A3E1-CA14-44FE-AA4A-6B1D48D1DB20}"/>
-              </a:ext>
-            </a:extLst>
-          </p:cNvPr>
-          <p:cNvPicPr>
-            <a:picLocks noGrp="1" noChangeAspect="1"/>
-          </p:cNvPicPr>
-          <p:nvPr>
-            <p:ph idx="1"/>
-          </p:nvPr>
-        </p:nvPicPr>
-        <p:blipFill>
-          <a:blip r:embed="rId2">
-            <a:extLst>
-              <a:ext uri="{28A0092B-C50C-407E-A947-70E740481C1C}">
-                <a14:useLocalDpi xmlns:a14="http://schemas.microsoft.com/office/drawing/2010/main" val="0"/>
-              </a:ext>
-            </a:extLst>
-          </a:blip>
-          <a:stretch>
-            <a:fillRect/>
-          </a:stretch>
-        </p:blipFill>
-        <p:spPr>
-          <a:xfrm>
-            <a:off x="134010" y="365125"/>
-            <a:ext cx="11444823" cy="6127750"/>
-          </a:xfrm>
-        </p:spPr>
-      </p:pic>
-    </p:spTree>
-    <p:extLst>
-      <p:ext uri="{BB962C8B-B14F-4D97-AF65-F5344CB8AC3E}">
-        <p14:creationId xmlns:p14="http://schemas.microsoft.com/office/powerpoint/2010/main" val="2383251948"/>
-      </p:ext>
-    </p:extLst>
-  </p:cSld>
-  <p:clrMapOvr>
-    <a:masterClrMapping/>
-  </p:clrMapOvr>
-</p:sld>
-</file>
-
-<file path=ppt/slides/slide7.xml><?xml version="1.0" encoding="utf-8"?>
-<p:sld xmlns:a="http://schemas.openxmlformats.org/drawingml/2006/main" xmlns:r="http://schemas.openxmlformats.org/officeDocument/2006/relationships" xmlns:p="http://schemas.openxmlformats.org/presentationml/2006/main">
-  <p:cSld>
-    <p:spTree>
-      <p:nvGrpSpPr>
-        <p:cNvPr id="1" name=""/>
-        <p:cNvGrpSpPr/>
-        <p:nvPr/>
-      </p:nvGrpSpPr>
-      <p:grpSpPr>
-        <a:xfrm>
-          <a:off x="0" y="0"/>
-          <a:ext cx="0" cy="0"/>
-          <a:chOff x="0" y="0"/>
-          <a:chExt cx="0" cy="0"/>
-        </a:xfrm>
-      </p:grpSpPr>
-      <p:sp>
-        <p:nvSpPr>
-          <p:cNvPr id="2" name="Title 1">
-            <a:extLst>
-              <a:ext uri="{FF2B5EF4-FFF2-40B4-BE49-F238E27FC236}">
-                <a16:creationId xmlns:a16="http://schemas.microsoft.com/office/drawing/2014/main" id="{DE78B6E7-5506-4F62-8562-258DF222F415}"/>
-              </a:ext>
-            </a:extLst>
-          </p:cNvPr>
-          <p:cNvSpPr>
-            <a:spLocks noGrp="1"/>
-          </p:cNvSpPr>
-          <p:nvPr>
-            <p:ph type="title"/>
-          </p:nvPr>
-        </p:nvSpPr>
-        <p:spPr/>
-        <p:txBody>
-          <a:bodyPr/>
-          <a:lstStyle/>
-          <a:p>
-            <a:endParaRPr lang="en-GB"/>
-          </a:p>
-        </p:txBody>
-      </p:sp>
-      <p:pic>
-        <p:nvPicPr>
-          <p:cNvPr id="5" name="Content Placeholder 4" descr="A screenshot of a computer&#10;&#10;Description automatically generated">
-            <a:extLst>
-              <a:ext uri="{FF2B5EF4-FFF2-40B4-BE49-F238E27FC236}">
-                <a16:creationId xmlns:a16="http://schemas.microsoft.com/office/drawing/2014/main" id="{DA595B23-71CE-4720-A56E-2C3C438B6CFC}"/>
-              </a:ext>
-            </a:extLst>
-          </p:cNvPr>
-          <p:cNvPicPr>
-            <a:picLocks noGrp="1" noChangeAspect="1"/>
-          </p:cNvPicPr>
-          <p:nvPr>
-            <p:ph idx="1"/>
-          </p:nvPr>
-        </p:nvPicPr>
-        <p:blipFill>
-          <a:blip r:embed="rId2">
-            <a:extLst>
-              <a:ext uri="{28A0092B-C50C-407E-A947-70E740481C1C}">
-                <a14:useLocalDpi xmlns:a14="http://schemas.microsoft.com/office/drawing/2010/main" val="0"/>
-              </a:ext>
-            </a:extLst>
-          </a:blip>
-          <a:stretch>
-            <a:fillRect/>
-          </a:stretch>
-        </p:blipFill>
-        <p:spPr>
-          <a:xfrm>
-            <a:off x="529464" y="365125"/>
-            <a:ext cx="11133071" cy="5960832"/>
-          </a:xfrm>
-        </p:spPr>
-      </p:pic>
-    </p:spTree>
-    <p:extLst>
-      <p:ext uri="{BB962C8B-B14F-4D97-AF65-F5344CB8AC3E}">
-        <p14:creationId xmlns:p14="http://schemas.microsoft.com/office/powerpoint/2010/main" val="570566165"/>
-      </p:ext>
-    </p:extLst>
-  </p:cSld>
-  <p:clrMapOvr>
-    <a:masterClrMapping/>
-  </p:clrMapOvr>
-</p:sld>
-</file>
-
-<file path=ppt/slides/slide8.xml><?xml version="1.0" encoding="utf-8"?>
-<p:sld xmlns:a="http://schemas.openxmlformats.org/drawingml/2006/main" xmlns:r="http://schemas.openxmlformats.org/officeDocument/2006/relationships" xmlns:p="http://schemas.openxmlformats.org/presentationml/2006/main">
-  <p:cSld>
-    <p:spTree>
-      <p:nvGrpSpPr>
-        <p:cNvPr id="1" name=""/>
-        <p:cNvGrpSpPr/>
-        <p:nvPr/>
-      </p:nvGrpSpPr>
-      <p:grpSpPr>
-        <a:xfrm>
-          <a:off x="0" y="0"/>
-          <a:ext cx="0" cy="0"/>
-          <a:chOff x="0" y="0"/>
-          <a:chExt cx="0" cy="0"/>
-        </a:xfrm>
-      </p:grpSpPr>
-      <p:sp>
-        <p:nvSpPr>
-          <p:cNvPr id="6" name="Title 3"/>
-          <p:cNvSpPr>
-            <a:spLocks noGrp="1"/>
-          </p:cNvSpPr>
-          <p:nvPr/>
-        </p:nvSpPr>
-        <p:spPr>
-          <a:xfrm>
-            <a:off x="1756229" y="50962"/>
-            <a:ext cx="8723085" cy="660197"/>
-          </a:xfrm>
-          <a:prstGeom prst="rect">
-            <a:avLst/>
-          </a:prstGeom>
-        </p:spPr>
-        <p:txBody>
-          <a:bodyPr vert="horz" lIns="91440" tIns="45720" rIns="91440" bIns="45720" rtlCol="0" anchor="ctr">
-            <a:noAutofit/>
-          </a:bodyPr>
-          <a:lstStyle>
-            <a:lvl1pPr algn="r" defTabSz="914354" rtl="0" eaLnBrk="1" latinLnBrk="0" hangingPunct="1">
-              <a:spcBef>
-                <a:spcPct val="0"/>
-              </a:spcBef>
-              <a:buNone/>
-              <a:defRPr lang="en-US" sz="4000" b="1" kern="1200" cap="all" normalizeH="0" baseline="0" dirty="0">
-                <a:solidFill>
-                  <a:srgbClr val="2F3A46"/>
-                </a:solidFill>
-                <a:latin typeface="Open Sans" panose="020B0606030504020204" pitchFamily="34" charset="0"/>
-                <a:ea typeface="Open Sans" panose="020B0606030504020204" pitchFamily="34" charset="0"/>
-                <a:cs typeface="Open Sans" panose="020B0606030504020204" pitchFamily="34" charset="0"/>
-              </a:defRPr>
-            </a:lvl1pPr>
-          </a:lstStyle>
-          <a:p>
-            <a:pPr algn="ctr"/>
-            <a:r>
-              <a:rPr lang="en-US" sz="2400" dirty="0"/>
-              <a:t>Environmental Sampling Results 2015-19*  </a:t>
-            </a:r>
-            <a:r>
-              <a:rPr lang="en-US" sz="2400" dirty="0" err="1"/>
-              <a:t>pakistan</a:t>
-            </a:r>
-            <a:endParaRPr lang="en-US" sz="2400" dirty="0"/>
-          </a:p>
-        </p:txBody>
-      </p:sp>
-      <p:graphicFrame>
-        <p:nvGraphicFramePr>
-          <p:cNvPr id="4" name="Chart 3"/>
-          <p:cNvGraphicFramePr>
-            <a:graphicFrameLocks/>
-          </p:cNvGraphicFramePr>
-          <p:nvPr/>
-        </p:nvGraphicFramePr>
-        <p:xfrm>
-          <a:off x="1756228" y="711159"/>
-          <a:ext cx="8606972" cy="6008955"/>
-        </p:xfrm>
-        <a:graphic>
-          <a:graphicData uri="http://schemas.openxmlformats.org/drawingml/2006/chart">
-            <c:chart xmlns:c="http://schemas.openxmlformats.org/drawingml/2006/chart" xmlns:r="http://schemas.openxmlformats.org/officeDocument/2006/relationships" r:id="rId2"/>
-          </a:graphicData>
-        </a:graphic>
-      </p:graphicFrame>
-    </p:spTree>
-    <p:extLst>
-      <p:ext uri="{BB962C8B-B14F-4D97-AF65-F5344CB8AC3E}">
-        <p14:creationId xmlns:p14="http://schemas.microsoft.com/office/powerpoint/2010/main" val="1302102898"/>
-      </p:ext>
-    </p:extLst>
-  </p:cSld>
-  <p:clrMapOvr>
-    <a:masterClrMapping/>
-  </p:clrMapOvr>
-</p:sld>
-</file>
-
-<file path=ppt/slides/slide9.xml><?xml version="1.0" encoding="utf-8"?>
-<p:sld xmlns:a="http://schemas.openxmlformats.org/drawingml/2006/main" xmlns:r="http://schemas.openxmlformats.org/officeDocument/2006/relationships" xmlns:p="http://schemas.openxmlformats.org/presentationml/2006/main">
-  <p:cSld>
-    <p:spTree>
-      <p:nvGrpSpPr>
-        <p:cNvPr id="1" name=""/>
-        <p:cNvGrpSpPr/>
-        <p:nvPr/>
-      </p:nvGrpSpPr>
-      <p:grpSpPr>
-        <a:xfrm>
-          <a:off x="0" y="0"/>
-          <a:ext cx="0" cy="0"/>
-          <a:chOff x="0" y="0"/>
-          <a:chExt cx="0" cy="0"/>
-        </a:xfrm>
-      </p:grpSpPr>
-      <p:sp>
-        <p:nvSpPr>
-          <p:cNvPr id="2" name="Title 1">
-            <a:extLst>
-              <a:ext uri="{FF2B5EF4-FFF2-40B4-BE49-F238E27FC236}">
-                <a16:creationId xmlns:a16="http://schemas.microsoft.com/office/drawing/2014/main" id="{BC789695-59A0-4670-BDF7-850B8CFABA3A}"/>
-              </a:ext>
-            </a:extLst>
-          </p:cNvPr>
-          <p:cNvSpPr>
-            <a:spLocks noGrp="1"/>
-          </p:cNvSpPr>
-          <p:nvPr>
-            <p:ph type="title"/>
-          </p:nvPr>
-        </p:nvSpPr>
-        <p:spPr/>
-        <p:txBody>
-          <a:bodyPr/>
-          <a:lstStyle/>
-          <a:p>
-            <a:endParaRPr lang="en-GB"/>
-          </a:p>
-        </p:txBody>
-      </p:sp>
-      <p:pic>
-        <p:nvPicPr>
-          <p:cNvPr id="5" name="Content Placeholder 4" descr="A picture containing stationary, writing implement&#10;&#10;Description automatically generated">
-            <a:extLst>
-              <a:ext uri="{FF2B5EF4-FFF2-40B4-BE49-F238E27FC236}">
-                <a16:creationId xmlns:a16="http://schemas.microsoft.com/office/drawing/2014/main" id="{5BD1A9F5-27BC-4E1D-96BC-6CC78F3F59DE}"/>
-              </a:ext>
-            </a:extLst>
-          </p:cNvPr>
-          <p:cNvPicPr>
-            <a:picLocks noGrp="1" noChangeAspect="1"/>
-          </p:cNvPicPr>
-          <p:nvPr>
-            <p:ph idx="1"/>
-          </p:nvPr>
-        </p:nvPicPr>
-        <p:blipFill>
-          <a:blip r:embed="rId2">
-            <a:extLst>
-              <a:ext uri="{28A0092B-C50C-407E-A947-70E740481C1C}">
-                <a14:useLocalDpi xmlns:a14="http://schemas.microsoft.com/office/drawing/2010/main" val="0"/>
-              </a:ext>
-            </a:extLst>
-          </a:blip>
-          <a:stretch>
-            <a:fillRect/>
-          </a:stretch>
-        </p:blipFill>
-        <p:spPr>
-          <a:xfrm>
-            <a:off x="302238" y="215495"/>
-            <a:ext cx="11724287" cy="6277379"/>
-          </a:xfrm>
-        </p:spPr>
-      </p:pic>
-    </p:spTree>
-    <p:extLst>
-      <p:ext uri="{BB962C8B-B14F-4D97-AF65-F5344CB8AC3E}">
-        <p14:creationId xmlns:p14="http://schemas.microsoft.com/office/powerpoint/2010/main" val="1049406885"/>
       </p:ext>
     </p:extLst>
   </p:cSld>
